--- a/Documents/RFSoC_Design.pptx
+++ b/Documents/RFSoC_Design.pptx
@@ -11,7 +11,9 @@
     <p:sldId id="259" r:id="rId5"/>
     <p:sldId id="260" r:id="rId6"/>
     <p:sldId id="262" r:id="rId7"/>
-    <p:sldId id="261" r:id="rId8"/>
+    <p:sldId id="263" r:id="rId8"/>
+    <p:sldId id="264" r:id="rId9"/>
+    <p:sldId id="261" r:id="rId10"/>
   </p:sldIdLst>
   <p:sldSz cx="12192000" cy="6858000"/>
   <p:notesSz cx="6858000" cy="9144000"/>
@@ -265,7 +267,7 @@
           <a:p>
             <a:fld id="{4BCFB9E3-1A25-40D8-A1F2-1B6E2C7DEF49}" type="datetimeFigureOut">
               <a:rPr lang="ko-KR" altLang="en-US" smtClean="0"/>
-              <a:t>2023-01-23</a:t>
+              <a:t>2023-01-25</a:t>
             </a:fld>
             <a:endParaRPr lang="ko-KR" altLang="en-US"/>
           </a:p>
@@ -463,7 +465,7 @@
           <a:p>
             <a:fld id="{4BCFB9E3-1A25-40D8-A1F2-1B6E2C7DEF49}" type="datetimeFigureOut">
               <a:rPr lang="ko-KR" altLang="en-US" smtClean="0"/>
-              <a:t>2023-01-23</a:t>
+              <a:t>2023-01-25</a:t>
             </a:fld>
             <a:endParaRPr lang="ko-KR" altLang="en-US"/>
           </a:p>
@@ -671,7 +673,7 @@
           <a:p>
             <a:fld id="{4BCFB9E3-1A25-40D8-A1F2-1B6E2C7DEF49}" type="datetimeFigureOut">
               <a:rPr lang="ko-KR" altLang="en-US" smtClean="0"/>
-              <a:t>2023-01-23</a:t>
+              <a:t>2023-01-25</a:t>
             </a:fld>
             <a:endParaRPr lang="ko-KR" altLang="en-US"/>
           </a:p>
@@ -869,7 +871,7 @@
           <a:p>
             <a:fld id="{4BCFB9E3-1A25-40D8-A1F2-1B6E2C7DEF49}" type="datetimeFigureOut">
               <a:rPr lang="ko-KR" altLang="en-US" smtClean="0"/>
-              <a:t>2023-01-23</a:t>
+              <a:t>2023-01-25</a:t>
             </a:fld>
             <a:endParaRPr lang="ko-KR" altLang="en-US"/>
           </a:p>
@@ -1144,7 +1146,7 @@
           <a:p>
             <a:fld id="{4BCFB9E3-1A25-40D8-A1F2-1B6E2C7DEF49}" type="datetimeFigureOut">
               <a:rPr lang="ko-KR" altLang="en-US" smtClean="0"/>
-              <a:t>2023-01-23</a:t>
+              <a:t>2023-01-25</a:t>
             </a:fld>
             <a:endParaRPr lang="ko-KR" altLang="en-US"/>
           </a:p>
@@ -1409,7 +1411,7 @@
           <a:p>
             <a:fld id="{4BCFB9E3-1A25-40D8-A1F2-1B6E2C7DEF49}" type="datetimeFigureOut">
               <a:rPr lang="ko-KR" altLang="en-US" smtClean="0"/>
-              <a:t>2023-01-23</a:t>
+              <a:t>2023-01-25</a:t>
             </a:fld>
             <a:endParaRPr lang="ko-KR" altLang="en-US"/>
           </a:p>
@@ -1821,7 +1823,7 @@
           <a:p>
             <a:fld id="{4BCFB9E3-1A25-40D8-A1F2-1B6E2C7DEF49}" type="datetimeFigureOut">
               <a:rPr lang="ko-KR" altLang="en-US" smtClean="0"/>
-              <a:t>2023-01-23</a:t>
+              <a:t>2023-01-25</a:t>
             </a:fld>
             <a:endParaRPr lang="ko-KR" altLang="en-US"/>
           </a:p>
@@ -1962,7 +1964,7 @@
           <a:p>
             <a:fld id="{4BCFB9E3-1A25-40D8-A1F2-1B6E2C7DEF49}" type="datetimeFigureOut">
               <a:rPr lang="ko-KR" altLang="en-US" smtClean="0"/>
-              <a:t>2023-01-23</a:t>
+              <a:t>2023-01-25</a:t>
             </a:fld>
             <a:endParaRPr lang="ko-KR" altLang="en-US"/>
           </a:p>
@@ -2075,7 +2077,7 @@
           <a:p>
             <a:fld id="{4BCFB9E3-1A25-40D8-A1F2-1B6E2C7DEF49}" type="datetimeFigureOut">
               <a:rPr lang="ko-KR" altLang="en-US" smtClean="0"/>
-              <a:t>2023-01-23</a:t>
+              <a:t>2023-01-25</a:t>
             </a:fld>
             <a:endParaRPr lang="ko-KR" altLang="en-US"/>
           </a:p>
@@ -2386,7 +2388,7 @@
           <a:p>
             <a:fld id="{4BCFB9E3-1A25-40D8-A1F2-1B6E2C7DEF49}" type="datetimeFigureOut">
               <a:rPr lang="ko-KR" altLang="en-US" smtClean="0"/>
-              <a:t>2023-01-23</a:t>
+              <a:t>2023-01-25</a:t>
             </a:fld>
             <a:endParaRPr lang="ko-KR" altLang="en-US"/>
           </a:p>
@@ -2674,7 +2676,7 @@
           <a:p>
             <a:fld id="{4BCFB9E3-1A25-40D8-A1F2-1B6E2C7DEF49}" type="datetimeFigureOut">
               <a:rPr lang="ko-KR" altLang="en-US" smtClean="0"/>
-              <a:t>2023-01-23</a:t>
+              <a:t>2023-01-25</a:t>
             </a:fld>
             <a:endParaRPr lang="ko-KR" altLang="en-US"/>
           </a:p>
@@ -2915,7 +2917,7 @@
           <a:p>
             <a:fld id="{4BCFB9E3-1A25-40D8-A1F2-1B6E2C7DEF49}" type="datetimeFigureOut">
               <a:rPr lang="ko-KR" altLang="en-US" smtClean="0"/>
-              <a:t>2023-01-23</a:t>
+              <a:t>2023-01-25</a:t>
             </a:fld>
             <a:endParaRPr lang="ko-KR" altLang="en-US"/>
           </a:p>
@@ -16548,7 +16550,7 @@
         </p:nvGrpSpPr>
         <p:grpSpPr>
           <a:xfrm>
-            <a:off x="10453512" y="225779"/>
+            <a:off x="10453512" y="197557"/>
             <a:ext cx="1320800" cy="1546577"/>
             <a:chOff x="1529645" y="592668"/>
             <a:chExt cx="1320800" cy="1546577"/>
@@ -16745,7 +16747,7 @@
         </p:nvCxnSpPr>
         <p:spPr>
           <a:xfrm rot="5400000">
-            <a:off x="9304523" y="1442499"/>
+            <a:off x="9304523" y="1414277"/>
             <a:ext cx="1479533" cy="2139247"/>
           </a:xfrm>
           <a:prstGeom prst="bentConnector2">
@@ -17810,12 +17812,12 @@
         </p:nvCxnSpPr>
         <p:spPr>
           <a:xfrm rot="5400000" flipH="1" flipV="1">
-            <a:off x="7246906" y="1784216"/>
-            <a:ext cx="5312553" cy="3742258"/>
+            <a:off x="7232795" y="1770105"/>
+            <a:ext cx="5340775" cy="3742258"/>
           </a:xfrm>
           <a:prstGeom prst="bentConnector4">
             <a:avLst>
-              <a:gd name="adj1" fmla="val -4303"/>
+              <a:gd name="adj1" fmla="val -4280"/>
               <a:gd name="adj2" fmla="val 106109"/>
             </a:avLst>
           </a:prstGeom>
@@ -17965,6 +17967,45 @@
           </a:fontRef>
         </p:style>
       </p:cxnSp>
+      <p:sp>
+        <p:nvSpPr>
+          <p:cNvPr id="2" name="내용 개체 틀 2">
+            <a:extLst>
+              <a:ext uri="{FF2B5EF4-FFF2-40B4-BE49-F238E27FC236}">
+                <a16:creationId xmlns:a16="http://schemas.microsoft.com/office/drawing/2014/main" id="{709E70AD-0510-04E2-707D-1096103A9FC5}"/>
+              </a:ext>
+            </a:extLst>
+          </p:cNvPr>
+          <p:cNvSpPr>
+            <a:spLocks noGrp="1"/>
+          </p:cNvSpPr>
+          <p:nvPr>
+            <p:ph idx="1"/>
+          </p:nvPr>
+        </p:nvSpPr>
+        <p:spPr>
+          <a:xfrm>
+            <a:off x="417688" y="149365"/>
+            <a:ext cx="10515600" cy="472302"/>
+          </a:xfrm>
+        </p:spPr>
+        <p:txBody>
+          <a:bodyPr>
+            <a:normAutofit lnSpcReduction="10000"/>
+          </a:bodyPr>
+          <a:lstStyle/>
+          <a:p>
+            <a:pPr marL="0" indent="0">
+              <a:buNone/>
+            </a:pPr>
+            <a:r>
+              <a:rPr lang="en-US" altLang="ko-KR"/>
+              <a:t>Solution1</a:t>
+            </a:r>
+            <a:endParaRPr lang="ko-KR" altLang="en-US"/>
+          </a:p>
+        </p:txBody>
+      </p:sp>
     </p:spTree>
     <p:extLst>
       <p:ext uri="{BB962C8B-B14F-4D97-AF65-F5344CB8AC3E}">
@@ -17979,6 +18020,3923 @@
 </file>
 
 <file path=ppt/slides/slide7.xml><?xml version="1.0" encoding="utf-8"?>
+<p:sld xmlns:a="http://schemas.openxmlformats.org/drawingml/2006/main" xmlns:r="http://schemas.openxmlformats.org/officeDocument/2006/relationships" xmlns:p="http://schemas.openxmlformats.org/presentationml/2006/main">
+  <p:cSld>
+    <p:spTree>
+      <p:nvGrpSpPr>
+        <p:cNvPr id="1" name=""/>
+        <p:cNvGrpSpPr/>
+        <p:nvPr/>
+      </p:nvGrpSpPr>
+      <p:grpSpPr>
+        <a:xfrm>
+          <a:off x="0" y="0"/>
+          <a:ext cx="0" cy="0"/>
+          <a:chOff x="0" y="0"/>
+          <a:chExt cx="0" cy="0"/>
+        </a:xfrm>
+      </p:grpSpPr>
+      <p:sp>
+        <p:nvSpPr>
+          <p:cNvPr id="4" name="직사각형 3">
+            <a:extLst>
+              <a:ext uri="{FF2B5EF4-FFF2-40B4-BE49-F238E27FC236}">
+                <a16:creationId xmlns:a16="http://schemas.microsoft.com/office/drawing/2014/main" id="{09A30AAA-CB8C-CB9D-E173-EA2042872738}"/>
+              </a:ext>
+            </a:extLst>
+          </p:cNvPr>
+          <p:cNvSpPr/>
+          <p:nvPr/>
+        </p:nvSpPr>
+        <p:spPr>
+          <a:xfrm>
+            <a:off x="733786" y="603957"/>
+            <a:ext cx="1597370" cy="5328354"/>
+          </a:xfrm>
+          <a:prstGeom prst="rect">
+            <a:avLst/>
+          </a:prstGeom>
+          <a:noFill/>
+          <a:ln>
+            <a:noFill/>
+          </a:ln>
+        </p:spPr>
+        <p:style>
+          <a:lnRef idx="2">
+            <a:schemeClr val="accent1">
+              <a:shade val="50000"/>
+            </a:schemeClr>
+          </a:lnRef>
+          <a:fillRef idx="1">
+            <a:schemeClr val="accent1"/>
+          </a:fillRef>
+          <a:effectRef idx="0">
+            <a:schemeClr val="accent1"/>
+          </a:effectRef>
+          <a:fontRef idx="minor">
+            <a:schemeClr val="lt1"/>
+          </a:fontRef>
+        </p:style>
+        <p:txBody>
+          <a:bodyPr rtlCol="0" anchor="ctr"/>
+          <a:lstStyle/>
+          <a:p>
+            <a:r>
+              <a:rPr lang="en-US" altLang="ko-KR" sz="900">
+                <a:solidFill>
+                  <a:schemeClr val="tx1"/>
+                </a:solidFill>
+              </a:rPr>
+              <a:t>Start()</a:t>
+            </a:r>
+          </a:p>
+          <a:p>
+            <a:endParaRPr lang="en-US" altLang="ko-KR" sz="900">
+              <a:solidFill>
+                <a:schemeClr val="tx1"/>
+              </a:solidFill>
+            </a:endParaRPr>
+          </a:p>
+          <a:p>
+            <a:r>
+              <a:rPr lang="en-US" altLang="ko-KR" sz="900">
+                <a:solidFill>
+                  <a:schemeClr val="tx1"/>
+                </a:solidFill>
+              </a:rPr>
+              <a:t>#timestamp 0</a:t>
+            </a:r>
+          </a:p>
+          <a:p>
+            <a:r>
+              <a:rPr lang="en-US" altLang="ko-KR" sz="900">
+                <a:solidFill>
+                  <a:schemeClr val="tx1"/>
+                </a:solidFill>
+              </a:rPr>
+              <a:t>Do Something()</a:t>
+            </a:r>
+          </a:p>
+          <a:p>
+            <a:r>
+              <a:rPr lang="en-US" altLang="ko-KR" sz="900">
+                <a:solidFill>
+                  <a:schemeClr val="tx1"/>
+                </a:solidFill>
+              </a:rPr>
+              <a:t>Delay(1)</a:t>
+            </a:r>
+          </a:p>
+          <a:p>
+            <a:endParaRPr lang="en-US" altLang="ko-KR" sz="900">
+              <a:solidFill>
+                <a:schemeClr val="tx1"/>
+              </a:solidFill>
+            </a:endParaRPr>
+          </a:p>
+          <a:p>
+            <a:r>
+              <a:rPr lang="en-US" altLang="ko-KR" sz="900">
+                <a:solidFill>
+                  <a:schemeClr val="tx1"/>
+                </a:solidFill>
+              </a:rPr>
+              <a:t>#timestamp 1</a:t>
+            </a:r>
+          </a:p>
+          <a:p>
+            <a:r>
+              <a:rPr lang="en-US" altLang="ko-KR" sz="900">
+                <a:solidFill>
+                  <a:schemeClr val="tx1"/>
+                </a:solidFill>
+                <a:highlight>
+                  <a:srgbClr val="FFFF00"/>
+                </a:highlight>
+              </a:rPr>
+              <a:t>A = Measure()</a:t>
+            </a:r>
+          </a:p>
+          <a:p>
+            <a:r>
+              <a:rPr lang="en-US" altLang="ko-KR" sz="900">
+                <a:solidFill>
+                  <a:schemeClr val="tx1"/>
+                </a:solidFill>
+              </a:rPr>
+              <a:t>Delay(1)</a:t>
+            </a:r>
+            <a:endParaRPr lang="ko-KR" altLang="en-US" sz="900">
+              <a:solidFill>
+                <a:schemeClr val="tx1"/>
+              </a:solidFill>
+            </a:endParaRPr>
+          </a:p>
+          <a:p>
+            <a:endParaRPr lang="en-US" altLang="ko-KR" sz="900">
+              <a:solidFill>
+                <a:schemeClr val="tx1"/>
+              </a:solidFill>
+            </a:endParaRPr>
+          </a:p>
+          <a:p>
+            <a:r>
+              <a:rPr lang="en-US" altLang="ko-KR" sz="900">
+                <a:solidFill>
+                  <a:schemeClr val="tx1"/>
+                </a:solidFill>
+              </a:rPr>
+              <a:t>#timestamp 2</a:t>
+            </a:r>
+          </a:p>
+          <a:p>
+            <a:r>
+              <a:rPr lang="en-US" altLang="ko-KR" sz="900">
+                <a:solidFill>
+                  <a:schemeClr val="tx1"/>
+                </a:solidFill>
+                <a:highlight>
+                  <a:srgbClr val="FFFF00"/>
+                </a:highlight>
+              </a:rPr>
+              <a:t>If( A == True )</a:t>
+            </a:r>
+          </a:p>
+          <a:p>
+            <a:r>
+              <a:rPr lang="en-US" altLang="ko-KR" sz="900">
+                <a:solidFill>
+                  <a:schemeClr val="tx1"/>
+                </a:solidFill>
+              </a:rPr>
+              <a:t>    Delay(2)</a:t>
+            </a:r>
+          </a:p>
+          <a:p>
+            <a:r>
+              <a:rPr lang="en-US" altLang="ko-KR" sz="900">
+                <a:solidFill>
+                  <a:schemeClr val="tx1"/>
+                </a:solidFill>
+              </a:rPr>
+              <a:t>    #timestamp 4</a:t>
+            </a:r>
+          </a:p>
+          <a:p>
+            <a:r>
+              <a:rPr lang="en-US" altLang="ko-KR" sz="900">
+                <a:solidFill>
+                  <a:schemeClr val="tx1"/>
+                </a:solidFill>
+              </a:rPr>
+              <a:t>    </a:t>
+            </a:r>
+            <a:r>
+              <a:rPr lang="en-US" altLang="ko-KR" sz="900">
+                <a:solidFill>
+                  <a:schemeClr val="tx1"/>
+                </a:solidFill>
+                <a:highlight>
+                  <a:srgbClr val="FFFF00"/>
+                </a:highlight>
+              </a:rPr>
+              <a:t>Do Something()</a:t>
+            </a:r>
+          </a:p>
+          <a:p>
+            <a:endParaRPr lang="en-US" altLang="ko-KR" sz="900">
+              <a:solidFill>
+                <a:schemeClr val="tx1"/>
+              </a:solidFill>
+            </a:endParaRPr>
+          </a:p>
+          <a:p>
+            <a:r>
+              <a:rPr lang="en-US" altLang="ko-KR" sz="900">
+                <a:solidFill>
+                  <a:schemeClr val="tx1"/>
+                </a:solidFill>
+              </a:rPr>
+              <a:t>Else</a:t>
+            </a:r>
+          </a:p>
+          <a:p>
+            <a:r>
+              <a:rPr lang="en-US" altLang="ko-KR" sz="900">
+                <a:solidFill>
+                  <a:schemeClr val="tx1"/>
+                </a:solidFill>
+              </a:rPr>
+              <a:t>    Delay(5)</a:t>
+            </a:r>
+          </a:p>
+          <a:p>
+            <a:r>
+              <a:rPr lang="en-US" altLang="ko-KR" sz="900">
+                <a:solidFill>
+                  <a:schemeClr val="tx1"/>
+                </a:solidFill>
+              </a:rPr>
+              <a:t>    #timestamp 7</a:t>
+            </a:r>
+          </a:p>
+          <a:p>
+            <a:r>
+              <a:rPr lang="en-US" altLang="ko-KR" sz="900">
+                <a:solidFill>
+                  <a:schemeClr val="tx1"/>
+                </a:solidFill>
+              </a:rPr>
+              <a:t>    </a:t>
+            </a:r>
+            <a:r>
+              <a:rPr lang="en-US" altLang="ko-KR" sz="900">
+                <a:solidFill>
+                  <a:schemeClr val="tx1"/>
+                </a:solidFill>
+                <a:highlight>
+                  <a:srgbClr val="FFFF00"/>
+                </a:highlight>
+              </a:rPr>
+              <a:t>Do Something()</a:t>
+            </a:r>
+          </a:p>
+          <a:p>
+            <a:endParaRPr lang="en-US" altLang="ko-KR" sz="900">
+              <a:solidFill>
+                <a:schemeClr val="tx1"/>
+              </a:solidFill>
+            </a:endParaRPr>
+          </a:p>
+          <a:p>
+            <a:r>
+              <a:rPr lang="en-US" altLang="ko-KR" sz="900">
+                <a:solidFill>
+                  <a:schemeClr val="tx1"/>
+                </a:solidFill>
+              </a:rPr>
+              <a:t>#back to timestamp 2</a:t>
+            </a:r>
+          </a:p>
+          <a:p>
+            <a:r>
+              <a:rPr lang="en-US" altLang="ko-KR" sz="900">
+                <a:solidFill>
+                  <a:schemeClr val="tx1"/>
+                </a:solidFill>
+              </a:rPr>
+              <a:t>Do Something()</a:t>
+            </a:r>
+          </a:p>
+          <a:p>
+            <a:r>
+              <a:rPr lang="en-US" altLang="ko-KR" sz="900">
+                <a:solidFill>
+                  <a:schemeClr val="tx1"/>
+                </a:solidFill>
+              </a:rPr>
+              <a:t>Delay(1)</a:t>
+            </a:r>
+          </a:p>
+          <a:p>
+            <a:endParaRPr lang="en-US" altLang="ko-KR" sz="900">
+              <a:solidFill>
+                <a:schemeClr val="tx1"/>
+              </a:solidFill>
+            </a:endParaRPr>
+          </a:p>
+          <a:p>
+            <a:r>
+              <a:rPr lang="en-US" altLang="ko-KR" sz="900">
+                <a:solidFill>
+                  <a:schemeClr val="tx1"/>
+                </a:solidFill>
+              </a:rPr>
+              <a:t>#timestamp 3 </a:t>
+            </a:r>
+          </a:p>
+          <a:p>
+            <a:r>
+              <a:rPr lang="en-US" altLang="ko-KR" sz="900">
+                <a:solidFill>
+                  <a:schemeClr val="tx1"/>
+                </a:solidFill>
+              </a:rPr>
+              <a:t>Do Something()</a:t>
+            </a:r>
+          </a:p>
+          <a:p>
+            <a:r>
+              <a:rPr lang="en-US" altLang="ko-KR" sz="900">
+                <a:solidFill>
+                  <a:schemeClr val="tx1"/>
+                </a:solidFill>
+              </a:rPr>
+              <a:t>Delay(2)</a:t>
+            </a:r>
+          </a:p>
+          <a:p>
+            <a:endParaRPr lang="en-US" altLang="ko-KR" sz="900">
+              <a:solidFill>
+                <a:schemeClr val="tx1"/>
+              </a:solidFill>
+            </a:endParaRPr>
+          </a:p>
+          <a:p>
+            <a:r>
+              <a:rPr lang="en-US" altLang="ko-KR" sz="900">
+                <a:solidFill>
+                  <a:schemeClr val="tx1"/>
+                </a:solidFill>
+              </a:rPr>
+              <a:t>#timestamp 5 </a:t>
+            </a:r>
+          </a:p>
+          <a:p>
+            <a:r>
+              <a:rPr lang="en-US" altLang="ko-KR" sz="900">
+                <a:solidFill>
+                  <a:schemeClr val="tx1"/>
+                </a:solidFill>
+              </a:rPr>
+              <a:t>Do Something()</a:t>
+            </a:r>
+          </a:p>
+          <a:p>
+            <a:r>
+              <a:rPr lang="en-US" altLang="ko-KR" sz="900">
+                <a:solidFill>
+                  <a:schemeClr val="tx1"/>
+                </a:solidFill>
+              </a:rPr>
+              <a:t>Delay(1)</a:t>
+            </a:r>
+          </a:p>
+          <a:p>
+            <a:endParaRPr lang="en-US" altLang="ko-KR" sz="900">
+              <a:solidFill>
+                <a:schemeClr val="tx1"/>
+              </a:solidFill>
+            </a:endParaRPr>
+          </a:p>
+          <a:p>
+            <a:r>
+              <a:rPr lang="en-US" altLang="ko-KR" sz="900">
+                <a:solidFill>
+                  <a:schemeClr val="tx1"/>
+                </a:solidFill>
+              </a:rPr>
+              <a:t>#timestamp 6</a:t>
+            </a:r>
+            <a:endParaRPr lang="ko-KR" altLang="en-US" sz="900">
+              <a:solidFill>
+                <a:schemeClr val="tx1"/>
+              </a:solidFill>
+            </a:endParaRPr>
+          </a:p>
+          <a:p>
+            <a:r>
+              <a:rPr lang="en-US" altLang="ko-KR" sz="900">
+                <a:solidFill>
+                  <a:schemeClr val="tx1"/>
+                </a:solidFill>
+              </a:rPr>
+              <a:t>Do Something()</a:t>
+            </a:r>
+          </a:p>
+          <a:p>
+            <a:endParaRPr lang="en-US" altLang="ko-KR" sz="900">
+              <a:solidFill>
+                <a:schemeClr val="tx1"/>
+              </a:solidFill>
+            </a:endParaRPr>
+          </a:p>
+          <a:p>
+            <a:r>
+              <a:rPr lang="en-US" altLang="ko-KR" sz="900">
+                <a:solidFill>
+                  <a:schemeClr val="tx1"/>
+                </a:solidFill>
+              </a:rPr>
+              <a:t>End()</a:t>
+            </a:r>
+          </a:p>
+          <a:p>
+            <a:endParaRPr lang="ko-KR" altLang="en-US" sz="900">
+              <a:solidFill>
+                <a:schemeClr val="tx1"/>
+              </a:solidFill>
+            </a:endParaRPr>
+          </a:p>
+        </p:txBody>
+      </p:sp>
+      <p:sp>
+        <p:nvSpPr>
+          <p:cNvPr id="6" name="직사각형 5">
+            <a:extLst>
+              <a:ext uri="{FF2B5EF4-FFF2-40B4-BE49-F238E27FC236}">
+                <a16:creationId xmlns:a16="http://schemas.microsoft.com/office/drawing/2014/main" id="{15C7EF51-A564-6C6A-99D9-20D2FF79D16B}"/>
+              </a:ext>
+            </a:extLst>
+          </p:cNvPr>
+          <p:cNvSpPr/>
+          <p:nvPr/>
+        </p:nvSpPr>
+        <p:spPr>
+          <a:xfrm>
+            <a:off x="5180190" y="1207912"/>
+            <a:ext cx="1982610" cy="270932"/>
+          </a:xfrm>
+          <a:prstGeom prst="rect">
+            <a:avLst/>
+          </a:prstGeom>
+          <a:noFill/>
+          <a:ln>
+            <a:noFill/>
+          </a:ln>
+        </p:spPr>
+        <p:style>
+          <a:lnRef idx="2">
+            <a:schemeClr val="accent1">
+              <a:shade val="50000"/>
+            </a:schemeClr>
+          </a:lnRef>
+          <a:fillRef idx="1">
+            <a:schemeClr val="accent1"/>
+          </a:fillRef>
+          <a:effectRef idx="0">
+            <a:schemeClr val="accent1"/>
+          </a:effectRef>
+          <a:fontRef idx="minor">
+            <a:schemeClr val="lt1"/>
+          </a:fontRef>
+        </p:style>
+        <p:txBody>
+          <a:bodyPr rtlCol="0" anchor="t"/>
+          <a:lstStyle/>
+          <a:p>
+            <a:pPr algn="ctr"/>
+            <a:r>
+              <a:rPr lang="en-US" altLang="ko-KR" sz="900">
+                <a:solidFill>
+                  <a:schemeClr val="tx1"/>
+                </a:solidFill>
+              </a:rPr>
+              <a:t>Just</a:t>
+            </a:r>
+            <a:r>
+              <a:rPr lang="ko-KR" altLang="en-US" sz="900">
+                <a:solidFill>
+                  <a:schemeClr val="tx1"/>
+                </a:solidFill>
+              </a:rPr>
+              <a:t> </a:t>
+            </a:r>
+            <a:r>
+              <a:rPr lang="en-US" altLang="ko-KR" sz="900">
+                <a:solidFill>
+                  <a:schemeClr val="tx1"/>
+                </a:solidFill>
+              </a:rPr>
+              <a:t>In</a:t>
+            </a:r>
+            <a:r>
+              <a:rPr lang="ko-KR" altLang="en-US" sz="900">
+                <a:solidFill>
+                  <a:schemeClr val="tx1"/>
+                </a:solidFill>
+              </a:rPr>
+              <a:t> </a:t>
+            </a:r>
+            <a:r>
+              <a:rPr lang="en-US" altLang="ko-KR" sz="900">
+                <a:solidFill>
+                  <a:schemeClr val="tx1"/>
+                </a:solidFill>
+              </a:rPr>
+              <a:t>Time Compilation(in Zynq)</a:t>
+            </a:r>
+            <a:endParaRPr lang="ko-KR" altLang="en-US" sz="900">
+              <a:solidFill>
+                <a:schemeClr val="tx1"/>
+              </a:solidFill>
+            </a:endParaRPr>
+          </a:p>
+        </p:txBody>
+      </p:sp>
+      <p:sp>
+        <p:nvSpPr>
+          <p:cNvPr id="7" name="화살표: 오른쪽 6">
+            <a:extLst>
+              <a:ext uri="{FF2B5EF4-FFF2-40B4-BE49-F238E27FC236}">
+                <a16:creationId xmlns:a16="http://schemas.microsoft.com/office/drawing/2014/main" id="{C5F2E6A5-47E0-9BF7-C920-40578CFB61E3}"/>
+              </a:ext>
+            </a:extLst>
+          </p:cNvPr>
+          <p:cNvSpPr/>
+          <p:nvPr/>
+        </p:nvSpPr>
+        <p:spPr>
+          <a:xfrm>
+            <a:off x="2655009" y="1470377"/>
+            <a:ext cx="479778" cy="378178"/>
+          </a:xfrm>
+          <a:prstGeom prst="rightArrow">
+            <a:avLst/>
+          </a:prstGeom>
+        </p:spPr>
+        <p:style>
+          <a:lnRef idx="2">
+            <a:schemeClr val="accent1">
+              <a:shade val="50000"/>
+            </a:schemeClr>
+          </a:lnRef>
+          <a:fillRef idx="1">
+            <a:schemeClr val="accent1"/>
+          </a:fillRef>
+          <a:effectRef idx="0">
+            <a:schemeClr val="accent1"/>
+          </a:effectRef>
+          <a:fontRef idx="minor">
+            <a:schemeClr val="lt1"/>
+          </a:fontRef>
+        </p:style>
+        <p:txBody>
+          <a:bodyPr rtlCol="0" anchor="ctr"/>
+          <a:lstStyle/>
+          <a:p>
+            <a:pPr algn="ctr"/>
+            <a:endParaRPr lang="ko-KR" altLang="en-US"/>
+          </a:p>
+        </p:txBody>
+      </p:sp>
+      <p:sp>
+        <p:nvSpPr>
+          <p:cNvPr id="8" name="직사각형 7">
+            <a:extLst>
+              <a:ext uri="{FF2B5EF4-FFF2-40B4-BE49-F238E27FC236}">
+                <a16:creationId xmlns:a16="http://schemas.microsoft.com/office/drawing/2014/main" id="{CF51ABE9-959B-D885-BFE7-25117FA15813}"/>
+              </a:ext>
+            </a:extLst>
+          </p:cNvPr>
+          <p:cNvSpPr/>
+          <p:nvPr/>
+        </p:nvSpPr>
+        <p:spPr>
+          <a:xfrm>
+            <a:off x="3646314" y="603957"/>
+            <a:ext cx="2156169" cy="5328354"/>
+          </a:xfrm>
+          <a:prstGeom prst="rect">
+            <a:avLst/>
+          </a:prstGeom>
+          <a:noFill/>
+          <a:ln>
+            <a:noFill/>
+          </a:ln>
+        </p:spPr>
+        <p:style>
+          <a:lnRef idx="2">
+            <a:schemeClr val="accent1">
+              <a:shade val="50000"/>
+            </a:schemeClr>
+          </a:lnRef>
+          <a:fillRef idx="1">
+            <a:schemeClr val="accent1"/>
+          </a:fillRef>
+          <a:effectRef idx="0">
+            <a:schemeClr val="accent1"/>
+          </a:effectRef>
+          <a:fontRef idx="minor">
+            <a:schemeClr val="lt1"/>
+          </a:fontRef>
+        </p:style>
+        <p:txBody>
+          <a:bodyPr rtlCol="0" anchor="t"/>
+          <a:lstStyle/>
+          <a:p>
+            <a:r>
+              <a:rPr lang="en-US" altLang="ko-KR" sz="900">
+                <a:solidFill>
+                  <a:schemeClr val="tx1"/>
+                </a:solidFill>
+              </a:rPr>
+              <a:t>0 RTO DO_SOMETIHNG</a:t>
+            </a:r>
+          </a:p>
+          <a:p>
+            <a:r>
+              <a:rPr lang="en-US" altLang="ko-KR" sz="900">
+                <a:solidFill>
+                  <a:schemeClr val="tx1"/>
+                </a:solidFill>
+              </a:rPr>
+              <a:t>1 RTO MEASURE</a:t>
+            </a:r>
+          </a:p>
+          <a:p>
+            <a:r>
+              <a:rPr lang="en-US" altLang="ko-KR" sz="900">
+                <a:solidFill>
+                  <a:schemeClr val="tx1"/>
+                </a:solidFill>
+              </a:rPr>
+              <a:t>2 EQ A MES_VAL</a:t>
+            </a:r>
+          </a:p>
+          <a:p>
+            <a:r>
+              <a:rPr lang="en-US" altLang="ko-KR" sz="900">
+                <a:solidFill>
+                  <a:schemeClr val="tx1"/>
+                </a:solidFill>
+              </a:rPr>
+              <a:t>2 IF A JMP TRUE:</a:t>
+            </a:r>
+          </a:p>
+          <a:p>
+            <a:r>
+              <a:rPr lang="en-US" altLang="ko-KR" sz="900">
+                <a:solidFill>
+                  <a:schemeClr val="tx1"/>
+                </a:solidFill>
+              </a:rPr>
+              <a:t>  7 RTO DO_SOMETHING</a:t>
+            </a:r>
+          </a:p>
+          <a:p>
+            <a:r>
+              <a:rPr lang="en-US" altLang="ko-KR" sz="900">
+                <a:solidFill>
+                  <a:schemeClr val="tx1"/>
+                </a:solidFill>
+              </a:rPr>
+              <a:t>  2 JMP FALSE:</a:t>
+            </a:r>
+          </a:p>
+          <a:p>
+            <a:endParaRPr lang="en-US" altLang="ko-KR" sz="900">
+              <a:solidFill>
+                <a:schemeClr val="tx1"/>
+              </a:solidFill>
+            </a:endParaRPr>
+          </a:p>
+          <a:p>
+            <a:r>
+              <a:rPr lang="en-US" altLang="ko-KR" sz="900">
+                <a:solidFill>
+                  <a:schemeClr val="tx1"/>
+                </a:solidFill>
+              </a:rPr>
+              <a:t>TRUE:</a:t>
+            </a:r>
+          </a:p>
+          <a:p>
+            <a:r>
+              <a:rPr lang="en-US" altLang="ko-KR" sz="900">
+                <a:solidFill>
+                  <a:schemeClr val="tx1"/>
+                </a:solidFill>
+              </a:rPr>
+              <a:t>  4 RTO DO_SOMETIHNG</a:t>
+            </a:r>
+          </a:p>
+          <a:p>
+            <a:endParaRPr lang="en-US" altLang="ko-KR" sz="900">
+              <a:solidFill>
+                <a:schemeClr val="tx1"/>
+              </a:solidFill>
+            </a:endParaRPr>
+          </a:p>
+          <a:p>
+            <a:r>
+              <a:rPr lang="en-US" altLang="ko-KR" sz="900">
+                <a:solidFill>
+                  <a:schemeClr val="tx1"/>
+                </a:solidFill>
+              </a:rPr>
+              <a:t>FALSE:</a:t>
+            </a:r>
+          </a:p>
+          <a:p>
+            <a:r>
+              <a:rPr lang="en-US" altLang="ko-KR" sz="900">
+                <a:solidFill>
+                  <a:schemeClr val="tx1"/>
+                </a:solidFill>
+              </a:rPr>
+              <a:t>2 RTO DO_SOMETHING</a:t>
+            </a:r>
+          </a:p>
+          <a:p>
+            <a:r>
+              <a:rPr lang="en-US" altLang="ko-KR" sz="900">
+                <a:solidFill>
+                  <a:schemeClr val="tx1"/>
+                </a:solidFill>
+              </a:rPr>
+              <a:t>3 RTO DO_SOMETHING</a:t>
+            </a:r>
+          </a:p>
+          <a:p>
+            <a:r>
+              <a:rPr lang="en-US" altLang="ko-KR" sz="900">
+                <a:solidFill>
+                  <a:schemeClr val="tx1"/>
+                </a:solidFill>
+              </a:rPr>
+              <a:t>5 RTO DO_SOMETHING</a:t>
+            </a:r>
+          </a:p>
+          <a:p>
+            <a:r>
+              <a:rPr lang="en-US" altLang="ko-KR" sz="900">
+                <a:solidFill>
+                  <a:schemeClr val="tx1"/>
+                </a:solidFill>
+              </a:rPr>
+              <a:t>6 RTO DO_SOMETHING</a:t>
+            </a:r>
+            <a:endParaRPr lang="ko-KR" altLang="en-US" sz="900">
+              <a:solidFill>
+                <a:schemeClr val="tx1"/>
+              </a:solidFill>
+            </a:endParaRPr>
+          </a:p>
+        </p:txBody>
+      </p:sp>
+      <p:sp>
+        <p:nvSpPr>
+          <p:cNvPr id="9" name="내용 개체 틀 2">
+            <a:extLst>
+              <a:ext uri="{FF2B5EF4-FFF2-40B4-BE49-F238E27FC236}">
+                <a16:creationId xmlns:a16="http://schemas.microsoft.com/office/drawing/2014/main" id="{ADCD8607-6B0E-4A05-4DEE-9050AD44CF4F}"/>
+              </a:ext>
+            </a:extLst>
+          </p:cNvPr>
+          <p:cNvSpPr>
+            <a:spLocks noGrp="1"/>
+          </p:cNvSpPr>
+          <p:nvPr>
+            <p:ph idx="1"/>
+          </p:nvPr>
+        </p:nvSpPr>
+        <p:spPr>
+          <a:xfrm>
+            <a:off x="417688" y="149365"/>
+            <a:ext cx="10515600" cy="472302"/>
+          </a:xfrm>
+        </p:spPr>
+        <p:txBody>
+          <a:bodyPr>
+            <a:normAutofit lnSpcReduction="10000"/>
+          </a:bodyPr>
+          <a:lstStyle/>
+          <a:p>
+            <a:pPr marL="0" indent="0">
+              <a:buNone/>
+            </a:pPr>
+            <a:r>
+              <a:rPr lang="en-US" altLang="ko-KR"/>
+              <a:t>Solution2</a:t>
+            </a:r>
+            <a:endParaRPr lang="ko-KR" altLang="en-US"/>
+          </a:p>
+        </p:txBody>
+      </p:sp>
+      <p:sp>
+        <p:nvSpPr>
+          <p:cNvPr id="10" name="화살표: 오른쪽 9">
+            <a:extLst>
+              <a:ext uri="{FF2B5EF4-FFF2-40B4-BE49-F238E27FC236}">
+                <a16:creationId xmlns:a16="http://schemas.microsoft.com/office/drawing/2014/main" id="{9B4B91EC-D615-9E6D-7A03-418F733D4EE5}"/>
+              </a:ext>
+            </a:extLst>
+          </p:cNvPr>
+          <p:cNvSpPr/>
+          <p:nvPr/>
+        </p:nvSpPr>
+        <p:spPr>
+          <a:xfrm>
+            <a:off x="5931606" y="1478844"/>
+            <a:ext cx="479778" cy="378178"/>
+          </a:xfrm>
+          <a:prstGeom prst="rightArrow">
+            <a:avLst/>
+          </a:prstGeom>
+        </p:spPr>
+        <p:style>
+          <a:lnRef idx="2">
+            <a:schemeClr val="accent1">
+              <a:shade val="50000"/>
+            </a:schemeClr>
+          </a:lnRef>
+          <a:fillRef idx="1">
+            <a:schemeClr val="accent1"/>
+          </a:fillRef>
+          <a:effectRef idx="0">
+            <a:schemeClr val="accent1"/>
+          </a:effectRef>
+          <a:fontRef idx="minor">
+            <a:schemeClr val="lt1"/>
+          </a:fontRef>
+        </p:style>
+        <p:txBody>
+          <a:bodyPr rtlCol="0" anchor="ctr"/>
+          <a:lstStyle/>
+          <a:p>
+            <a:pPr algn="ctr"/>
+            <a:endParaRPr lang="ko-KR" altLang="en-US"/>
+          </a:p>
+        </p:txBody>
+      </p:sp>
+      <p:sp>
+        <p:nvSpPr>
+          <p:cNvPr id="11" name="직사각형 10">
+            <a:extLst>
+              <a:ext uri="{FF2B5EF4-FFF2-40B4-BE49-F238E27FC236}">
+                <a16:creationId xmlns:a16="http://schemas.microsoft.com/office/drawing/2014/main" id="{E74F0CAA-9052-20D8-7F27-25779F4C8047}"/>
+              </a:ext>
+            </a:extLst>
+          </p:cNvPr>
+          <p:cNvSpPr/>
+          <p:nvPr/>
+        </p:nvSpPr>
+        <p:spPr>
+          <a:xfrm>
+            <a:off x="2096213" y="1207912"/>
+            <a:ext cx="1597370" cy="270932"/>
+          </a:xfrm>
+          <a:prstGeom prst="rect">
+            <a:avLst/>
+          </a:prstGeom>
+          <a:noFill/>
+          <a:ln>
+            <a:noFill/>
+          </a:ln>
+        </p:spPr>
+        <p:style>
+          <a:lnRef idx="2">
+            <a:schemeClr val="accent1">
+              <a:shade val="50000"/>
+            </a:schemeClr>
+          </a:lnRef>
+          <a:fillRef idx="1">
+            <a:schemeClr val="accent1"/>
+          </a:fillRef>
+          <a:effectRef idx="0">
+            <a:schemeClr val="accent1"/>
+          </a:effectRef>
+          <a:fontRef idx="minor">
+            <a:schemeClr val="lt1"/>
+          </a:fontRef>
+        </p:style>
+        <p:txBody>
+          <a:bodyPr rtlCol="0" anchor="t"/>
+          <a:lstStyle/>
+          <a:p>
+            <a:pPr algn="ctr"/>
+            <a:r>
+              <a:rPr lang="en-US" altLang="ko-KR" sz="900">
+                <a:solidFill>
+                  <a:schemeClr val="tx1"/>
+                </a:solidFill>
+              </a:rPr>
+              <a:t>Interpreter(in PC)</a:t>
+            </a:r>
+            <a:endParaRPr lang="ko-KR" altLang="en-US" sz="900">
+              <a:solidFill>
+                <a:schemeClr val="tx1"/>
+              </a:solidFill>
+            </a:endParaRPr>
+          </a:p>
+        </p:txBody>
+      </p:sp>
+      <p:grpSp>
+        <p:nvGrpSpPr>
+          <p:cNvPr id="12" name="그룹 11">
+            <a:extLst>
+              <a:ext uri="{FF2B5EF4-FFF2-40B4-BE49-F238E27FC236}">
+                <a16:creationId xmlns:a16="http://schemas.microsoft.com/office/drawing/2014/main" id="{1D0C8C35-1D98-CE2D-58C9-2D33C4BE0D80}"/>
+              </a:ext>
+            </a:extLst>
+          </p:cNvPr>
+          <p:cNvGrpSpPr/>
+          <p:nvPr/>
+        </p:nvGrpSpPr>
+        <p:grpSpPr>
+          <a:xfrm>
+            <a:off x="7456312" y="894644"/>
+            <a:ext cx="1320800" cy="1546577"/>
+            <a:chOff x="1529645" y="592668"/>
+            <a:chExt cx="1320800" cy="1546577"/>
+          </a:xfrm>
+        </p:grpSpPr>
+        <p:sp>
+          <p:nvSpPr>
+            <p:cNvPr id="13" name="직사각형 12">
+              <a:extLst>
+                <a:ext uri="{FF2B5EF4-FFF2-40B4-BE49-F238E27FC236}">
+                  <a16:creationId xmlns:a16="http://schemas.microsoft.com/office/drawing/2014/main" id="{11451EE1-243C-1A98-8B22-6D09261CBF5C}"/>
+                </a:ext>
+              </a:extLst>
+            </p:cNvPr>
+            <p:cNvSpPr/>
+            <p:nvPr/>
+          </p:nvSpPr>
+          <p:spPr>
+            <a:xfrm>
+              <a:off x="1529645" y="592668"/>
+              <a:ext cx="1320800" cy="1546577"/>
+            </a:xfrm>
+            <a:prstGeom prst="rect">
+              <a:avLst/>
+            </a:prstGeom>
+            <a:noFill/>
+          </p:spPr>
+          <p:style>
+            <a:lnRef idx="2">
+              <a:schemeClr val="accent1">
+                <a:shade val="50000"/>
+              </a:schemeClr>
+            </a:lnRef>
+            <a:fillRef idx="1">
+              <a:schemeClr val="accent1"/>
+            </a:fillRef>
+            <a:effectRef idx="0">
+              <a:schemeClr val="accent1"/>
+            </a:effectRef>
+            <a:fontRef idx="minor">
+              <a:schemeClr val="lt1"/>
+            </a:fontRef>
+          </p:style>
+          <p:txBody>
+            <a:bodyPr rtlCol="0" anchor="t"/>
+            <a:lstStyle/>
+            <a:p>
+              <a:pPr algn="ctr"/>
+              <a:r>
+                <a:rPr lang="en-US" altLang="ko-KR" sz="900">
+                  <a:solidFill>
+                    <a:schemeClr val="tx1"/>
+                  </a:solidFill>
+                </a:rPr>
+                <a:t>Zynq</a:t>
+              </a:r>
+              <a:endParaRPr lang="ko-KR" altLang="en-US" sz="900"/>
+            </a:p>
+          </p:txBody>
+        </p:sp>
+        <p:sp>
+          <p:nvSpPr>
+            <p:cNvPr id="14" name="직사각형 13">
+              <a:extLst>
+                <a:ext uri="{FF2B5EF4-FFF2-40B4-BE49-F238E27FC236}">
+                  <a16:creationId xmlns:a16="http://schemas.microsoft.com/office/drawing/2014/main" id="{B8F2FB2C-2207-8BDC-8F56-BEFE4B4A5FC8}"/>
+                </a:ext>
+              </a:extLst>
+            </p:cNvPr>
+            <p:cNvSpPr/>
+            <p:nvPr/>
+          </p:nvSpPr>
+          <p:spPr>
+            <a:xfrm>
+              <a:off x="1631244" y="1377243"/>
+              <a:ext cx="1117602" cy="632179"/>
+            </a:xfrm>
+            <a:prstGeom prst="rect">
+              <a:avLst/>
+            </a:prstGeom>
+            <a:noFill/>
+          </p:spPr>
+          <p:style>
+            <a:lnRef idx="2">
+              <a:schemeClr val="accent1">
+                <a:shade val="50000"/>
+              </a:schemeClr>
+            </a:lnRef>
+            <a:fillRef idx="1">
+              <a:schemeClr val="accent1"/>
+            </a:fillRef>
+            <a:effectRef idx="0">
+              <a:schemeClr val="accent1"/>
+            </a:effectRef>
+            <a:fontRef idx="minor">
+              <a:schemeClr val="lt1"/>
+            </a:fontRef>
+          </p:style>
+          <p:txBody>
+            <a:bodyPr rtlCol="0" anchor="t"/>
+            <a:lstStyle/>
+            <a:p>
+              <a:pPr algn="ctr"/>
+              <a:r>
+                <a:rPr lang="en-US" altLang="ko-KR" sz="900">
+                  <a:solidFill>
+                    <a:schemeClr val="tx1"/>
+                  </a:solidFill>
+                </a:rPr>
+                <a:t>real time OS</a:t>
+              </a:r>
+              <a:endParaRPr lang="ko-KR" altLang="en-US" sz="900">
+                <a:solidFill>
+                  <a:schemeClr val="tx1"/>
+                </a:solidFill>
+              </a:endParaRPr>
+            </a:p>
+          </p:txBody>
+        </p:sp>
+        <p:sp>
+          <p:nvSpPr>
+            <p:cNvPr id="15" name="직사각형 14">
+              <a:extLst>
+                <a:ext uri="{FF2B5EF4-FFF2-40B4-BE49-F238E27FC236}">
+                  <a16:creationId xmlns:a16="http://schemas.microsoft.com/office/drawing/2014/main" id="{E268C07D-E9CE-9A5B-9263-B4E411670BA0}"/>
+                </a:ext>
+              </a:extLst>
+            </p:cNvPr>
+            <p:cNvSpPr/>
+            <p:nvPr/>
+          </p:nvSpPr>
+          <p:spPr>
+            <a:xfrm>
+              <a:off x="1631244" y="818443"/>
+              <a:ext cx="1117602" cy="508001"/>
+            </a:xfrm>
+            <a:prstGeom prst="rect">
+              <a:avLst/>
+            </a:prstGeom>
+            <a:noFill/>
+          </p:spPr>
+          <p:style>
+            <a:lnRef idx="2">
+              <a:schemeClr val="accent1">
+                <a:shade val="50000"/>
+              </a:schemeClr>
+            </a:lnRef>
+            <a:fillRef idx="1">
+              <a:schemeClr val="accent1"/>
+            </a:fillRef>
+            <a:effectRef idx="0">
+              <a:schemeClr val="accent1"/>
+            </a:effectRef>
+            <a:fontRef idx="minor">
+              <a:schemeClr val="lt1"/>
+            </a:fontRef>
+          </p:style>
+          <p:txBody>
+            <a:bodyPr rtlCol="0" anchor="t"/>
+            <a:lstStyle/>
+            <a:p>
+              <a:pPr algn="ctr"/>
+              <a:r>
+                <a:rPr lang="en-US" altLang="ko-KR" sz="900">
+                  <a:solidFill>
+                    <a:schemeClr val="tx1"/>
+                  </a:solidFill>
+                </a:rPr>
+                <a:t>FPU</a:t>
+              </a:r>
+              <a:endParaRPr lang="ko-KR" altLang="en-US" sz="900">
+                <a:solidFill>
+                  <a:schemeClr val="tx1"/>
+                </a:solidFill>
+              </a:endParaRPr>
+            </a:p>
+          </p:txBody>
+        </p:sp>
+      </p:grpSp>
+    </p:spTree>
+    <p:extLst>
+      <p:ext uri="{BB962C8B-B14F-4D97-AF65-F5344CB8AC3E}">
+        <p14:creationId xmlns:p14="http://schemas.microsoft.com/office/powerpoint/2010/main" val="1914274677"/>
+      </p:ext>
+    </p:extLst>
+  </p:cSld>
+  <p:clrMapOvr>
+    <a:masterClrMapping/>
+  </p:clrMapOvr>
+</p:sld>
+</file>
+
+<file path=ppt/slides/slide8.xml><?xml version="1.0" encoding="utf-8"?>
+<p:sld xmlns:a="http://schemas.openxmlformats.org/drawingml/2006/main" xmlns:r="http://schemas.openxmlformats.org/officeDocument/2006/relationships" xmlns:p="http://schemas.openxmlformats.org/presentationml/2006/main">
+  <p:cSld>
+    <p:spTree>
+      <p:nvGrpSpPr>
+        <p:cNvPr id="1" name=""/>
+        <p:cNvGrpSpPr/>
+        <p:nvPr/>
+      </p:nvGrpSpPr>
+      <p:grpSpPr>
+        <a:xfrm>
+          <a:off x="0" y="0"/>
+          <a:ext cx="0" cy="0"/>
+          <a:chOff x="0" y="0"/>
+          <a:chExt cx="0" cy="0"/>
+        </a:xfrm>
+      </p:grpSpPr>
+      <p:sp>
+        <p:nvSpPr>
+          <p:cNvPr id="4" name="내용 개체 틀 2">
+            <a:extLst>
+              <a:ext uri="{FF2B5EF4-FFF2-40B4-BE49-F238E27FC236}">
+                <a16:creationId xmlns:a16="http://schemas.microsoft.com/office/drawing/2014/main" id="{A4139192-0158-2F7F-E165-D2AD0722CC21}"/>
+              </a:ext>
+            </a:extLst>
+          </p:cNvPr>
+          <p:cNvSpPr>
+            <a:spLocks noGrp="1"/>
+          </p:cNvSpPr>
+          <p:nvPr>
+            <p:ph idx="1"/>
+          </p:nvPr>
+        </p:nvSpPr>
+        <p:spPr>
+          <a:xfrm>
+            <a:off x="417688" y="109854"/>
+            <a:ext cx="10515600" cy="472302"/>
+          </a:xfrm>
+        </p:spPr>
+        <p:txBody>
+          <a:bodyPr>
+            <a:normAutofit lnSpcReduction="10000"/>
+          </a:bodyPr>
+          <a:lstStyle/>
+          <a:p>
+            <a:pPr marL="0" indent="0">
+              <a:buNone/>
+            </a:pPr>
+            <a:r>
+              <a:rPr lang="en-US" altLang="ko-KR"/>
+              <a:t>Solution3</a:t>
+            </a:r>
+            <a:endParaRPr lang="ko-KR" altLang="en-US"/>
+          </a:p>
+        </p:txBody>
+      </p:sp>
+      <p:sp>
+        <p:nvSpPr>
+          <p:cNvPr id="5" name="직사각형 4">
+            <a:extLst>
+              <a:ext uri="{FF2B5EF4-FFF2-40B4-BE49-F238E27FC236}">
+                <a16:creationId xmlns:a16="http://schemas.microsoft.com/office/drawing/2014/main" id="{E54E678D-B364-5F12-750A-C0111B84CCD5}"/>
+              </a:ext>
+            </a:extLst>
+          </p:cNvPr>
+          <p:cNvSpPr/>
+          <p:nvPr/>
+        </p:nvSpPr>
+        <p:spPr>
+          <a:xfrm>
+            <a:off x="733786" y="603957"/>
+            <a:ext cx="1597370" cy="5328354"/>
+          </a:xfrm>
+          <a:prstGeom prst="rect">
+            <a:avLst/>
+          </a:prstGeom>
+          <a:noFill/>
+          <a:ln>
+            <a:noFill/>
+          </a:ln>
+        </p:spPr>
+        <p:style>
+          <a:lnRef idx="2">
+            <a:schemeClr val="accent1">
+              <a:shade val="50000"/>
+            </a:schemeClr>
+          </a:lnRef>
+          <a:fillRef idx="1">
+            <a:schemeClr val="accent1"/>
+          </a:fillRef>
+          <a:effectRef idx="0">
+            <a:schemeClr val="accent1"/>
+          </a:effectRef>
+          <a:fontRef idx="minor">
+            <a:schemeClr val="lt1"/>
+          </a:fontRef>
+        </p:style>
+        <p:txBody>
+          <a:bodyPr rtlCol="0" anchor="ctr"/>
+          <a:lstStyle/>
+          <a:p>
+            <a:r>
+              <a:rPr lang="en-US" altLang="ko-KR" sz="900">
+                <a:solidFill>
+                  <a:schemeClr val="tx1"/>
+                </a:solidFill>
+              </a:rPr>
+              <a:t>Start()</a:t>
+            </a:r>
+          </a:p>
+          <a:p>
+            <a:endParaRPr lang="en-US" altLang="ko-KR" sz="900">
+              <a:solidFill>
+                <a:schemeClr val="tx1"/>
+              </a:solidFill>
+            </a:endParaRPr>
+          </a:p>
+          <a:p>
+            <a:r>
+              <a:rPr lang="en-US" altLang="ko-KR" sz="900">
+                <a:solidFill>
+                  <a:schemeClr val="tx1"/>
+                </a:solidFill>
+              </a:rPr>
+              <a:t>#timestamp 0</a:t>
+            </a:r>
+          </a:p>
+          <a:p>
+            <a:r>
+              <a:rPr lang="en-US" altLang="ko-KR" sz="900">
+                <a:solidFill>
+                  <a:schemeClr val="tx1"/>
+                </a:solidFill>
+              </a:rPr>
+              <a:t>Do Something()</a:t>
+            </a:r>
+          </a:p>
+          <a:p>
+            <a:r>
+              <a:rPr lang="en-US" altLang="ko-KR" sz="900">
+                <a:solidFill>
+                  <a:schemeClr val="tx1"/>
+                </a:solidFill>
+              </a:rPr>
+              <a:t>Delay(1)</a:t>
+            </a:r>
+          </a:p>
+          <a:p>
+            <a:endParaRPr lang="en-US" altLang="ko-KR" sz="900">
+              <a:solidFill>
+                <a:schemeClr val="tx1"/>
+              </a:solidFill>
+            </a:endParaRPr>
+          </a:p>
+          <a:p>
+            <a:r>
+              <a:rPr lang="en-US" altLang="ko-KR" sz="900">
+                <a:solidFill>
+                  <a:schemeClr val="tx1"/>
+                </a:solidFill>
+              </a:rPr>
+              <a:t>#timestamp 1</a:t>
+            </a:r>
+          </a:p>
+          <a:p>
+            <a:r>
+              <a:rPr lang="en-US" altLang="ko-KR" sz="900">
+                <a:solidFill>
+                  <a:schemeClr val="tx1"/>
+                </a:solidFill>
+              </a:rPr>
+              <a:t>A = Measure()</a:t>
+            </a:r>
+          </a:p>
+          <a:p>
+            <a:r>
+              <a:rPr lang="en-US" altLang="ko-KR" sz="900">
+                <a:solidFill>
+                  <a:schemeClr val="tx1"/>
+                </a:solidFill>
+              </a:rPr>
+              <a:t>Delay(1)</a:t>
+            </a:r>
+            <a:endParaRPr lang="ko-KR" altLang="en-US" sz="900">
+              <a:solidFill>
+                <a:schemeClr val="tx1"/>
+              </a:solidFill>
+            </a:endParaRPr>
+          </a:p>
+          <a:p>
+            <a:endParaRPr lang="en-US" altLang="ko-KR" sz="900">
+              <a:solidFill>
+                <a:schemeClr val="tx1"/>
+              </a:solidFill>
+            </a:endParaRPr>
+          </a:p>
+          <a:p>
+            <a:r>
+              <a:rPr lang="en-US" altLang="ko-KR" sz="900">
+                <a:solidFill>
+                  <a:schemeClr val="tx1"/>
+                </a:solidFill>
+              </a:rPr>
+              <a:t>#timestamp 2</a:t>
+            </a:r>
+          </a:p>
+          <a:p>
+            <a:r>
+              <a:rPr lang="en-US" altLang="ko-KR" sz="900">
+                <a:solidFill>
+                  <a:schemeClr val="tx1"/>
+                </a:solidFill>
+              </a:rPr>
+              <a:t>If( A == True )</a:t>
+            </a:r>
+          </a:p>
+          <a:p>
+            <a:r>
+              <a:rPr lang="en-US" altLang="ko-KR" sz="900">
+                <a:solidFill>
+                  <a:schemeClr val="tx1"/>
+                </a:solidFill>
+              </a:rPr>
+              <a:t>    Delay(2)</a:t>
+            </a:r>
+          </a:p>
+          <a:p>
+            <a:r>
+              <a:rPr lang="en-US" altLang="ko-KR" sz="900">
+                <a:solidFill>
+                  <a:schemeClr val="tx1"/>
+                </a:solidFill>
+              </a:rPr>
+              <a:t>    #timestamp 4</a:t>
+            </a:r>
+          </a:p>
+          <a:p>
+            <a:r>
+              <a:rPr lang="en-US" altLang="ko-KR" sz="900">
+                <a:solidFill>
+                  <a:schemeClr val="tx1"/>
+                </a:solidFill>
+              </a:rPr>
+              <a:t>    Do Something()</a:t>
+            </a:r>
+          </a:p>
+          <a:p>
+            <a:endParaRPr lang="en-US" altLang="ko-KR" sz="900">
+              <a:solidFill>
+                <a:schemeClr val="tx1"/>
+              </a:solidFill>
+            </a:endParaRPr>
+          </a:p>
+          <a:p>
+            <a:r>
+              <a:rPr lang="en-US" altLang="ko-KR" sz="900">
+                <a:solidFill>
+                  <a:schemeClr val="tx1"/>
+                </a:solidFill>
+              </a:rPr>
+              <a:t>Else</a:t>
+            </a:r>
+          </a:p>
+          <a:p>
+            <a:r>
+              <a:rPr lang="en-US" altLang="ko-KR" sz="900">
+                <a:solidFill>
+                  <a:schemeClr val="tx1"/>
+                </a:solidFill>
+              </a:rPr>
+              <a:t>    Delay(5)</a:t>
+            </a:r>
+          </a:p>
+          <a:p>
+            <a:r>
+              <a:rPr lang="en-US" altLang="ko-KR" sz="900">
+                <a:solidFill>
+                  <a:schemeClr val="tx1"/>
+                </a:solidFill>
+              </a:rPr>
+              <a:t>    #timestamp 7</a:t>
+            </a:r>
+          </a:p>
+          <a:p>
+            <a:r>
+              <a:rPr lang="en-US" altLang="ko-KR" sz="900">
+                <a:solidFill>
+                  <a:schemeClr val="tx1"/>
+                </a:solidFill>
+              </a:rPr>
+              <a:t>    Do Something()</a:t>
+            </a:r>
+          </a:p>
+          <a:p>
+            <a:endParaRPr lang="en-US" altLang="ko-KR" sz="900">
+              <a:solidFill>
+                <a:schemeClr val="tx1"/>
+              </a:solidFill>
+            </a:endParaRPr>
+          </a:p>
+          <a:p>
+            <a:r>
+              <a:rPr lang="en-US" altLang="ko-KR" sz="900">
+                <a:solidFill>
+                  <a:schemeClr val="tx1"/>
+                </a:solidFill>
+              </a:rPr>
+              <a:t>#back to timestamp 2</a:t>
+            </a:r>
+          </a:p>
+          <a:p>
+            <a:r>
+              <a:rPr lang="en-US" altLang="ko-KR" sz="900">
+                <a:solidFill>
+                  <a:schemeClr val="tx1"/>
+                </a:solidFill>
+              </a:rPr>
+              <a:t>Do Something()</a:t>
+            </a:r>
+          </a:p>
+          <a:p>
+            <a:r>
+              <a:rPr lang="en-US" altLang="ko-KR" sz="900">
+                <a:solidFill>
+                  <a:schemeClr val="tx1"/>
+                </a:solidFill>
+              </a:rPr>
+              <a:t>Delay(1)</a:t>
+            </a:r>
+          </a:p>
+          <a:p>
+            <a:endParaRPr lang="en-US" altLang="ko-KR" sz="900">
+              <a:solidFill>
+                <a:schemeClr val="tx1"/>
+              </a:solidFill>
+            </a:endParaRPr>
+          </a:p>
+          <a:p>
+            <a:r>
+              <a:rPr lang="en-US" altLang="ko-KR" sz="900">
+                <a:solidFill>
+                  <a:schemeClr val="tx1"/>
+                </a:solidFill>
+              </a:rPr>
+              <a:t>#timestamp 3 </a:t>
+            </a:r>
+          </a:p>
+          <a:p>
+            <a:r>
+              <a:rPr lang="en-US" altLang="ko-KR" sz="900">
+                <a:solidFill>
+                  <a:schemeClr val="tx1"/>
+                </a:solidFill>
+              </a:rPr>
+              <a:t>Do Something()</a:t>
+            </a:r>
+          </a:p>
+          <a:p>
+            <a:r>
+              <a:rPr lang="en-US" altLang="ko-KR" sz="900">
+                <a:solidFill>
+                  <a:schemeClr val="tx1"/>
+                </a:solidFill>
+              </a:rPr>
+              <a:t>Delay(2)</a:t>
+            </a:r>
+          </a:p>
+          <a:p>
+            <a:endParaRPr lang="en-US" altLang="ko-KR" sz="900">
+              <a:solidFill>
+                <a:schemeClr val="tx1"/>
+              </a:solidFill>
+            </a:endParaRPr>
+          </a:p>
+          <a:p>
+            <a:r>
+              <a:rPr lang="en-US" altLang="ko-KR" sz="900">
+                <a:solidFill>
+                  <a:schemeClr val="tx1"/>
+                </a:solidFill>
+              </a:rPr>
+              <a:t>#timestamp 5 </a:t>
+            </a:r>
+          </a:p>
+          <a:p>
+            <a:r>
+              <a:rPr lang="en-US" altLang="ko-KR" sz="900">
+                <a:solidFill>
+                  <a:schemeClr val="tx1"/>
+                </a:solidFill>
+              </a:rPr>
+              <a:t>Do Something()</a:t>
+            </a:r>
+          </a:p>
+          <a:p>
+            <a:r>
+              <a:rPr lang="en-US" altLang="ko-KR" sz="900">
+                <a:solidFill>
+                  <a:schemeClr val="tx1"/>
+                </a:solidFill>
+              </a:rPr>
+              <a:t>Delay(1)</a:t>
+            </a:r>
+          </a:p>
+          <a:p>
+            <a:endParaRPr lang="en-US" altLang="ko-KR" sz="900">
+              <a:solidFill>
+                <a:schemeClr val="tx1"/>
+              </a:solidFill>
+            </a:endParaRPr>
+          </a:p>
+          <a:p>
+            <a:r>
+              <a:rPr lang="en-US" altLang="ko-KR" sz="900">
+                <a:solidFill>
+                  <a:schemeClr val="tx1"/>
+                </a:solidFill>
+              </a:rPr>
+              <a:t>#timestamp 6</a:t>
+            </a:r>
+            <a:endParaRPr lang="ko-KR" altLang="en-US" sz="900">
+              <a:solidFill>
+                <a:schemeClr val="tx1"/>
+              </a:solidFill>
+            </a:endParaRPr>
+          </a:p>
+          <a:p>
+            <a:r>
+              <a:rPr lang="en-US" altLang="ko-KR" sz="900">
+                <a:solidFill>
+                  <a:schemeClr val="tx1"/>
+                </a:solidFill>
+              </a:rPr>
+              <a:t>Do Something()</a:t>
+            </a:r>
+          </a:p>
+          <a:p>
+            <a:endParaRPr lang="en-US" altLang="ko-KR" sz="900">
+              <a:solidFill>
+                <a:schemeClr val="tx1"/>
+              </a:solidFill>
+            </a:endParaRPr>
+          </a:p>
+          <a:p>
+            <a:r>
+              <a:rPr lang="en-US" altLang="ko-KR" sz="900">
+                <a:solidFill>
+                  <a:schemeClr val="tx1"/>
+                </a:solidFill>
+              </a:rPr>
+              <a:t>End()</a:t>
+            </a:r>
+          </a:p>
+          <a:p>
+            <a:endParaRPr lang="ko-KR" altLang="en-US" sz="900">
+              <a:solidFill>
+                <a:schemeClr val="tx1"/>
+              </a:solidFill>
+            </a:endParaRPr>
+          </a:p>
+        </p:txBody>
+      </p:sp>
+      <p:sp>
+        <p:nvSpPr>
+          <p:cNvPr id="6" name="화살표: 오른쪽 5">
+            <a:extLst>
+              <a:ext uri="{FF2B5EF4-FFF2-40B4-BE49-F238E27FC236}">
+                <a16:creationId xmlns:a16="http://schemas.microsoft.com/office/drawing/2014/main" id="{51433686-3A79-384C-4FCB-C69E63493D01}"/>
+              </a:ext>
+            </a:extLst>
+          </p:cNvPr>
+          <p:cNvSpPr/>
+          <p:nvPr/>
+        </p:nvSpPr>
+        <p:spPr>
+          <a:xfrm>
+            <a:off x="2655009" y="1470377"/>
+            <a:ext cx="479778" cy="378178"/>
+          </a:xfrm>
+          <a:prstGeom prst="rightArrow">
+            <a:avLst/>
+          </a:prstGeom>
+        </p:spPr>
+        <p:style>
+          <a:lnRef idx="2">
+            <a:schemeClr val="accent1">
+              <a:shade val="50000"/>
+            </a:schemeClr>
+          </a:lnRef>
+          <a:fillRef idx="1">
+            <a:schemeClr val="accent1"/>
+          </a:fillRef>
+          <a:effectRef idx="0">
+            <a:schemeClr val="accent1"/>
+          </a:effectRef>
+          <a:fontRef idx="minor">
+            <a:schemeClr val="lt1"/>
+          </a:fontRef>
+        </p:style>
+        <p:txBody>
+          <a:bodyPr rtlCol="0" anchor="ctr"/>
+          <a:lstStyle/>
+          <a:p>
+            <a:pPr algn="ctr"/>
+            <a:endParaRPr lang="ko-KR" altLang="en-US"/>
+          </a:p>
+        </p:txBody>
+      </p:sp>
+      <p:sp>
+        <p:nvSpPr>
+          <p:cNvPr id="7" name="직사각형 6">
+            <a:extLst>
+              <a:ext uri="{FF2B5EF4-FFF2-40B4-BE49-F238E27FC236}">
+                <a16:creationId xmlns:a16="http://schemas.microsoft.com/office/drawing/2014/main" id="{E67ED83E-CA6E-32B5-A2D8-38B9263B3899}"/>
+              </a:ext>
+            </a:extLst>
+          </p:cNvPr>
+          <p:cNvSpPr/>
+          <p:nvPr/>
+        </p:nvSpPr>
+        <p:spPr>
+          <a:xfrm>
+            <a:off x="2096213" y="1076259"/>
+            <a:ext cx="1597370" cy="402585"/>
+          </a:xfrm>
+          <a:prstGeom prst="rect">
+            <a:avLst/>
+          </a:prstGeom>
+          <a:noFill/>
+          <a:ln>
+            <a:noFill/>
+          </a:ln>
+        </p:spPr>
+        <p:style>
+          <a:lnRef idx="2">
+            <a:schemeClr val="accent1">
+              <a:shade val="50000"/>
+            </a:schemeClr>
+          </a:lnRef>
+          <a:fillRef idx="1">
+            <a:schemeClr val="accent1"/>
+          </a:fillRef>
+          <a:effectRef idx="0">
+            <a:schemeClr val="accent1"/>
+          </a:effectRef>
+          <a:fontRef idx="minor">
+            <a:schemeClr val="lt1"/>
+          </a:fontRef>
+        </p:style>
+        <p:txBody>
+          <a:bodyPr rtlCol="0" anchor="t"/>
+          <a:lstStyle/>
+          <a:p>
+            <a:pPr algn="ctr"/>
+            <a:r>
+              <a:rPr lang="en-US" altLang="ko-KR" sz="900">
+                <a:solidFill>
+                  <a:schemeClr val="tx1"/>
+                </a:solidFill>
+              </a:rPr>
+              <a:t>Interpreter(in PC)</a:t>
+            </a:r>
+          </a:p>
+          <a:p>
+            <a:pPr algn="ctr"/>
+            <a:r>
+              <a:rPr lang="en-US" altLang="ko-KR" sz="900">
+                <a:solidFill>
+                  <a:schemeClr val="tx1"/>
+                </a:solidFill>
+              </a:rPr>
+              <a:t>From Python to C</a:t>
+            </a:r>
+            <a:endParaRPr lang="ko-KR" altLang="en-US" sz="900">
+              <a:solidFill>
+                <a:schemeClr val="tx1"/>
+              </a:solidFill>
+            </a:endParaRPr>
+          </a:p>
+        </p:txBody>
+      </p:sp>
+      <p:sp>
+        <p:nvSpPr>
+          <p:cNvPr id="8" name="직사각형 7">
+            <a:extLst>
+              <a:ext uri="{FF2B5EF4-FFF2-40B4-BE49-F238E27FC236}">
+                <a16:creationId xmlns:a16="http://schemas.microsoft.com/office/drawing/2014/main" id="{A124FF9F-3915-3376-B59F-59030EBCC470}"/>
+              </a:ext>
+            </a:extLst>
+          </p:cNvPr>
+          <p:cNvSpPr/>
+          <p:nvPr/>
+        </p:nvSpPr>
+        <p:spPr>
+          <a:xfrm>
+            <a:off x="3646314" y="603956"/>
+            <a:ext cx="2906886" cy="6152443"/>
+          </a:xfrm>
+          <a:prstGeom prst="rect">
+            <a:avLst/>
+          </a:prstGeom>
+          <a:noFill/>
+          <a:ln>
+            <a:noFill/>
+          </a:ln>
+        </p:spPr>
+        <p:style>
+          <a:lnRef idx="2">
+            <a:schemeClr val="accent1">
+              <a:shade val="50000"/>
+            </a:schemeClr>
+          </a:lnRef>
+          <a:fillRef idx="1">
+            <a:schemeClr val="accent1"/>
+          </a:fillRef>
+          <a:effectRef idx="0">
+            <a:schemeClr val="accent1"/>
+          </a:effectRef>
+          <a:fontRef idx="minor">
+            <a:schemeClr val="lt1"/>
+          </a:fontRef>
+        </p:style>
+        <p:txBody>
+          <a:bodyPr rtlCol="0" anchor="t"/>
+          <a:lstStyle/>
+          <a:p>
+            <a:r>
+              <a:rPr lang="en-US" altLang="ko-KR" sz="900">
+                <a:solidFill>
+                  <a:schemeClr val="tx1"/>
+                </a:solidFill>
+              </a:rPr>
+              <a:t>#define RTO_ADDRESS 0xF0000000</a:t>
+            </a:r>
+          </a:p>
+          <a:p>
+            <a:endParaRPr lang="en-US" altLang="ko-KR" sz="900">
+              <a:solidFill>
+                <a:schemeClr val="tx1"/>
+              </a:solidFill>
+            </a:endParaRPr>
+          </a:p>
+          <a:p>
+            <a:r>
+              <a:rPr lang="en-US" altLang="ko-KR" sz="900">
+                <a:solidFill>
+                  <a:schemeClr val="tx1"/>
+                </a:solidFill>
+              </a:rPr>
+              <a:t>...</a:t>
+            </a:r>
+          </a:p>
+          <a:p>
+            <a:endParaRPr lang="en-US" altLang="ko-KR" sz="900">
+              <a:solidFill>
+                <a:schemeClr val="tx1"/>
+              </a:solidFill>
+            </a:endParaRPr>
+          </a:p>
+          <a:p>
+            <a:r>
+              <a:rPr lang="en-US" altLang="ko-KR" sz="900">
+                <a:solidFill>
+                  <a:schemeClr val="tx1"/>
+                </a:solidFill>
+              </a:rPr>
+              <a:t>int main(){</a:t>
+            </a:r>
+          </a:p>
+          <a:p>
+            <a:r>
+              <a:rPr lang="en-US" altLang="ko-KR" sz="900">
+                <a:solidFill>
+                  <a:schemeClr val="tx1"/>
+                </a:solidFill>
+              </a:rPr>
+              <a:t>    uint32 *rto = RTO_ADDRESS;</a:t>
+            </a:r>
+          </a:p>
+          <a:p>
+            <a:r>
+              <a:rPr lang="en-US" altLang="ko-KR" sz="900">
+                <a:solidFill>
+                  <a:schemeClr val="tx1"/>
+                </a:solidFill>
+              </a:rPr>
+              <a:t>    uint32 *rti = RTI_ADDRESS;</a:t>
+            </a:r>
+          </a:p>
+          <a:p>
+            <a:r>
+              <a:rPr lang="en-US" altLang="ko-KR" sz="900">
+                <a:solidFill>
+                  <a:schemeClr val="tx1"/>
+                </a:solidFill>
+              </a:rPr>
+              <a:t>    uint32 *measure_done = MEASURE_DONE;</a:t>
+            </a:r>
+          </a:p>
+          <a:p>
+            <a:r>
+              <a:rPr lang="en-US" altLang="ko-KR" sz="900">
+                <a:solidFill>
+                  <a:schemeClr val="tx1"/>
+                </a:solidFill>
+              </a:rPr>
+              <a:t>    uint64 timestamp = 0;</a:t>
+            </a:r>
+          </a:p>
+          <a:p>
+            <a:r>
+              <a:rPr lang="en-US" altLang="ko-KR" sz="900">
+                <a:solidFill>
+                  <a:schemeClr val="tx1"/>
+                </a:solidFill>
+              </a:rPr>
+              <a:t>    ...</a:t>
+            </a:r>
+          </a:p>
+          <a:p>
+            <a:endParaRPr lang="en-US" altLang="ko-KR" sz="900">
+              <a:solidFill>
+                <a:schemeClr val="tx1"/>
+              </a:solidFill>
+            </a:endParaRPr>
+          </a:p>
+          <a:p>
+            <a:r>
+              <a:rPr lang="en-US" altLang="ko-KR" sz="900">
+                <a:solidFill>
+                  <a:schemeClr val="tx1"/>
+                </a:solidFill>
+              </a:rPr>
+              <a:t>    *rto = timestamp | DO_SOMETHING;</a:t>
+            </a:r>
+          </a:p>
+          <a:p>
+            <a:r>
+              <a:rPr lang="en-US" altLang="ko-KR" sz="900">
+                <a:solidFill>
+                  <a:schemeClr val="tx1"/>
+                </a:solidFill>
+              </a:rPr>
+              <a:t>    *rto_push = 1;</a:t>
+            </a:r>
+          </a:p>
+          <a:p>
+            <a:r>
+              <a:rPr lang="en-US" altLang="ko-KR" sz="900">
+                <a:solidFill>
+                  <a:schemeClr val="tx1"/>
+                </a:solidFill>
+              </a:rPr>
+              <a:t>    while( rto_push_done == 0 ){</a:t>
+            </a:r>
+          </a:p>
+          <a:p>
+            <a:r>
+              <a:rPr lang="en-US" altLang="ko-KR" sz="900">
+                <a:solidFill>
+                  <a:schemeClr val="tx1"/>
+                </a:solidFill>
+              </a:rPr>
+              <a:t>        *rto_push = 0;</a:t>
+            </a:r>
+          </a:p>
+          <a:p>
+            <a:r>
+              <a:rPr lang="en-US" altLang="ko-KR" sz="900">
+                <a:solidFill>
+                  <a:schemeClr val="tx1"/>
+                </a:solidFill>
+              </a:rPr>
+              <a:t>    } </a:t>
+            </a:r>
+          </a:p>
+          <a:p>
+            <a:r>
+              <a:rPr lang="en-US" altLang="ko-KR" sz="900">
+                <a:solidFill>
+                  <a:schemeClr val="tx1"/>
+                </a:solidFill>
+              </a:rPr>
+              <a:t>    timestamp += 1;</a:t>
+            </a:r>
+          </a:p>
+          <a:p>
+            <a:endParaRPr lang="en-US" altLang="ko-KR" sz="900">
+              <a:solidFill>
+                <a:schemeClr val="tx1"/>
+              </a:solidFill>
+            </a:endParaRPr>
+          </a:p>
+          <a:p>
+            <a:r>
+              <a:rPr lang="en-US" altLang="ko-KR" sz="900">
+                <a:solidFill>
+                  <a:schemeClr val="tx1"/>
+                </a:solidFill>
+              </a:rPr>
+              <a:t>    *rto = timestamp | MEASURE;</a:t>
+            </a:r>
+          </a:p>
+          <a:p>
+            <a:r>
+              <a:rPr lang="en-US" altLang="ko-KR" sz="900">
+                <a:solidFill>
+                  <a:schemeClr val="tx1"/>
+                </a:solidFill>
+              </a:rPr>
+              <a:t>    while( rto_push_done == 0 ){</a:t>
+            </a:r>
+          </a:p>
+          <a:p>
+            <a:r>
+              <a:rPr lang="en-US" altLang="ko-KR" sz="900">
+                <a:solidFill>
+                  <a:schemeClr val="tx1"/>
+                </a:solidFill>
+              </a:rPr>
+              <a:t>        *rto_push = 0;</a:t>
+            </a:r>
+          </a:p>
+          <a:p>
+            <a:r>
+              <a:rPr lang="en-US" altLang="ko-KR" sz="900">
+                <a:solidFill>
+                  <a:schemeClr val="tx1"/>
+                </a:solidFill>
+              </a:rPr>
+              <a:t>    }</a:t>
+            </a:r>
+          </a:p>
+          <a:p>
+            <a:endParaRPr lang="en-US" altLang="ko-KR" sz="900">
+              <a:solidFill>
+                <a:schemeClr val="tx1"/>
+              </a:solidFill>
+            </a:endParaRPr>
+          </a:p>
+          <a:p>
+            <a:r>
+              <a:rPr lang="en-US" altLang="ko-KR" sz="900">
+                <a:solidFill>
+                  <a:schemeClr val="tx1"/>
+                </a:solidFill>
+              </a:rPr>
+              <a:t>    while(1){</a:t>
+            </a:r>
+          </a:p>
+          <a:p>
+            <a:r>
+              <a:rPr lang="en-US" altLang="ko-KR" sz="900">
+                <a:solidFill>
+                  <a:schemeClr val="tx1"/>
+                </a:solidFill>
+              </a:rPr>
+              <a:t>        if( measure_done ){</a:t>
+            </a:r>
+          </a:p>
+          <a:p>
+            <a:r>
+              <a:rPr lang="en-US" altLang="ko-KR" sz="900">
+                <a:solidFill>
+                  <a:schemeClr val="tx1"/>
+                </a:solidFill>
+              </a:rPr>
+              <a:t>            A = *rti;</a:t>
+            </a:r>
+          </a:p>
+          <a:p>
+            <a:r>
+              <a:rPr lang="en-US" altLang="ko-KR" sz="900">
+                <a:solidFill>
+                  <a:schemeClr val="tx1"/>
+                </a:solidFill>
+              </a:rPr>
+              <a:t>            break;</a:t>
+            </a:r>
+          </a:p>
+          <a:p>
+            <a:r>
+              <a:rPr lang="en-US" altLang="ko-KR" sz="900">
+                <a:solidFill>
+                  <a:schemeClr val="tx1"/>
+                </a:solidFill>
+              </a:rPr>
+              <a:t>        }</a:t>
+            </a:r>
+          </a:p>
+          <a:p>
+            <a:r>
+              <a:rPr lang="en-US" altLang="ko-KR" sz="900">
+                <a:solidFill>
+                  <a:schemeClr val="tx1"/>
+                </a:solidFill>
+              </a:rPr>
+              <a:t>    }</a:t>
+            </a:r>
+          </a:p>
+          <a:p>
+            <a:endParaRPr lang="en-US" altLang="ko-KR" sz="900">
+              <a:solidFill>
+                <a:schemeClr val="tx1"/>
+              </a:solidFill>
+            </a:endParaRPr>
+          </a:p>
+          <a:p>
+            <a:r>
+              <a:rPr lang="en-US" altLang="ko-KR" sz="900">
+                <a:solidFill>
+                  <a:schemeClr val="tx1"/>
+                </a:solidFill>
+              </a:rPr>
+              <a:t>    if( A == 1 ){</a:t>
+            </a:r>
+          </a:p>
+          <a:p>
+            <a:r>
+              <a:rPr lang="en-US" altLang="ko-KR" sz="900">
+                <a:solidFill>
+                  <a:schemeClr val="tx1"/>
+                </a:solidFill>
+              </a:rPr>
+              <a:t>        timestamp += 2;</a:t>
+            </a:r>
+          </a:p>
+          <a:p>
+            <a:r>
+              <a:rPr lang="en-US" altLang="ko-KR" sz="900">
+                <a:solidFill>
+                  <a:schemeClr val="tx1"/>
+                </a:solidFill>
+              </a:rPr>
+              <a:t>        *rto = timestamp | DO_SOMETHING;</a:t>
+            </a:r>
+          </a:p>
+          <a:p>
+            <a:r>
+              <a:rPr lang="en-US" altLang="ko-KR" sz="900">
+                <a:solidFill>
+                  <a:schemeClr val="tx1"/>
+                </a:solidFill>
+              </a:rPr>
+              <a:t>        while( rto_push_done == 0 ){</a:t>
+            </a:r>
+          </a:p>
+          <a:p>
+            <a:r>
+              <a:rPr lang="en-US" altLang="ko-KR" sz="900">
+                <a:solidFill>
+                  <a:schemeClr val="tx1"/>
+                </a:solidFill>
+              </a:rPr>
+              <a:t>            *rto_push = 0;</a:t>
+            </a:r>
+          </a:p>
+          <a:p>
+            <a:r>
+              <a:rPr lang="en-US" altLang="ko-KR" sz="900">
+                <a:solidFill>
+                  <a:schemeClr val="tx1"/>
+                </a:solidFill>
+              </a:rPr>
+              <a:t>        }</a:t>
+            </a:r>
+          </a:p>
+          <a:p>
+            <a:r>
+              <a:rPr lang="en-US" altLang="ko-KR" sz="900">
+                <a:solidFill>
+                  <a:schemeClr val="tx1"/>
+                </a:solidFill>
+              </a:rPr>
+              <a:t>    }</a:t>
+            </a:r>
+          </a:p>
+          <a:p>
+            <a:r>
+              <a:rPr lang="en-US" altLang="ko-KR" sz="900">
+                <a:solidFill>
+                  <a:schemeClr val="tx1"/>
+                </a:solidFill>
+              </a:rPr>
+              <a:t>    else{</a:t>
+            </a:r>
+          </a:p>
+          <a:p>
+            <a:r>
+              <a:rPr lang="en-US" altLang="ko-KR" sz="900">
+                <a:solidFill>
+                  <a:schemeClr val="tx1"/>
+                </a:solidFill>
+              </a:rPr>
+              <a:t>        ...</a:t>
+            </a:r>
+          </a:p>
+          <a:p>
+            <a:r>
+              <a:rPr lang="en-US" altLang="ko-KR" sz="900">
+                <a:solidFill>
+                  <a:schemeClr val="tx1"/>
+                </a:solidFill>
+              </a:rPr>
+              <a:t>    }</a:t>
+            </a:r>
+          </a:p>
+          <a:p>
+            <a:r>
+              <a:rPr lang="en-US" altLang="ko-KR" sz="900">
+                <a:solidFill>
+                  <a:schemeClr val="tx1"/>
+                </a:solidFill>
+              </a:rPr>
+              <a:t>    ...</a:t>
+            </a:r>
+          </a:p>
+          <a:p>
+            <a:r>
+              <a:rPr lang="en-US" altLang="ko-KR" sz="900">
+                <a:solidFill>
+                  <a:schemeClr val="tx1"/>
+                </a:solidFill>
+              </a:rPr>
+              <a:t>}</a:t>
+            </a:r>
+            <a:endParaRPr lang="ko-KR" altLang="en-US" sz="900">
+              <a:solidFill>
+                <a:schemeClr val="tx1"/>
+              </a:solidFill>
+            </a:endParaRPr>
+          </a:p>
+        </p:txBody>
+      </p:sp>
+      <p:sp>
+        <p:nvSpPr>
+          <p:cNvPr id="9" name="화살표: 오른쪽 8">
+            <a:extLst>
+              <a:ext uri="{FF2B5EF4-FFF2-40B4-BE49-F238E27FC236}">
+                <a16:creationId xmlns:a16="http://schemas.microsoft.com/office/drawing/2014/main" id="{F82E9815-900B-4F89-5F43-10FCC417CA24}"/>
+              </a:ext>
+            </a:extLst>
+          </p:cNvPr>
+          <p:cNvSpPr/>
+          <p:nvPr/>
+        </p:nvSpPr>
+        <p:spPr>
+          <a:xfrm>
+            <a:off x="7997475" y="1470377"/>
+            <a:ext cx="479778" cy="378178"/>
+          </a:xfrm>
+          <a:prstGeom prst="rightArrow">
+            <a:avLst/>
+          </a:prstGeom>
+        </p:spPr>
+        <p:style>
+          <a:lnRef idx="2">
+            <a:schemeClr val="accent1">
+              <a:shade val="50000"/>
+            </a:schemeClr>
+          </a:lnRef>
+          <a:fillRef idx="1">
+            <a:schemeClr val="accent1"/>
+          </a:fillRef>
+          <a:effectRef idx="0">
+            <a:schemeClr val="accent1"/>
+          </a:effectRef>
+          <a:fontRef idx="minor">
+            <a:schemeClr val="lt1"/>
+          </a:fontRef>
+        </p:style>
+        <p:txBody>
+          <a:bodyPr rtlCol="0" anchor="ctr"/>
+          <a:lstStyle/>
+          <a:p>
+            <a:pPr algn="ctr"/>
+            <a:endParaRPr lang="ko-KR" altLang="en-US"/>
+          </a:p>
+        </p:txBody>
+      </p:sp>
+      <p:sp>
+        <p:nvSpPr>
+          <p:cNvPr id="10" name="직사각형 9">
+            <a:extLst>
+              <a:ext uri="{FF2B5EF4-FFF2-40B4-BE49-F238E27FC236}">
+                <a16:creationId xmlns:a16="http://schemas.microsoft.com/office/drawing/2014/main" id="{55196CD5-9D8D-8C60-3AA1-6B21BFAD7BC6}"/>
+              </a:ext>
+            </a:extLst>
+          </p:cNvPr>
+          <p:cNvSpPr/>
+          <p:nvPr/>
+        </p:nvSpPr>
+        <p:spPr>
+          <a:xfrm>
+            <a:off x="7438679" y="1076259"/>
+            <a:ext cx="1597370" cy="402585"/>
+          </a:xfrm>
+          <a:prstGeom prst="rect">
+            <a:avLst/>
+          </a:prstGeom>
+          <a:noFill/>
+          <a:ln>
+            <a:noFill/>
+          </a:ln>
+        </p:spPr>
+        <p:style>
+          <a:lnRef idx="2">
+            <a:schemeClr val="accent1">
+              <a:shade val="50000"/>
+            </a:schemeClr>
+          </a:lnRef>
+          <a:fillRef idx="1">
+            <a:schemeClr val="accent1"/>
+          </a:fillRef>
+          <a:effectRef idx="0">
+            <a:schemeClr val="accent1"/>
+          </a:effectRef>
+          <a:fontRef idx="minor">
+            <a:schemeClr val="lt1"/>
+          </a:fontRef>
+        </p:style>
+        <p:txBody>
+          <a:bodyPr rtlCol="0" anchor="t"/>
+          <a:lstStyle/>
+          <a:p>
+            <a:pPr algn="ctr"/>
+            <a:r>
+              <a:rPr lang="en-US" altLang="ko-KR" sz="900">
+                <a:solidFill>
+                  <a:schemeClr val="tx1"/>
+                </a:solidFill>
+              </a:rPr>
+              <a:t>Compile(using LLVM in PC) and send to Zynq</a:t>
+            </a:r>
+            <a:endParaRPr lang="ko-KR" altLang="en-US" sz="900">
+              <a:solidFill>
+                <a:schemeClr val="tx1"/>
+              </a:solidFill>
+            </a:endParaRPr>
+          </a:p>
+        </p:txBody>
+      </p:sp>
+      <p:grpSp>
+        <p:nvGrpSpPr>
+          <p:cNvPr id="11" name="그룹 10">
+            <a:extLst>
+              <a:ext uri="{FF2B5EF4-FFF2-40B4-BE49-F238E27FC236}">
+                <a16:creationId xmlns:a16="http://schemas.microsoft.com/office/drawing/2014/main" id="{8817BE80-F213-4BCF-CC95-E96B036EAFA0}"/>
+              </a:ext>
+            </a:extLst>
+          </p:cNvPr>
+          <p:cNvGrpSpPr/>
+          <p:nvPr/>
+        </p:nvGrpSpPr>
+        <p:grpSpPr>
+          <a:xfrm>
+            <a:off x="9435387" y="887806"/>
+            <a:ext cx="1320800" cy="1546577"/>
+            <a:chOff x="1529645" y="592668"/>
+            <a:chExt cx="1320800" cy="1546577"/>
+          </a:xfrm>
+        </p:grpSpPr>
+        <p:sp>
+          <p:nvSpPr>
+            <p:cNvPr id="12" name="직사각형 11">
+              <a:extLst>
+                <a:ext uri="{FF2B5EF4-FFF2-40B4-BE49-F238E27FC236}">
+                  <a16:creationId xmlns:a16="http://schemas.microsoft.com/office/drawing/2014/main" id="{F03B0893-817F-1B05-5FF8-90650C616567}"/>
+                </a:ext>
+              </a:extLst>
+            </p:cNvPr>
+            <p:cNvSpPr/>
+            <p:nvPr/>
+          </p:nvSpPr>
+          <p:spPr>
+            <a:xfrm>
+              <a:off x="1529645" y="592668"/>
+              <a:ext cx="1320800" cy="1546577"/>
+            </a:xfrm>
+            <a:prstGeom prst="rect">
+              <a:avLst/>
+            </a:prstGeom>
+            <a:noFill/>
+          </p:spPr>
+          <p:style>
+            <a:lnRef idx="2">
+              <a:schemeClr val="accent1">
+                <a:shade val="50000"/>
+              </a:schemeClr>
+            </a:lnRef>
+            <a:fillRef idx="1">
+              <a:schemeClr val="accent1"/>
+            </a:fillRef>
+            <a:effectRef idx="0">
+              <a:schemeClr val="accent1"/>
+            </a:effectRef>
+            <a:fontRef idx="minor">
+              <a:schemeClr val="lt1"/>
+            </a:fontRef>
+          </p:style>
+          <p:txBody>
+            <a:bodyPr rtlCol="0" anchor="t"/>
+            <a:lstStyle/>
+            <a:p>
+              <a:pPr algn="ctr"/>
+              <a:r>
+                <a:rPr lang="en-US" altLang="ko-KR" sz="900">
+                  <a:solidFill>
+                    <a:schemeClr val="tx1"/>
+                  </a:solidFill>
+                </a:rPr>
+                <a:t>Zynq</a:t>
+              </a:r>
+              <a:endParaRPr lang="ko-KR" altLang="en-US" sz="900"/>
+            </a:p>
+          </p:txBody>
+        </p:sp>
+        <p:sp>
+          <p:nvSpPr>
+            <p:cNvPr id="13" name="직사각형 12">
+              <a:extLst>
+                <a:ext uri="{FF2B5EF4-FFF2-40B4-BE49-F238E27FC236}">
+                  <a16:creationId xmlns:a16="http://schemas.microsoft.com/office/drawing/2014/main" id="{9053CD98-52B2-0FA0-37EB-A77224503D16}"/>
+                </a:ext>
+              </a:extLst>
+            </p:cNvPr>
+            <p:cNvSpPr/>
+            <p:nvPr/>
+          </p:nvSpPr>
+          <p:spPr>
+            <a:xfrm>
+              <a:off x="1631244" y="1377243"/>
+              <a:ext cx="1117602" cy="632179"/>
+            </a:xfrm>
+            <a:prstGeom prst="rect">
+              <a:avLst/>
+            </a:prstGeom>
+            <a:noFill/>
+          </p:spPr>
+          <p:style>
+            <a:lnRef idx="2">
+              <a:schemeClr val="accent1">
+                <a:shade val="50000"/>
+              </a:schemeClr>
+            </a:lnRef>
+            <a:fillRef idx="1">
+              <a:schemeClr val="accent1"/>
+            </a:fillRef>
+            <a:effectRef idx="0">
+              <a:schemeClr val="accent1"/>
+            </a:effectRef>
+            <a:fontRef idx="minor">
+              <a:schemeClr val="lt1"/>
+            </a:fontRef>
+          </p:style>
+          <p:txBody>
+            <a:bodyPr rtlCol="0" anchor="t"/>
+            <a:lstStyle/>
+            <a:p>
+              <a:pPr algn="ctr"/>
+              <a:r>
+                <a:rPr lang="en-US" altLang="ko-KR" sz="900">
+                  <a:solidFill>
+                    <a:schemeClr val="tx1"/>
+                  </a:solidFill>
+                </a:rPr>
+                <a:t>real time OS</a:t>
+              </a:r>
+              <a:endParaRPr lang="ko-KR" altLang="en-US" sz="900">
+                <a:solidFill>
+                  <a:schemeClr val="tx1"/>
+                </a:solidFill>
+              </a:endParaRPr>
+            </a:p>
+          </p:txBody>
+        </p:sp>
+        <p:sp>
+          <p:nvSpPr>
+            <p:cNvPr id="14" name="직사각형 13">
+              <a:extLst>
+                <a:ext uri="{FF2B5EF4-FFF2-40B4-BE49-F238E27FC236}">
+                  <a16:creationId xmlns:a16="http://schemas.microsoft.com/office/drawing/2014/main" id="{46EADC3D-9FF5-849D-15BB-24DC8B8C494A}"/>
+                </a:ext>
+              </a:extLst>
+            </p:cNvPr>
+            <p:cNvSpPr/>
+            <p:nvPr/>
+          </p:nvSpPr>
+          <p:spPr>
+            <a:xfrm>
+              <a:off x="1631244" y="818443"/>
+              <a:ext cx="1117602" cy="508001"/>
+            </a:xfrm>
+            <a:prstGeom prst="rect">
+              <a:avLst/>
+            </a:prstGeom>
+            <a:noFill/>
+          </p:spPr>
+          <p:style>
+            <a:lnRef idx="2">
+              <a:schemeClr val="accent1">
+                <a:shade val="50000"/>
+              </a:schemeClr>
+            </a:lnRef>
+            <a:fillRef idx="1">
+              <a:schemeClr val="accent1"/>
+            </a:fillRef>
+            <a:effectRef idx="0">
+              <a:schemeClr val="accent1"/>
+            </a:effectRef>
+            <a:fontRef idx="minor">
+              <a:schemeClr val="lt1"/>
+            </a:fontRef>
+          </p:style>
+          <p:txBody>
+            <a:bodyPr rtlCol="0" anchor="t"/>
+            <a:lstStyle/>
+            <a:p>
+              <a:pPr algn="ctr"/>
+              <a:r>
+                <a:rPr lang="en-US" altLang="ko-KR" sz="900">
+                  <a:solidFill>
+                    <a:schemeClr val="tx1"/>
+                  </a:solidFill>
+                </a:rPr>
+                <a:t>FPU</a:t>
+              </a:r>
+              <a:endParaRPr lang="ko-KR" altLang="en-US" sz="900">
+                <a:solidFill>
+                  <a:schemeClr val="tx1"/>
+                </a:solidFill>
+              </a:endParaRPr>
+            </a:p>
+          </p:txBody>
+        </p:sp>
+      </p:grpSp>
+      <p:sp>
+        <p:nvSpPr>
+          <p:cNvPr id="15" name="직사각형 14">
+            <a:extLst>
+              <a:ext uri="{FF2B5EF4-FFF2-40B4-BE49-F238E27FC236}">
+                <a16:creationId xmlns:a16="http://schemas.microsoft.com/office/drawing/2014/main" id="{1C8660AB-975F-F11A-9E37-3364DBC9943A}"/>
+              </a:ext>
+            </a:extLst>
+          </p:cNvPr>
+          <p:cNvSpPr/>
+          <p:nvPr/>
+        </p:nvSpPr>
+        <p:spPr>
+          <a:xfrm>
+            <a:off x="3693583" y="644623"/>
+            <a:ext cx="1956506" cy="150866"/>
+          </a:xfrm>
+          <a:prstGeom prst="rect">
+            <a:avLst/>
+          </a:prstGeom>
+          <a:noFill/>
+          <a:ln>
+            <a:solidFill>
+              <a:srgbClr val="FF0000"/>
+            </a:solidFill>
+          </a:ln>
+        </p:spPr>
+        <p:style>
+          <a:lnRef idx="2">
+            <a:schemeClr val="accent1">
+              <a:shade val="50000"/>
+            </a:schemeClr>
+          </a:lnRef>
+          <a:fillRef idx="1">
+            <a:schemeClr val="accent1"/>
+          </a:fillRef>
+          <a:effectRef idx="0">
+            <a:schemeClr val="accent1"/>
+          </a:effectRef>
+          <a:fontRef idx="minor">
+            <a:schemeClr val="lt1"/>
+          </a:fontRef>
+        </p:style>
+        <p:txBody>
+          <a:bodyPr rtlCol="0" anchor="ctr"/>
+          <a:lstStyle/>
+          <a:p>
+            <a:pPr algn="ctr"/>
+            <a:endParaRPr lang="ko-KR" altLang="en-US"/>
+          </a:p>
+        </p:txBody>
+      </p:sp>
+      <p:sp>
+        <p:nvSpPr>
+          <p:cNvPr id="18" name="직사각형 17">
+            <a:extLst>
+              <a:ext uri="{FF2B5EF4-FFF2-40B4-BE49-F238E27FC236}">
+                <a16:creationId xmlns:a16="http://schemas.microsoft.com/office/drawing/2014/main" id="{66D95591-B057-CFBF-EAB2-0C08CB9CADC7}"/>
+              </a:ext>
+            </a:extLst>
+          </p:cNvPr>
+          <p:cNvSpPr/>
+          <p:nvPr/>
+        </p:nvSpPr>
+        <p:spPr>
+          <a:xfrm>
+            <a:off x="6779342" y="582156"/>
+            <a:ext cx="2059857" cy="236288"/>
+          </a:xfrm>
+          <a:prstGeom prst="rect">
+            <a:avLst/>
+          </a:prstGeom>
+          <a:noFill/>
+          <a:ln>
+            <a:noFill/>
+          </a:ln>
+        </p:spPr>
+        <p:style>
+          <a:lnRef idx="2">
+            <a:schemeClr val="accent1">
+              <a:shade val="50000"/>
+            </a:schemeClr>
+          </a:lnRef>
+          <a:fillRef idx="1">
+            <a:schemeClr val="accent1"/>
+          </a:fillRef>
+          <a:effectRef idx="0">
+            <a:schemeClr val="accent1"/>
+          </a:effectRef>
+          <a:fontRef idx="minor">
+            <a:schemeClr val="lt1"/>
+          </a:fontRef>
+        </p:style>
+        <p:txBody>
+          <a:bodyPr rtlCol="0" anchor="t"/>
+          <a:lstStyle/>
+          <a:p>
+            <a:r>
+              <a:rPr lang="en-US" altLang="ko-KR" sz="900">
+                <a:solidFill>
+                  <a:schemeClr val="tx1"/>
+                </a:solidFill>
+              </a:rPr>
+              <a:t>address of memory mapped IO</a:t>
+            </a:r>
+            <a:endParaRPr lang="ko-KR" altLang="en-US" sz="900">
+              <a:solidFill>
+                <a:schemeClr val="tx1"/>
+              </a:solidFill>
+            </a:endParaRPr>
+          </a:p>
+        </p:txBody>
+      </p:sp>
+      <p:cxnSp>
+        <p:nvCxnSpPr>
+          <p:cNvPr id="20" name="직선 화살표 연결선 19">
+            <a:extLst>
+              <a:ext uri="{FF2B5EF4-FFF2-40B4-BE49-F238E27FC236}">
+                <a16:creationId xmlns:a16="http://schemas.microsoft.com/office/drawing/2014/main" id="{1D12A169-A2BA-A82C-E844-BB8FFC79BD9F}"/>
+              </a:ext>
+            </a:extLst>
+          </p:cNvPr>
+          <p:cNvCxnSpPr>
+            <a:cxnSpLocks/>
+            <a:stCxn id="15" idx="3"/>
+            <a:endCxn id="18" idx="1"/>
+          </p:cNvCxnSpPr>
+          <p:nvPr/>
+        </p:nvCxnSpPr>
+        <p:spPr>
+          <a:xfrm flipV="1">
+            <a:off x="5650089" y="700300"/>
+            <a:ext cx="1129253" cy="19756"/>
+          </a:xfrm>
+          <a:prstGeom prst="straightConnector1">
+            <a:avLst/>
+          </a:prstGeom>
+          <a:ln>
+            <a:prstDash val="lgDash"/>
+            <a:tailEnd type="triangle"/>
+          </a:ln>
+        </p:spPr>
+        <p:style>
+          <a:lnRef idx="1">
+            <a:schemeClr val="dk1"/>
+          </a:lnRef>
+          <a:fillRef idx="0">
+            <a:schemeClr val="dk1"/>
+          </a:fillRef>
+          <a:effectRef idx="0">
+            <a:schemeClr val="dk1"/>
+          </a:effectRef>
+          <a:fontRef idx="minor">
+            <a:schemeClr val="tx1"/>
+          </a:fontRef>
+        </p:style>
+      </p:cxnSp>
+      <p:sp>
+        <p:nvSpPr>
+          <p:cNvPr id="23" name="직사각형 22">
+            <a:extLst>
+              <a:ext uri="{FF2B5EF4-FFF2-40B4-BE49-F238E27FC236}">
+                <a16:creationId xmlns:a16="http://schemas.microsoft.com/office/drawing/2014/main" id="{BB57C61D-0DB4-BA5C-2182-01453A7A117F}"/>
+              </a:ext>
+            </a:extLst>
+          </p:cNvPr>
+          <p:cNvSpPr/>
+          <p:nvPr/>
+        </p:nvSpPr>
+        <p:spPr>
+          <a:xfrm>
+            <a:off x="3693583" y="1326667"/>
+            <a:ext cx="2499784" cy="584967"/>
+          </a:xfrm>
+          <a:prstGeom prst="rect">
+            <a:avLst/>
+          </a:prstGeom>
+          <a:noFill/>
+          <a:ln>
+            <a:solidFill>
+              <a:srgbClr val="FF0000"/>
+            </a:solidFill>
+          </a:ln>
+        </p:spPr>
+        <p:style>
+          <a:lnRef idx="2">
+            <a:schemeClr val="accent1">
+              <a:shade val="50000"/>
+            </a:schemeClr>
+          </a:lnRef>
+          <a:fillRef idx="1">
+            <a:schemeClr val="accent1"/>
+          </a:fillRef>
+          <a:effectRef idx="0">
+            <a:schemeClr val="accent1"/>
+          </a:effectRef>
+          <a:fontRef idx="minor">
+            <a:schemeClr val="lt1"/>
+          </a:fontRef>
+        </p:style>
+        <p:txBody>
+          <a:bodyPr rtlCol="0" anchor="ctr"/>
+          <a:lstStyle/>
+          <a:p>
+            <a:pPr algn="ctr"/>
+            <a:endParaRPr lang="ko-KR" altLang="en-US"/>
+          </a:p>
+        </p:txBody>
+      </p:sp>
+      <p:sp>
+        <p:nvSpPr>
+          <p:cNvPr id="24" name="직사각형 23">
+            <a:extLst>
+              <a:ext uri="{FF2B5EF4-FFF2-40B4-BE49-F238E27FC236}">
+                <a16:creationId xmlns:a16="http://schemas.microsoft.com/office/drawing/2014/main" id="{AB61C719-44CF-9996-0D1A-DD5737CBC7CC}"/>
+              </a:ext>
+            </a:extLst>
+          </p:cNvPr>
+          <p:cNvSpPr/>
+          <p:nvPr/>
+        </p:nvSpPr>
+        <p:spPr>
+          <a:xfrm>
+            <a:off x="6779342" y="1911634"/>
+            <a:ext cx="2059857" cy="236288"/>
+          </a:xfrm>
+          <a:prstGeom prst="rect">
+            <a:avLst/>
+          </a:prstGeom>
+          <a:noFill/>
+          <a:ln>
+            <a:noFill/>
+          </a:ln>
+        </p:spPr>
+        <p:style>
+          <a:lnRef idx="2">
+            <a:schemeClr val="accent1">
+              <a:shade val="50000"/>
+            </a:schemeClr>
+          </a:lnRef>
+          <a:fillRef idx="1">
+            <a:schemeClr val="accent1"/>
+          </a:fillRef>
+          <a:effectRef idx="0">
+            <a:schemeClr val="accent1"/>
+          </a:effectRef>
+          <a:fontRef idx="minor">
+            <a:schemeClr val="lt1"/>
+          </a:fontRef>
+        </p:style>
+        <p:txBody>
+          <a:bodyPr rtlCol="0" anchor="t"/>
+          <a:lstStyle/>
+          <a:p>
+            <a:r>
+              <a:rPr lang="en-US" altLang="ko-KR" sz="900">
+                <a:solidFill>
+                  <a:schemeClr val="tx1"/>
+                </a:solidFill>
+              </a:rPr>
+              <a:t>variable</a:t>
+            </a:r>
+            <a:endParaRPr lang="ko-KR" altLang="en-US" sz="900">
+              <a:solidFill>
+                <a:schemeClr val="tx1"/>
+              </a:solidFill>
+            </a:endParaRPr>
+          </a:p>
+        </p:txBody>
+      </p:sp>
+      <p:cxnSp>
+        <p:nvCxnSpPr>
+          <p:cNvPr id="25" name="직선 화살표 연결선 24">
+            <a:extLst>
+              <a:ext uri="{FF2B5EF4-FFF2-40B4-BE49-F238E27FC236}">
+                <a16:creationId xmlns:a16="http://schemas.microsoft.com/office/drawing/2014/main" id="{579348AF-9427-5090-187B-C0D4FB53440F}"/>
+              </a:ext>
+            </a:extLst>
+          </p:cNvPr>
+          <p:cNvCxnSpPr>
+            <a:cxnSpLocks/>
+            <a:stCxn id="23" idx="3"/>
+            <a:endCxn id="24" idx="1"/>
+          </p:cNvCxnSpPr>
+          <p:nvPr/>
+        </p:nvCxnSpPr>
+        <p:spPr>
+          <a:xfrm>
+            <a:off x="6193367" y="1619151"/>
+            <a:ext cx="585975" cy="410627"/>
+          </a:xfrm>
+          <a:prstGeom prst="straightConnector1">
+            <a:avLst/>
+          </a:prstGeom>
+          <a:ln>
+            <a:prstDash val="lgDash"/>
+            <a:tailEnd type="triangle"/>
+          </a:ln>
+        </p:spPr>
+        <p:style>
+          <a:lnRef idx="1">
+            <a:schemeClr val="dk1"/>
+          </a:lnRef>
+          <a:fillRef idx="0">
+            <a:schemeClr val="dk1"/>
+          </a:fillRef>
+          <a:effectRef idx="0">
+            <a:schemeClr val="dk1"/>
+          </a:effectRef>
+          <a:fontRef idx="minor">
+            <a:schemeClr val="tx1"/>
+          </a:fontRef>
+        </p:style>
+      </p:cxnSp>
+      <p:sp>
+        <p:nvSpPr>
+          <p:cNvPr id="35" name="직사각형 34">
+            <a:extLst>
+              <a:ext uri="{FF2B5EF4-FFF2-40B4-BE49-F238E27FC236}">
+                <a16:creationId xmlns:a16="http://schemas.microsoft.com/office/drawing/2014/main" id="{AF0BACFE-8012-EE2B-D42A-D3428C16331B}"/>
+              </a:ext>
+            </a:extLst>
+          </p:cNvPr>
+          <p:cNvSpPr/>
+          <p:nvPr/>
+        </p:nvSpPr>
+        <p:spPr>
+          <a:xfrm>
+            <a:off x="3693583" y="2147922"/>
+            <a:ext cx="2152650" cy="150866"/>
+          </a:xfrm>
+          <a:prstGeom prst="rect">
+            <a:avLst/>
+          </a:prstGeom>
+          <a:noFill/>
+          <a:ln>
+            <a:solidFill>
+              <a:srgbClr val="FF0000"/>
+            </a:solidFill>
+          </a:ln>
+        </p:spPr>
+        <p:style>
+          <a:lnRef idx="2">
+            <a:schemeClr val="accent1">
+              <a:shade val="50000"/>
+            </a:schemeClr>
+          </a:lnRef>
+          <a:fillRef idx="1">
+            <a:schemeClr val="accent1"/>
+          </a:fillRef>
+          <a:effectRef idx="0">
+            <a:schemeClr val="accent1"/>
+          </a:effectRef>
+          <a:fontRef idx="minor">
+            <a:schemeClr val="lt1"/>
+          </a:fontRef>
+        </p:style>
+        <p:txBody>
+          <a:bodyPr rtlCol="0" anchor="ctr"/>
+          <a:lstStyle/>
+          <a:p>
+            <a:pPr algn="ctr"/>
+            <a:endParaRPr lang="ko-KR" altLang="en-US"/>
+          </a:p>
+        </p:txBody>
+      </p:sp>
+      <p:sp>
+        <p:nvSpPr>
+          <p:cNvPr id="36" name="직사각형 35">
+            <a:extLst>
+              <a:ext uri="{FF2B5EF4-FFF2-40B4-BE49-F238E27FC236}">
+                <a16:creationId xmlns:a16="http://schemas.microsoft.com/office/drawing/2014/main" id="{3DF189DE-797C-0313-F9FB-54572F1B237F}"/>
+              </a:ext>
+            </a:extLst>
+          </p:cNvPr>
+          <p:cNvSpPr/>
+          <p:nvPr/>
+        </p:nvSpPr>
+        <p:spPr>
+          <a:xfrm>
+            <a:off x="6779342" y="2161407"/>
+            <a:ext cx="2059857" cy="236288"/>
+          </a:xfrm>
+          <a:prstGeom prst="rect">
+            <a:avLst/>
+          </a:prstGeom>
+          <a:noFill/>
+          <a:ln>
+            <a:noFill/>
+          </a:ln>
+        </p:spPr>
+        <p:style>
+          <a:lnRef idx="2">
+            <a:schemeClr val="accent1">
+              <a:shade val="50000"/>
+            </a:schemeClr>
+          </a:lnRef>
+          <a:fillRef idx="1">
+            <a:schemeClr val="accent1"/>
+          </a:fillRef>
+          <a:effectRef idx="0">
+            <a:schemeClr val="accent1"/>
+          </a:effectRef>
+          <a:fontRef idx="minor">
+            <a:schemeClr val="lt1"/>
+          </a:fontRef>
+        </p:style>
+        <p:txBody>
+          <a:bodyPr rtlCol="0" anchor="t"/>
+          <a:lstStyle/>
+          <a:p>
+            <a:r>
+              <a:rPr lang="en-US" altLang="ko-KR" sz="900">
+                <a:solidFill>
+                  <a:schemeClr val="tx1"/>
+                </a:solidFill>
+              </a:rPr>
+              <a:t>output data to FIFO through AXI</a:t>
+            </a:r>
+            <a:endParaRPr lang="ko-KR" altLang="en-US" sz="900">
+              <a:solidFill>
+                <a:schemeClr val="tx1"/>
+              </a:solidFill>
+            </a:endParaRPr>
+          </a:p>
+        </p:txBody>
+      </p:sp>
+      <p:cxnSp>
+        <p:nvCxnSpPr>
+          <p:cNvPr id="37" name="직선 화살표 연결선 36">
+            <a:extLst>
+              <a:ext uri="{FF2B5EF4-FFF2-40B4-BE49-F238E27FC236}">
+                <a16:creationId xmlns:a16="http://schemas.microsoft.com/office/drawing/2014/main" id="{C3C82C1D-E6C5-3A70-6520-29C9BC0850F6}"/>
+              </a:ext>
+            </a:extLst>
+          </p:cNvPr>
+          <p:cNvCxnSpPr>
+            <a:cxnSpLocks/>
+            <a:stCxn id="35" idx="3"/>
+            <a:endCxn id="36" idx="1"/>
+          </p:cNvCxnSpPr>
+          <p:nvPr/>
+        </p:nvCxnSpPr>
+        <p:spPr>
+          <a:xfrm>
+            <a:off x="5846233" y="2223355"/>
+            <a:ext cx="933109" cy="56196"/>
+          </a:xfrm>
+          <a:prstGeom prst="straightConnector1">
+            <a:avLst/>
+          </a:prstGeom>
+          <a:ln>
+            <a:prstDash val="lgDash"/>
+            <a:tailEnd type="triangle"/>
+          </a:ln>
+        </p:spPr>
+        <p:style>
+          <a:lnRef idx="1">
+            <a:schemeClr val="dk1"/>
+          </a:lnRef>
+          <a:fillRef idx="0">
+            <a:schemeClr val="dk1"/>
+          </a:fillRef>
+          <a:effectRef idx="0">
+            <a:schemeClr val="dk1"/>
+          </a:effectRef>
+          <a:fontRef idx="minor">
+            <a:schemeClr val="tx1"/>
+          </a:fontRef>
+        </p:style>
+      </p:cxnSp>
+      <p:sp>
+        <p:nvSpPr>
+          <p:cNvPr id="44" name="직사각형 43">
+            <a:extLst>
+              <a:ext uri="{FF2B5EF4-FFF2-40B4-BE49-F238E27FC236}">
+                <a16:creationId xmlns:a16="http://schemas.microsoft.com/office/drawing/2014/main" id="{C2BBC55B-02AA-19DF-224F-8EB0739AFA82}"/>
+              </a:ext>
+            </a:extLst>
+          </p:cNvPr>
+          <p:cNvSpPr/>
+          <p:nvPr/>
+        </p:nvSpPr>
+        <p:spPr>
+          <a:xfrm>
+            <a:off x="3693583" y="2298788"/>
+            <a:ext cx="1041400" cy="150866"/>
+          </a:xfrm>
+          <a:prstGeom prst="rect">
+            <a:avLst/>
+          </a:prstGeom>
+          <a:noFill/>
+          <a:ln>
+            <a:solidFill>
+              <a:srgbClr val="FF0000"/>
+            </a:solidFill>
+          </a:ln>
+        </p:spPr>
+        <p:style>
+          <a:lnRef idx="2">
+            <a:schemeClr val="accent1">
+              <a:shade val="50000"/>
+            </a:schemeClr>
+          </a:lnRef>
+          <a:fillRef idx="1">
+            <a:schemeClr val="accent1"/>
+          </a:fillRef>
+          <a:effectRef idx="0">
+            <a:schemeClr val="accent1"/>
+          </a:effectRef>
+          <a:fontRef idx="minor">
+            <a:schemeClr val="lt1"/>
+          </a:fontRef>
+        </p:style>
+        <p:txBody>
+          <a:bodyPr rtlCol="0" anchor="ctr"/>
+          <a:lstStyle/>
+          <a:p>
+            <a:pPr algn="ctr"/>
+            <a:endParaRPr lang="ko-KR" altLang="en-US"/>
+          </a:p>
+        </p:txBody>
+      </p:sp>
+      <p:sp>
+        <p:nvSpPr>
+          <p:cNvPr id="45" name="직사각형 44">
+            <a:extLst>
+              <a:ext uri="{FF2B5EF4-FFF2-40B4-BE49-F238E27FC236}">
+                <a16:creationId xmlns:a16="http://schemas.microsoft.com/office/drawing/2014/main" id="{225BDE3D-19F6-D2DB-3159-2E8AAF1710E2}"/>
+              </a:ext>
+            </a:extLst>
+          </p:cNvPr>
+          <p:cNvSpPr/>
+          <p:nvPr/>
+        </p:nvSpPr>
+        <p:spPr>
+          <a:xfrm>
+            <a:off x="6779342" y="2312273"/>
+            <a:ext cx="2256707" cy="236288"/>
+          </a:xfrm>
+          <a:prstGeom prst="rect">
+            <a:avLst/>
+          </a:prstGeom>
+          <a:noFill/>
+          <a:ln>
+            <a:noFill/>
+          </a:ln>
+        </p:spPr>
+        <p:style>
+          <a:lnRef idx="2">
+            <a:schemeClr val="accent1">
+              <a:shade val="50000"/>
+            </a:schemeClr>
+          </a:lnRef>
+          <a:fillRef idx="1">
+            <a:schemeClr val="accent1"/>
+          </a:fillRef>
+          <a:effectRef idx="0">
+            <a:schemeClr val="accent1"/>
+          </a:effectRef>
+          <a:fontRef idx="minor">
+            <a:schemeClr val="lt1"/>
+          </a:fontRef>
+        </p:style>
+        <p:txBody>
+          <a:bodyPr rtlCol="0" anchor="t"/>
+          <a:lstStyle/>
+          <a:p>
+            <a:r>
+              <a:rPr lang="en-US" altLang="ko-KR" sz="900">
+                <a:solidFill>
+                  <a:schemeClr val="tx1"/>
+                </a:solidFill>
+              </a:rPr>
+              <a:t>output signal to write FIFO through AXI</a:t>
+            </a:r>
+            <a:endParaRPr lang="ko-KR" altLang="en-US" sz="900">
+              <a:solidFill>
+                <a:schemeClr val="tx1"/>
+              </a:solidFill>
+            </a:endParaRPr>
+          </a:p>
+        </p:txBody>
+      </p:sp>
+      <p:cxnSp>
+        <p:nvCxnSpPr>
+          <p:cNvPr id="46" name="직선 화살표 연결선 45">
+            <a:extLst>
+              <a:ext uri="{FF2B5EF4-FFF2-40B4-BE49-F238E27FC236}">
+                <a16:creationId xmlns:a16="http://schemas.microsoft.com/office/drawing/2014/main" id="{CA331048-5ECC-A28A-A530-5A448AF1964A}"/>
+              </a:ext>
+            </a:extLst>
+          </p:cNvPr>
+          <p:cNvCxnSpPr>
+            <a:cxnSpLocks/>
+            <a:stCxn id="44" idx="3"/>
+            <a:endCxn id="45" idx="1"/>
+          </p:cNvCxnSpPr>
+          <p:nvPr/>
+        </p:nvCxnSpPr>
+        <p:spPr>
+          <a:xfrm>
+            <a:off x="4734983" y="2374221"/>
+            <a:ext cx="2044359" cy="56196"/>
+          </a:xfrm>
+          <a:prstGeom prst="straightConnector1">
+            <a:avLst/>
+          </a:prstGeom>
+          <a:ln>
+            <a:prstDash val="lgDash"/>
+            <a:tailEnd type="triangle"/>
+          </a:ln>
+        </p:spPr>
+        <p:style>
+          <a:lnRef idx="1">
+            <a:schemeClr val="dk1"/>
+          </a:lnRef>
+          <a:fillRef idx="0">
+            <a:schemeClr val="dk1"/>
+          </a:fillRef>
+          <a:effectRef idx="0">
+            <a:schemeClr val="dk1"/>
+          </a:effectRef>
+          <a:fontRef idx="minor">
+            <a:schemeClr val="tx1"/>
+          </a:fontRef>
+        </p:style>
+      </p:cxnSp>
+      <p:sp>
+        <p:nvSpPr>
+          <p:cNvPr id="52" name="직사각형 51">
+            <a:extLst>
+              <a:ext uri="{FF2B5EF4-FFF2-40B4-BE49-F238E27FC236}">
+                <a16:creationId xmlns:a16="http://schemas.microsoft.com/office/drawing/2014/main" id="{FB86C275-70D9-8999-280F-D65034BFFF55}"/>
+              </a:ext>
+            </a:extLst>
+          </p:cNvPr>
+          <p:cNvSpPr/>
+          <p:nvPr/>
+        </p:nvSpPr>
+        <p:spPr>
+          <a:xfrm>
+            <a:off x="3693583" y="2449654"/>
+            <a:ext cx="1753306" cy="395146"/>
+          </a:xfrm>
+          <a:prstGeom prst="rect">
+            <a:avLst/>
+          </a:prstGeom>
+          <a:noFill/>
+          <a:ln>
+            <a:solidFill>
+              <a:srgbClr val="FF0000"/>
+            </a:solidFill>
+          </a:ln>
+        </p:spPr>
+        <p:style>
+          <a:lnRef idx="2">
+            <a:schemeClr val="accent1">
+              <a:shade val="50000"/>
+            </a:schemeClr>
+          </a:lnRef>
+          <a:fillRef idx="1">
+            <a:schemeClr val="accent1"/>
+          </a:fillRef>
+          <a:effectRef idx="0">
+            <a:schemeClr val="accent1"/>
+          </a:effectRef>
+          <a:fontRef idx="minor">
+            <a:schemeClr val="lt1"/>
+          </a:fontRef>
+        </p:style>
+        <p:txBody>
+          <a:bodyPr rtlCol="0" anchor="ctr"/>
+          <a:lstStyle/>
+          <a:p>
+            <a:pPr algn="ctr"/>
+            <a:endParaRPr lang="ko-KR" altLang="en-US"/>
+          </a:p>
+        </p:txBody>
+      </p:sp>
+      <p:sp>
+        <p:nvSpPr>
+          <p:cNvPr id="53" name="직사각형 52">
+            <a:extLst>
+              <a:ext uri="{FF2B5EF4-FFF2-40B4-BE49-F238E27FC236}">
+                <a16:creationId xmlns:a16="http://schemas.microsoft.com/office/drawing/2014/main" id="{9C2FB543-8D3C-A041-EA16-309F837287B9}"/>
+              </a:ext>
+            </a:extLst>
+          </p:cNvPr>
+          <p:cNvSpPr/>
+          <p:nvPr/>
+        </p:nvSpPr>
+        <p:spPr>
+          <a:xfrm>
+            <a:off x="6779342" y="2463139"/>
+            <a:ext cx="2256707" cy="236288"/>
+          </a:xfrm>
+          <a:prstGeom prst="rect">
+            <a:avLst/>
+          </a:prstGeom>
+          <a:noFill/>
+          <a:ln>
+            <a:noFill/>
+          </a:ln>
+        </p:spPr>
+        <p:style>
+          <a:lnRef idx="2">
+            <a:schemeClr val="accent1">
+              <a:shade val="50000"/>
+            </a:schemeClr>
+          </a:lnRef>
+          <a:fillRef idx="1">
+            <a:schemeClr val="accent1"/>
+          </a:fillRef>
+          <a:effectRef idx="0">
+            <a:schemeClr val="accent1"/>
+          </a:effectRef>
+          <a:fontRef idx="minor">
+            <a:schemeClr val="lt1"/>
+          </a:fontRef>
+        </p:style>
+        <p:txBody>
+          <a:bodyPr rtlCol="0" anchor="t"/>
+          <a:lstStyle/>
+          <a:p>
+            <a:r>
+              <a:rPr lang="en-US" altLang="ko-KR" sz="900">
+                <a:solidFill>
+                  <a:schemeClr val="tx1"/>
+                </a:solidFill>
+              </a:rPr>
+              <a:t>polling waiting for FIFO write done</a:t>
+            </a:r>
+            <a:endParaRPr lang="ko-KR" altLang="en-US" sz="900">
+              <a:solidFill>
+                <a:schemeClr val="tx1"/>
+              </a:solidFill>
+            </a:endParaRPr>
+          </a:p>
+        </p:txBody>
+      </p:sp>
+      <p:cxnSp>
+        <p:nvCxnSpPr>
+          <p:cNvPr id="54" name="직선 화살표 연결선 53">
+            <a:extLst>
+              <a:ext uri="{FF2B5EF4-FFF2-40B4-BE49-F238E27FC236}">
+                <a16:creationId xmlns:a16="http://schemas.microsoft.com/office/drawing/2014/main" id="{69299BDA-6237-41F2-C54B-DFEBAC3F9AC6}"/>
+              </a:ext>
+            </a:extLst>
+          </p:cNvPr>
+          <p:cNvCxnSpPr>
+            <a:cxnSpLocks/>
+            <a:stCxn id="52" idx="3"/>
+            <a:endCxn id="53" idx="1"/>
+          </p:cNvCxnSpPr>
+          <p:nvPr/>
+        </p:nvCxnSpPr>
+        <p:spPr>
+          <a:xfrm flipV="1">
+            <a:off x="5446889" y="2581283"/>
+            <a:ext cx="1332453" cy="65944"/>
+          </a:xfrm>
+          <a:prstGeom prst="straightConnector1">
+            <a:avLst/>
+          </a:prstGeom>
+          <a:ln>
+            <a:prstDash val="lgDash"/>
+            <a:tailEnd type="triangle"/>
+          </a:ln>
+        </p:spPr>
+        <p:style>
+          <a:lnRef idx="1">
+            <a:schemeClr val="dk1"/>
+          </a:lnRef>
+          <a:fillRef idx="0">
+            <a:schemeClr val="dk1"/>
+          </a:fillRef>
+          <a:effectRef idx="0">
+            <a:schemeClr val="dk1"/>
+          </a:effectRef>
+          <a:fontRef idx="minor">
+            <a:schemeClr val="tx1"/>
+          </a:fontRef>
+        </p:style>
+      </p:cxnSp>
+      <p:sp>
+        <p:nvSpPr>
+          <p:cNvPr id="58" name="직사각형 57">
+            <a:extLst>
+              <a:ext uri="{FF2B5EF4-FFF2-40B4-BE49-F238E27FC236}">
+                <a16:creationId xmlns:a16="http://schemas.microsoft.com/office/drawing/2014/main" id="{691D46DB-C764-CFCA-3006-E091A2B5F867}"/>
+              </a:ext>
+            </a:extLst>
+          </p:cNvPr>
+          <p:cNvSpPr/>
+          <p:nvPr/>
+        </p:nvSpPr>
+        <p:spPr>
+          <a:xfrm>
+            <a:off x="3693583" y="3826898"/>
+            <a:ext cx="1431573" cy="869245"/>
+          </a:xfrm>
+          <a:prstGeom prst="rect">
+            <a:avLst/>
+          </a:prstGeom>
+          <a:noFill/>
+          <a:ln>
+            <a:solidFill>
+              <a:srgbClr val="FF0000"/>
+            </a:solidFill>
+          </a:ln>
+        </p:spPr>
+        <p:style>
+          <a:lnRef idx="2">
+            <a:schemeClr val="accent1">
+              <a:shade val="50000"/>
+            </a:schemeClr>
+          </a:lnRef>
+          <a:fillRef idx="1">
+            <a:schemeClr val="accent1"/>
+          </a:fillRef>
+          <a:effectRef idx="0">
+            <a:schemeClr val="accent1"/>
+          </a:effectRef>
+          <a:fontRef idx="minor">
+            <a:schemeClr val="lt1"/>
+          </a:fontRef>
+        </p:style>
+        <p:txBody>
+          <a:bodyPr rtlCol="0" anchor="ctr"/>
+          <a:lstStyle/>
+          <a:p>
+            <a:pPr algn="ctr"/>
+            <a:endParaRPr lang="ko-KR" altLang="en-US"/>
+          </a:p>
+        </p:txBody>
+      </p:sp>
+      <p:sp>
+        <p:nvSpPr>
+          <p:cNvPr id="59" name="직사각형 58">
+            <a:extLst>
+              <a:ext uri="{FF2B5EF4-FFF2-40B4-BE49-F238E27FC236}">
+                <a16:creationId xmlns:a16="http://schemas.microsoft.com/office/drawing/2014/main" id="{0177CAB3-23F9-0A31-29A9-0F0257495032}"/>
+              </a:ext>
+            </a:extLst>
+          </p:cNvPr>
+          <p:cNvSpPr/>
+          <p:nvPr/>
+        </p:nvSpPr>
+        <p:spPr>
+          <a:xfrm>
+            <a:off x="6779342" y="3937896"/>
+            <a:ext cx="2256707" cy="236288"/>
+          </a:xfrm>
+          <a:prstGeom prst="rect">
+            <a:avLst/>
+          </a:prstGeom>
+          <a:noFill/>
+          <a:ln>
+            <a:noFill/>
+          </a:ln>
+        </p:spPr>
+        <p:style>
+          <a:lnRef idx="2">
+            <a:schemeClr val="accent1">
+              <a:shade val="50000"/>
+            </a:schemeClr>
+          </a:lnRef>
+          <a:fillRef idx="1">
+            <a:schemeClr val="accent1"/>
+          </a:fillRef>
+          <a:effectRef idx="0">
+            <a:schemeClr val="accent1"/>
+          </a:effectRef>
+          <a:fontRef idx="minor">
+            <a:schemeClr val="lt1"/>
+          </a:fontRef>
+        </p:style>
+        <p:txBody>
+          <a:bodyPr rtlCol="0" anchor="t"/>
+          <a:lstStyle/>
+          <a:p>
+            <a:r>
+              <a:rPr lang="en-US" altLang="ko-KR" sz="900">
+                <a:solidFill>
+                  <a:schemeClr val="tx1"/>
+                </a:solidFill>
+              </a:rPr>
+              <a:t>polling waiting for FIFO read done</a:t>
+            </a:r>
+            <a:endParaRPr lang="ko-KR" altLang="en-US" sz="900">
+              <a:solidFill>
+                <a:schemeClr val="tx1"/>
+              </a:solidFill>
+            </a:endParaRPr>
+          </a:p>
+        </p:txBody>
+      </p:sp>
+      <p:cxnSp>
+        <p:nvCxnSpPr>
+          <p:cNvPr id="60" name="직선 화살표 연결선 59">
+            <a:extLst>
+              <a:ext uri="{FF2B5EF4-FFF2-40B4-BE49-F238E27FC236}">
+                <a16:creationId xmlns:a16="http://schemas.microsoft.com/office/drawing/2014/main" id="{F6A08BC6-2569-8CF2-9F54-61A769F8FE86}"/>
+              </a:ext>
+            </a:extLst>
+          </p:cNvPr>
+          <p:cNvCxnSpPr>
+            <a:cxnSpLocks/>
+            <a:stCxn id="58" idx="3"/>
+            <a:endCxn id="59" idx="1"/>
+          </p:cNvCxnSpPr>
+          <p:nvPr/>
+        </p:nvCxnSpPr>
+        <p:spPr>
+          <a:xfrm flipV="1">
+            <a:off x="5125156" y="4056040"/>
+            <a:ext cx="1654186" cy="205481"/>
+          </a:xfrm>
+          <a:prstGeom prst="straightConnector1">
+            <a:avLst/>
+          </a:prstGeom>
+          <a:ln>
+            <a:prstDash val="lgDash"/>
+            <a:tailEnd type="triangle"/>
+          </a:ln>
+        </p:spPr>
+        <p:style>
+          <a:lnRef idx="1">
+            <a:schemeClr val="dk1"/>
+          </a:lnRef>
+          <a:fillRef idx="0">
+            <a:schemeClr val="dk1"/>
+          </a:fillRef>
+          <a:effectRef idx="0">
+            <a:schemeClr val="dk1"/>
+          </a:effectRef>
+          <a:fontRef idx="minor">
+            <a:schemeClr val="tx1"/>
+          </a:fontRef>
+        </p:style>
+      </p:cxnSp>
+      <p:sp>
+        <p:nvSpPr>
+          <p:cNvPr id="69" name="직사각형 68">
+            <a:extLst>
+              <a:ext uri="{FF2B5EF4-FFF2-40B4-BE49-F238E27FC236}">
+                <a16:creationId xmlns:a16="http://schemas.microsoft.com/office/drawing/2014/main" id="{03D8B36F-512A-B1E1-A53D-D9F2D75A6F92}"/>
+              </a:ext>
+            </a:extLst>
+          </p:cNvPr>
+          <p:cNvSpPr/>
+          <p:nvPr/>
+        </p:nvSpPr>
+        <p:spPr>
+          <a:xfrm>
+            <a:off x="3693583" y="4757858"/>
+            <a:ext cx="2334684" cy="1399842"/>
+          </a:xfrm>
+          <a:prstGeom prst="rect">
+            <a:avLst/>
+          </a:prstGeom>
+          <a:noFill/>
+          <a:ln>
+            <a:solidFill>
+              <a:srgbClr val="FF0000"/>
+            </a:solidFill>
+          </a:ln>
+        </p:spPr>
+        <p:style>
+          <a:lnRef idx="2">
+            <a:schemeClr val="accent1">
+              <a:shade val="50000"/>
+            </a:schemeClr>
+          </a:lnRef>
+          <a:fillRef idx="1">
+            <a:schemeClr val="accent1"/>
+          </a:fillRef>
+          <a:effectRef idx="0">
+            <a:schemeClr val="accent1"/>
+          </a:effectRef>
+          <a:fontRef idx="minor">
+            <a:schemeClr val="lt1"/>
+          </a:fontRef>
+        </p:style>
+        <p:txBody>
+          <a:bodyPr rtlCol="0" anchor="ctr"/>
+          <a:lstStyle/>
+          <a:p>
+            <a:pPr algn="ctr"/>
+            <a:endParaRPr lang="ko-KR" altLang="en-US"/>
+          </a:p>
+        </p:txBody>
+      </p:sp>
+      <p:sp>
+        <p:nvSpPr>
+          <p:cNvPr id="70" name="직사각형 69">
+            <a:extLst>
+              <a:ext uri="{FF2B5EF4-FFF2-40B4-BE49-F238E27FC236}">
+                <a16:creationId xmlns:a16="http://schemas.microsoft.com/office/drawing/2014/main" id="{B795CFAD-A68C-0408-1AC9-F4262EDCF831}"/>
+              </a:ext>
+            </a:extLst>
+          </p:cNvPr>
+          <p:cNvSpPr/>
+          <p:nvPr/>
+        </p:nvSpPr>
+        <p:spPr>
+          <a:xfrm>
+            <a:off x="6779342" y="4868855"/>
+            <a:ext cx="2256707" cy="369993"/>
+          </a:xfrm>
+          <a:prstGeom prst="rect">
+            <a:avLst/>
+          </a:prstGeom>
+          <a:noFill/>
+          <a:ln>
+            <a:noFill/>
+          </a:ln>
+        </p:spPr>
+        <p:style>
+          <a:lnRef idx="2">
+            <a:schemeClr val="accent1">
+              <a:shade val="50000"/>
+            </a:schemeClr>
+          </a:lnRef>
+          <a:fillRef idx="1">
+            <a:schemeClr val="accent1"/>
+          </a:fillRef>
+          <a:effectRef idx="0">
+            <a:schemeClr val="accent1"/>
+          </a:effectRef>
+          <a:fontRef idx="minor">
+            <a:schemeClr val="lt1"/>
+          </a:fontRef>
+        </p:style>
+        <p:txBody>
+          <a:bodyPr rtlCol="0" anchor="t"/>
+          <a:lstStyle/>
+          <a:p>
+            <a:r>
+              <a:rPr lang="en-US" altLang="ko-KR" sz="900">
+                <a:solidFill>
+                  <a:schemeClr val="tx1"/>
+                </a:solidFill>
+              </a:rPr>
+              <a:t>conditional statement implementation does not make problem</a:t>
+            </a:r>
+            <a:endParaRPr lang="ko-KR" altLang="en-US" sz="900">
+              <a:solidFill>
+                <a:schemeClr val="tx1"/>
+              </a:solidFill>
+            </a:endParaRPr>
+          </a:p>
+        </p:txBody>
+      </p:sp>
+      <p:cxnSp>
+        <p:nvCxnSpPr>
+          <p:cNvPr id="71" name="직선 화살표 연결선 70">
+            <a:extLst>
+              <a:ext uri="{FF2B5EF4-FFF2-40B4-BE49-F238E27FC236}">
+                <a16:creationId xmlns:a16="http://schemas.microsoft.com/office/drawing/2014/main" id="{4E13B581-E9D6-D216-EC30-EE12DC22AC90}"/>
+              </a:ext>
+            </a:extLst>
+          </p:cNvPr>
+          <p:cNvCxnSpPr>
+            <a:cxnSpLocks/>
+            <a:stCxn id="69" idx="3"/>
+            <a:endCxn id="70" idx="1"/>
+          </p:cNvCxnSpPr>
+          <p:nvPr/>
+        </p:nvCxnSpPr>
+        <p:spPr>
+          <a:xfrm flipV="1">
+            <a:off x="6028267" y="5053852"/>
+            <a:ext cx="751075" cy="403927"/>
+          </a:xfrm>
+          <a:prstGeom prst="straightConnector1">
+            <a:avLst/>
+          </a:prstGeom>
+          <a:ln>
+            <a:prstDash val="lgDash"/>
+            <a:tailEnd type="triangle"/>
+          </a:ln>
+        </p:spPr>
+        <p:style>
+          <a:lnRef idx="1">
+            <a:schemeClr val="dk1"/>
+          </a:lnRef>
+          <a:fillRef idx="0">
+            <a:schemeClr val="dk1"/>
+          </a:fillRef>
+          <a:effectRef idx="0">
+            <a:schemeClr val="dk1"/>
+          </a:effectRef>
+          <a:fontRef idx="minor">
+            <a:schemeClr val="tx1"/>
+          </a:fontRef>
+        </p:style>
+      </p:cxnSp>
+      <p:sp>
+        <p:nvSpPr>
+          <p:cNvPr id="75" name="직사각형 74">
+            <a:extLst>
+              <a:ext uri="{FF2B5EF4-FFF2-40B4-BE49-F238E27FC236}">
+                <a16:creationId xmlns:a16="http://schemas.microsoft.com/office/drawing/2014/main" id="{BD507C8A-B8E2-6A11-749E-DC17B0745EEE}"/>
+              </a:ext>
+            </a:extLst>
+          </p:cNvPr>
+          <p:cNvSpPr/>
+          <p:nvPr/>
+        </p:nvSpPr>
+        <p:spPr>
+          <a:xfrm>
+            <a:off x="9435388" y="2694839"/>
+            <a:ext cx="639946" cy="536222"/>
+          </a:xfrm>
+          <a:prstGeom prst="rect">
+            <a:avLst/>
+          </a:prstGeom>
+          <a:noFill/>
+        </p:spPr>
+        <p:style>
+          <a:lnRef idx="2">
+            <a:schemeClr val="accent1">
+              <a:shade val="50000"/>
+            </a:schemeClr>
+          </a:lnRef>
+          <a:fillRef idx="1">
+            <a:schemeClr val="accent1"/>
+          </a:fillRef>
+          <a:effectRef idx="0">
+            <a:schemeClr val="accent1"/>
+          </a:effectRef>
+          <a:fontRef idx="minor">
+            <a:schemeClr val="lt1"/>
+          </a:fontRef>
+        </p:style>
+        <p:txBody>
+          <a:bodyPr rtlCol="0" anchor="t"/>
+          <a:lstStyle/>
+          <a:p>
+            <a:pPr algn="ctr"/>
+            <a:r>
+              <a:rPr lang="en-US" altLang="ko-KR" sz="900">
+                <a:solidFill>
+                  <a:schemeClr val="tx1"/>
+                </a:solidFill>
+              </a:rPr>
+              <a:t>RTO</a:t>
+            </a:r>
+            <a:endParaRPr lang="ko-KR" altLang="en-US" sz="900">
+              <a:solidFill>
+                <a:schemeClr val="tx1"/>
+              </a:solidFill>
+            </a:endParaRPr>
+          </a:p>
+        </p:txBody>
+      </p:sp>
+      <p:sp>
+        <p:nvSpPr>
+          <p:cNvPr id="77" name="직사각형 76">
+            <a:extLst>
+              <a:ext uri="{FF2B5EF4-FFF2-40B4-BE49-F238E27FC236}">
+                <a16:creationId xmlns:a16="http://schemas.microsoft.com/office/drawing/2014/main" id="{4BB3BB90-E26E-6E05-BA69-D22C0BAC28CD}"/>
+              </a:ext>
+            </a:extLst>
+          </p:cNvPr>
+          <p:cNvSpPr/>
+          <p:nvPr/>
+        </p:nvSpPr>
+        <p:spPr>
+          <a:xfrm>
+            <a:off x="10116241" y="2694839"/>
+            <a:ext cx="639946" cy="536222"/>
+          </a:xfrm>
+          <a:prstGeom prst="rect">
+            <a:avLst/>
+          </a:prstGeom>
+          <a:noFill/>
+        </p:spPr>
+        <p:style>
+          <a:lnRef idx="2">
+            <a:schemeClr val="accent1">
+              <a:shade val="50000"/>
+            </a:schemeClr>
+          </a:lnRef>
+          <a:fillRef idx="1">
+            <a:schemeClr val="accent1"/>
+          </a:fillRef>
+          <a:effectRef idx="0">
+            <a:schemeClr val="accent1"/>
+          </a:effectRef>
+          <a:fontRef idx="minor">
+            <a:schemeClr val="lt1"/>
+          </a:fontRef>
+        </p:style>
+        <p:txBody>
+          <a:bodyPr rtlCol="0" anchor="t"/>
+          <a:lstStyle/>
+          <a:p>
+            <a:pPr algn="ctr"/>
+            <a:r>
+              <a:rPr lang="en-US" altLang="ko-KR" sz="900">
+                <a:solidFill>
+                  <a:schemeClr val="tx1"/>
+                </a:solidFill>
+              </a:rPr>
+              <a:t>RTI</a:t>
+            </a:r>
+            <a:endParaRPr lang="ko-KR" altLang="en-US" sz="900">
+              <a:solidFill>
+                <a:schemeClr val="tx1"/>
+              </a:solidFill>
+            </a:endParaRPr>
+          </a:p>
+        </p:txBody>
+      </p:sp>
+      <p:cxnSp>
+        <p:nvCxnSpPr>
+          <p:cNvPr id="79" name="연결선: 꺾임 78">
+            <a:extLst>
+              <a:ext uri="{FF2B5EF4-FFF2-40B4-BE49-F238E27FC236}">
+                <a16:creationId xmlns:a16="http://schemas.microsoft.com/office/drawing/2014/main" id="{3A740990-5CC8-C7C7-51B9-B294A0638130}"/>
+              </a:ext>
+            </a:extLst>
+          </p:cNvPr>
+          <p:cNvCxnSpPr>
+            <a:cxnSpLocks/>
+          </p:cNvCxnSpPr>
+          <p:nvPr/>
+        </p:nvCxnSpPr>
+        <p:spPr>
+          <a:xfrm rot="5400000">
+            <a:off x="9795348" y="2394400"/>
+            <a:ext cx="260456" cy="340426"/>
+          </a:xfrm>
+          <a:prstGeom prst="bentConnector3">
+            <a:avLst/>
+          </a:prstGeom>
+          <a:ln w="25400">
+            <a:headEnd type="triangle"/>
+            <a:tailEnd type="triangle"/>
+          </a:ln>
+        </p:spPr>
+        <p:style>
+          <a:lnRef idx="1">
+            <a:schemeClr val="accent1"/>
+          </a:lnRef>
+          <a:fillRef idx="0">
+            <a:schemeClr val="accent1"/>
+          </a:fillRef>
+          <a:effectRef idx="0">
+            <a:schemeClr val="accent1"/>
+          </a:effectRef>
+          <a:fontRef idx="minor">
+            <a:schemeClr val="tx1"/>
+          </a:fontRef>
+        </p:style>
+      </p:cxnSp>
+      <p:cxnSp>
+        <p:nvCxnSpPr>
+          <p:cNvPr id="81" name="연결선: 꺾임 80">
+            <a:extLst>
+              <a:ext uri="{FF2B5EF4-FFF2-40B4-BE49-F238E27FC236}">
+                <a16:creationId xmlns:a16="http://schemas.microsoft.com/office/drawing/2014/main" id="{232B1041-5591-6F4E-D501-94794D5C7856}"/>
+              </a:ext>
+            </a:extLst>
+          </p:cNvPr>
+          <p:cNvCxnSpPr>
+            <a:cxnSpLocks/>
+          </p:cNvCxnSpPr>
+          <p:nvPr/>
+        </p:nvCxnSpPr>
+        <p:spPr>
+          <a:xfrm rot="16200000" flipH="1">
+            <a:off x="10135774" y="2394399"/>
+            <a:ext cx="260456" cy="340427"/>
+          </a:xfrm>
+          <a:prstGeom prst="bentConnector3">
+            <a:avLst/>
+          </a:prstGeom>
+          <a:ln w="25400">
+            <a:headEnd type="triangle"/>
+            <a:tailEnd type="triangle"/>
+          </a:ln>
+        </p:spPr>
+        <p:style>
+          <a:lnRef idx="1">
+            <a:schemeClr val="accent1"/>
+          </a:lnRef>
+          <a:fillRef idx="0">
+            <a:schemeClr val="accent1"/>
+          </a:fillRef>
+          <a:effectRef idx="0">
+            <a:schemeClr val="accent1"/>
+          </a:effectRef>
+          <a:fontRef idx="minor">
+            <a:schemeClr val="tx1"/>
+          </a:fontRef>
+        </p:style>
+      </p:cxnSp>
+      <p:cxnSp>
+        <p:nvCxnSpPr>
+          <p:cNvPr id="82" name="직선 화살표 연결선 81">
+            <a:extLst>
+              <a:ext uri="{FF2B5EF4-FFF2-40B4-BE49-F238E27FC236}">
+                <a16:creationId xmlns:a16="http://schemas.microsoft.com/office/drawing/2014/main" id="{6A4D67F2-998F-DAA8-1D43-82D03C7ED9A2}"/>
+              </a:ext>
+            </a:extLst>
+          </p:cNvPr>
+          <p:cNvCxnSpPr>
+            <a:cxnSpLocks/>
+          </p:cNvCxnSpPr>
+          <p:nvPr/>
+        </p:nvCxnSpPr>
+        <p:spPr>
+          <a:xfrm>
+            <a:off x="1660175" y="1148342"/>
+            <a:ext cx="1986139" cy="1313339"/>
+          </a:xfrm>
+          <a:prstGeom prst="straightConnector1">
+            <a:avLst/>
+          </a:prstGeom>
+          <a:ln>
+            <a:prstDash val="lgDash"/>
+            <a:tailEnd type="triangle"/>
+          </a:ln>
+        </p:spPr>
+        <p:style>
+          <a:lnRef idx="1">
+            <a:schemeClr val="dk1"/>
+          </a:lnRef>
+          <a:fillRef idx="0">
+            <a:schemeClr val="dk1"/>
+          </a:fillRef>
+          <a:effectRef idx="0">
+            <a:schemeClr val="dk1"/>
+          </a:effectRef>
+          <a:fontRef idx="minor">
+            <a:schemeClr val="tx1"/>
+          </a:fontRef>
+        </p:style>
+      </p:cxnSp>
+      <p:cxnSp>
+        <p:nvCxnSpPr>
+          <p:cNvPr id="86" name="직선 화살표 연결선 85">
+            <a:extLst>
+              <a:ext uri="{FF2B5EF4-FFF2-40B4-BE49-F238E27FC236}">
+                <a16:creationId xmlns:a16="http://schemas.microsoft.com/office/drawing/2014/main" id="{A3F4B80D-D2C7-5AAB-C8AD-AFD65A6D0FAD}"/>
+              </a:ext>
+            </a:extLst>
+          </p:cNvPr>
+          <p:cNvCxnSpPr>
+            <a:cxnSpLocks/>
+          </p:cNvCxnSpPr>
+          <p:nvPr/>
+        </p:nvCxnSpPr>
+        <p:spPr>
+          <a:xfrm>
+            <a:off x="1660175" y="1692727"/>
+            <a:ext cx="2033408" cy="1575407"/>
+          </a:xfrm>
+          <a:prstGeom prst="straightConnector1">
+            <a:avLst/>
+          </a:prstGeom>
+          <a:ln>
+            <a:prstDash val="lgDash"/>
+            <a:tailEnd type="triangle"/>
+          </a:ln>
+        </p:spPr>
+        <p:style>
+          <a:lnRef idx="1">
+            <a:schemeClr val="dk1"/>
+          </a:lnRef>
+          <a:fillRef idx="0">
+            <a:schemeClr val="dk1"/>
+          </a:fillRef>
+          <a:effectRef idx="0">
+            <a:schemeClr val="dk1"/>
+          </a:effectRef>
+          <a:fontRef idx="minor">
+            <a:schemeClr val="tx1"/>
+          </a:fontRef>
+        </p:style>
+      </p:cxnSp>
+      <p:cxnSp>
+        <p:nvCxnSpPr>
+          <p:cNvPr id="88" name="직선 화살표 연결선 87">
+            <a:extLst>
+              <a:ext uri="{FF2B5EF4-FFF2-40B4-BE49-F238E27FC236}">
+                <a16:creationId xmlns:a16="http://schemas.microsoft.com/office/drawing/2014/main" id="{F775A379-E5FE-BEE0-14FE-C648FECF2EDD}"/>
+              </a:ext>
+            </a:extLst>
+          </p:cNvPr>
+          <p:cNvCxnSpPr>
+            <a:cxnSpLocks/>
+            <a:endCxn id="69" idx="1"/>
+          </p:cNvCxnSpPr>
+          <p:nvPr/>
+        </p:nvCxnSpPr>
+        <p:spPr>
+          <a:xfrm>
+            <a:off x="1660175" y="2238757"/>
+            <a:ext cx="2033408" cy="3219022"/>
+          </a:xfrm>
+          <a:prstGeom prst="straightConnector1">
+            <a:avLst/>
+          </a:prstGeom>
+          <a:ln>
+            <a:prstDash val="lgDash"/>
+            <a:tailEnd type="triangle"/>
+          </a:ln>
+        </p:spPr>
+        <p:style>
+          <a:lnRef idx="1">
+            <a:schemeClr val="dk1"/>
+          </a:lnRef>
+          <a:fillRef idx="0">
+            <a:schemeClr val="dk1"/>
+          </a:fillRef>
+          <a:effectRef idx="0">
+            <a:schemeClr val="dk1"/>
+          </a:effectRef>
+          <a:fontRef idx="minor">
+            <a:schemeClr val="tx1"/>
+          </a:fontRef>
+        </p:style>
+      </p:cxnSp>
+    </p:spTree>
+    <p:extLst>
+      <p:ext uri="{BB962C8B-B14F-4D97-AF65-F5344CB8AC3E}">
+        <p14:creationId xmlns:p14="http://schemas.microsoft.com/office/powerpoint/2010/main" val="712980536"/>
+      </p:ext>
+    </p:extLst>
+  </p:cSld>
+  <p:clrMapOvr>
+    <a:masterClrMapping/>
+  </p:clrMapOvr>
+</p:sld>
+</file>
+
+<file path=ppt/slides/slide9.xml><?xml version="1.0" encoding="utf-8"?>
 <p:sld xmlns:a="http://schemas.openxmlformats.org/drawingml/2006/main" xmlns:r="http://schemas.openxmlformats.org/officeDocument/2006/relationships" xmlns:p="http://schemas.openxmlformats.org/presentationml/2006/main">
   <p:cSld>
     <p:spTree>

--- a/Documents/RFSoC_Design.pptx
+++ b/Documents/RFSoC_Design.pptx
@@ -6,14 +6,13 @@
   </p:sldMasterIdLst>
   <p:sldIdLst>
     <p:sldId id="256" r:id="rId2"/>
-    <p:sldId id="257" r:id="rId3"/>
-    <p:sldId id="258" r:id="rId4"/>
-    <p:sldId id="259" r:id="rId5"/>
-    <p:sldId id="260" r:id="rId6"/>
-    <p:sldId id="262" r:id="rId7"/>
-    <p:sldId id="263" r:id="rId8"/>
-    <p:sldId id="264" r:id="rId9"/>
-    <p:sldId id="261" r:id="rId10"/>
+    <p:sldId id="258" r:id="rId3"/>
+    <p:sldId id="259" r:id="rId4"/>
+    <p:sldId id="260" r:id="rId5"/>
+    <p:sldId id="262" r:id="rId6"/>
+    <p:sldId id="263" r:id="rId7"/>
+    <p:sldId id="264" r:id="rId8"/>
+    <p:sldId id="261" r:id="rId9"/>
   </p:sldIdLst>
   <p:sldSz cx="12192000" cy="6858000"/>
   <p:notesSz cx="6858000" cy="9144000"/>
@@ -267,7 +266,7 @@
           <a:p>
             <a:fld id="{4BCFB9E3-1A25-40D8-A1F2-1B6E2C7DEF49}" type="datetimeFigureOut">
               <a:rPr lang="ko-KR" altLang="en-US" smtClean="0"/>
-              <a:t>2023-01-25</a:t>
+              <a:t>2023-01-26</a:t>
             </a:fld>
             <a:endParaRPr lang="ko-KR" altLang="en-US"/>
           </a:p>
@@ -465,7 +464,7 @@
           <a:p>
             <a:fld id="{4BCFB9E3-1A25-40D8-A1F2-1B6E2C7DEF49}" type="datetimeFigureOut">
               <a:rPr lang="ko-KR" altLang="en-US" smtClean="0"/>
-              <a:t>2023-01-25</a:t>
+              <a:t>2023-01-26</a:t>
             </a:fld>
             <a:endParaRPr lang="ko-KR" altLang="en-US"/>
           </a:p>
@@ -673,7 +672,7 @@
           <a:p>
             <a:fld id="{4BCFB9E3-1A25-40D8-A1F2-1B6E2C7DEF49}" type="datetimeFigureOut">
               <a:rPr lang="ko-KR" altLang="en-US" smtClean="0"/>
-              <a:t>2023-01-25</a:t>
+              <a:t>2023-01-26</a:t>
             </a:fld>
             <a:endParaRPr lang="ko-KR" altLang="en-US"/>
           </a:p>
@@ -871,7 +870,7 @@
           <a:p>
             <a:fld id="{4BCFB9E3-1A25-40D8-A1F2-1B6E2C7DEF49}" type="datetimeFigureOut">
               <a:rPr lang="ko-KR" altLang="en-US" smtClean="0"/>
-              <a:t>2023-01-25</a:t>
+              <a:t>2023-01-26</a:t>
             </a:fld>
             <a:endParaRPr lang="ko-KR" altLang="en-US"/>
           </a:p>
@@ -1146,7 +1145,7 @@
           <a:p>
             <a:fld id="{4BCFB9E3-1A25-40D8-A1F2-1B6E2C7DEF49}" type="datetimeFigureOut">
               <a:rPr lang="ko-KR" altLang="en-US" smtClean="0"/>
-              <a:t>2023-01-25</a:t>
+              <a:t>2023-01-26</a:t>
             </a:fld>
             <a:endParaRPr lang="ko-KR" altLang="en-US"/>
           </a:p>
@@ -1411,7 +1410,7 @@
           <a:p>
             <a:fld id="{4BCFB9E3-1A25-40D8-A1F2-1B6E2C7DEF49}" type="datetimeFigureOut">
               <a:rPr lang="ko-KR" altLang="en-US" smtClean="0"/>
-              <a:t>2023-01-25</a:t>
+              <a:t>2023-01-26</a:t>
             </a:fld>
             <a:endParaRPr lang="ko-KR" altLang="en-US"/>
           </a:p>
@@ -1823,7 +1822,7 @@
           <a:p>
             <a:fld id="{4BCFB9E3-1A25-40D8-A1F2-1B6E2C7DEF49}" type="datetimeFigureOut">
               <a:rPr lang="ko-KR" altLang="en-US" smtClean="0"/>
-              <a:t>2023-01-25</a:t>
+              <a:t>2023-01-26</a:t>
             </a:fld>
             <a:endParaRPr lang="ko-KR" altLang="en-US"/>
           </a:p>
@@ -1964,7 +1963,7 @@
           <a:p>
             <a:fld id="{4BCFB9E3-1A25-40D8-A1F2-1B6E2C7DEF49}" type="datetimeFigureOut">
               <a:rPr lang="ko-KR" altLang="en-US" smtClean="0"/>
-              <a:t>2023-01-25</a:t>
+              <a:t>2023-01-26</a:t>
             </a:fld>
             <a:endParaRPr lang="ko-KR" altLang="en-US"/>
           </a:p>
@@ -2077,7 +2076,7 @@
           <a:p>
             <a:fld id="{4BCFB9E3-1A25-40D8-A1F2-1B6E2C7DEF49}" type="datetimeFigureOut">
               <a:rPr lang="ko-KR" altLang="en-US" smtClean="0"/>
-              <a:t>2023-01-25</a:t>
+              <a:t>2023-01-26</a:t>
             </a:fld>
             <a:endParaRPr lang="ko-KR" altLang="en-US"/>
           </a:p>
@@ -2388,7 +2387,7 @@
           <a:p>
             <a:fld id="{4BCFB9E3-1A25-40D8-A1F2-1B6E2C7DEF49}" type="datetimeFigureOut">
               <a:rPr lang="ko-KR" altLang="en-US" smtClean="0"/>
-              <a:t>2023-01-25</a:t>
+              <a:t>2023-01-26</a:t>
             </a:fld>
             <a:endParaRPr lang="ko-KR" altLang="en-US"/>
           </a:p>
@@ -2676,7 +2675,7 @@
           <a:p>
             <a:fld id="{4BCFB9E3-1A25-40D8-A1F2-1B6E2C7DEF49}" type="datetimeFigureOut">
               <a:rPr lang="ko-KR" altLang="en-US" smtClean="0"/>
-              <a:t>2023-01-25</a:t>
+              <a:t>2023-01-26</a:t>
             </a:fld>
             <a:endParaRPr lang="ko-KR" altLang="en-US"/>
           </a:p>
@@ -2917,7 +2916,7 @@
           <a:p>
             <a:fld id="{4BCFB9E3-1A25-40D8-A1F2-1B6E2C7DEF49}" type="datetimeFigureOut">
               <a:rPr lang="ko-KR" altLang="en-US" smtClean="0"/>
-              <a:t>2023-01-25</a:t>
+              <a:t>2023-01-26</a:t>
             </a:fld>
             <a:endParaRPr lang="ko-KR" altLang="en-US"/>
           </a:p>
@@ -3416,4255 +3415,6 @@
       </p:grpSpPr>
       <p:sp>
         <p:nvSpPr>
-          <p:cNvPr id="4" name="직사각형 3">
-            <a:extLst>
-              <a:ext uri="{FF2B5EF4-FFF2-40B4-BE49-F238E27FC236}">
-                <a16:creationId xmlns:a16="http://schemas.microsoft.com/office/drawing/2014/main" id="{BB690C1D-A22E-F7AF-F89F-7E32671BB7EF}"/>
-              </a:ext>
-            </a:extLst>
-          </p:cNvPr>
-          <p:cNvSpPr/>
-          <p:nvPr/>
-        </p:nvSpPr>
-        <p:spPr>
-          <a:xfrm>
-            <a:off x="2542118" y="33556"/>
-            <a:ext cx="9649882" cy="6744749"/>
-          </a:xfrm>
-          <a:prstGeom prst="rect">
-            <a:avLst/>
-          </a:prstGeom>
-          <a:noFill/>
-        </p:spPr>
-        <p:style>
-          <a:lnRef idx="2">
-            <a:schemeClr val="accent1">
-              <a:shade val="50000"/>
-            </a:schemeClr>
-          </a:lnRef>
-          <a:fillRef idx="1">
-            <a:schemeClr val="accent1"/>
-          </a:fillRef>
-          <a:effectRef idx="0">
-            <a:schemeClr val="accent1"/>
-          </a:effectRef>
-          <a:fontRef idx="minor">
-            <a:schemeClr val="lt1"/>
-          </a:fontRef>
-        </p:style>
-        <p:txBody>
-          <a:bodyPr rtlCol="0" anchor="t"/>
-          <a:lstStyle/>
-          <a:p>
-            <a:pPr algn="ctr"/>
-            <a:r>
-              <a:rPr lang="en-US" altLang="ko-KR" sz="900" err="1">
-                <a:solidFill>
-                  <a:schemeClr val="tx1"/>
-                </a:solidFill>
-              </a:rPr>
-              <a:t>rf_driver</a:t>
-            </a:r>
-            <a:endParaRPr lang="ko-KR" altLang="en-US" sz="900"/>
-          </a:p>
-        </p:txBody>
-      </p:sp>
-      <p:grpSp>
-        <p:nvGrpSpPr>
-          <p:cNvPr id="76" name="그룹 75">
-            <a:extLst>
-              <a:ext uri="{FF2B5EF4-FFF2-40B4-BE49-F238E27FC236}">
-                <a16:creationId xmlns:a16="http://schemas.microsoft.com/office/drawing/2014/main" id="{987BB69E-B71E-2C3B-8BC4-9E05DC3A0F5C}"/>
-              </a:ext>
-            </a:extLst>
-          </p:cNvPr>
-          <p:cNvGrpSpPr/>
-          <p:nvPr/>
-        </p:nvGrpSpPr>
-        <p:grpSpPr>
-          <a:xfrm>
-            <a:off x="8940800" y="285750"/>
-            <a:ext cx="3121637" cy="4668727"/>
-            <a:chOff x="9042400" y="33556"/>
-            <a:chExt cx="3121637" cy="4920921"/>
-          </a:xfrm>
-        </p:grpSpPr>
-        <p:sp>
-          <p:nvSpPr>
-            <p:cNvPr id="5" name="직사각형 4">
-              <a:extLst>
-                <a:ext uri="{FF2B5EF4-FFF2-40B4-BE49-F238E27FC236}">
-                  <a16:creationId xmlns:a16="http://schemas.microsoft.com/office/drawing/2014/main" id="{8DAD2D8A-469A-14AD-1EB8-49B07C27EB6D}"/>
-                </a:ext>
-              </a:extLst>
-            </p:cNvPr>
-            <p:cNvSpPr/>
-            <p:nvPr/>
-          </p:nvSpPr>
-          <p:spPr>
-            <a:xfrm>
-              <a:off x="9042400" y="33556"/>
-              <a:ext cx="3121637" cy="4920921"/>
-            </a:xfrm>
-            <a:prstGeom prst="rect">
-              <a:avLst/>
-            </a:prstGeom>
-            <a:noFill/>
-          </p:spPr>
-          <p:style>
-            <a:lnRef idx="2">
-              <a:schemeClr val="accent1">
-                <a:shade val="50000"/>
-              </a:schemeClr>
-            </a:lnRef>
-            <a:fillRef idx="1">
-              <a:schemeClr val="accent1"/>
-            </a:fillRef>
-            <a:effectRef idx="0">
-              <a:schemeClr val="accent1"/>
-            </a:effectRef>
-            <a:fontRef idx="minor">
-              <a:schemeClr val="lt1"/>
-            </a:fontRef>
-          </p:style>
-          <p:txBody>
-            <a:bodyPr rtlCol="0" anchor="t"/>
-            <a:lstStyle/>
-            <a:p>
-              <a:pPr algn="ctr"/>
-              <a:r>
-                <a:rPr lang="en-US" altLang="ko-KR" sz="900" err="1">
-                  <a:solidFill>
-                    <a:schemeClr val="tx1"/>
-                  </a:solidFill>
-                </a:rPr>
-                <a:t>rto_core</a:t>
-              </a:r>
-              <a:r>
-                <a:rPr lang="en-US" altLang="ko-KR" sz="900">
-                  <a:solidFill>
-                    <a:schemeClr val="tx1"/>
-                  </a:solidFill>
-                </a:rPr>
-                <a:t>(</a:t>
-              </a:r>
-              <a:r>
-                <a:rPr lang="en-US" altLang="ko-KR" sz="900" err="1">
-                  <a:solidFill>
-                    <a:schemeClr val="tx1"/>
-                  </a:solidFill>
-                </a:rPr>
-                <a:t>rto_core</a:t>
-              </a:r>
-              <a:r>
-                <a:rPr lang="en-US" altLang="ko-KR" sz="900">
-                  <a:solidFill>
-                    <a:schemeClr val="tx1"/>
-                  </a:solidFill>
-                </a:rPr>
-                <a:t>)</a:t>
-              </a:r>
-              <a:endParaRPr lang="ko-KR" altLang="en-US" sz="900"/>
-            </a:p>
-          </p:txBody>
-        </p:sp>
-        <p:sp>
-          <p:nvSpPr>
-            <p:cNvPr id="6" name="직사각형 5">
-              <a:extLst>
-                <a:ext uri="{FF2B5EF4-FFF2-40B4-BE49-F238E27FC236}">
-                  <a16:creationId xmlns:a16="http://schemas.microsoft.com/office/drawing/2014/main" id="{19528D6E-69FD-4E86-C951-F66C255EC66A}"/>
-                </a:ext>
-              </a:extLst>
-            </p:cNvPr>
-            <p:cNvSpPr/>
-            <p:nvPr/>
-          </p:nvSpPr>
-          <p:spPr>
-            <a:xfrm>
-              <a:off x="9042400" y="653892"/>
-              <a:ext cx="1311275" cy="230512"/>
-            </a:xfrm>
-            <a:prstGeom prst="rect">
-              <a:avLst/>
-            </a:prstGeom>
-            <a:noFill/>
-            <a:ln>
-              <a:noFill/>
-            </a:ln>
-          </p:spPr>
-          <p:style>
-            <a:lnRef idx="2">
-              <a:schemeClr val="accent1">
-                <a:shade val="50000"/>
-              </a:schemeClr>
-            </a:lnRef>
-            <a:fillRef idx="1">
-              <a:schemeClr val="accent1"/>
-            </a:fillRef>
-            <a:effectRef idx="0">
-              <a:schemeClr val="accent1"/>
-            </a:effectRef>
-            <a:fontRef idx="minor">
-              <a:schemeClr val="lt1"/>
-            </a:fontRef>
-          </p:style>
-          <p:txBody>
-            <a:bodyPr rtlCol="0" anchor="ctr"/>
-            <a:lstStyle/>
-            <a:p>
-              <a:r>
-                <a:rPr lang="en-US" altLang="ko-KR" sz="900" err="1">
-                  <a:solidFill>
-                    <a:schemeClr val="tx1"/>
-                  </a:solidFill>
-                </a:rPr>
-                <a:t>counter_matched</a:t>
-              </a:r>
-              <a:endParaRPr lang="ko-KR" altLang="en-US" sz="900">
-                <a:solidFill>
-                  <a:schemeClr val="tx1"/>
-                </a:solidFill>
-              </a:endParaRPr>
-            </a:p>
-          </p:txBody>
-        </p:sp>
-        <p:sp>
-          <p:nvSpPr>
-            <p:cNvPr id="7" name="직사각형 6">
-              <a:extLst>
-                <a:ext uri="{FF2B5EF4-FFF2-40B4-BE49-F238E27FC236}">
-                  <a16:creationId xmlns:a16="http://schemas.microsoft.com/office/drawing/2014/main" id="{0673DBF5-A732-21A7-5FE3-BAB4CEC07D6B}"/>
-                </a:ext>
-              </a:extLst>
-            </p:cNvPr>
-            <p:cNvSpPr/>
-            <p:nvPr/>
-          </p:nvSpPr>
-          <p:spPr>
-            <a:xfrm>
-              <a:off x="9042400" y="994880"/>
-              <a:ext cx="1311275" cy="230512"/>
-            </a:xfrm>
-            <a:prstGeom prst="rect">
-              <a:avLst/>
-            </a:prstGeom>
-            <a:noFill/>
-            <a:ln>
-              <a:noFill/>
-            </a:ln>
-          </p:spPr>
-          <p:style>
-            <a:lnRef idx="2">
-              <a:schemeClr val="accent1">
-                <a:shade val="50000"/>
-              </a:schemeClr>
-            </a:lnRef>
-            <a:fillRef idx="1">
-              <a:schemeClr val="accent1"/>
-            </a:fillRef>
-            <a:effectRef idx="0">
-              <a:schemeClr val="accent1"/>
-            </a:effectRef>
-            <a:fontRef idx="minor">
-              <a:schemeClr val="lt1"/>
-            </a:fontRef>
-          </p:style>
-          <p:txBody>
-            <a:bodyPr rtlCol="0" anchor="ctr"/>
-            <a:lstStyle/>
-            <a:p>
-              <a:r>
-                <a:rPr lang="en-US" altLang="ko-KR" sz="900">
-                  <a:solidFill>
-                    <a:schemeClr val="tx1"/>
-                  </a:solidFill>
-                </a:rPr>
-                <a:t>[127:0]</a:t>
-              </a:r>
-              <a:r>
-                <a:rPr lang="en-US" altLang="ko-KR" sz="900" err="1">
-                  <a:solidFill>
-                    <a:schemeClr val="tx1"/>
-                  </a:solidFill>
-                </a:rPr>
-                <a:t>rto_out</a:t>
-              </a:r>
-              <a:endParaRPr lang="ko-KR" altLang="en-US" sz="900">
-                <a:solidFill>
-                  <a:schemeClr val="tx1"/>
-                </a:solidFill>
-              </a:endParaRPr>
-            </a:p>
-          </p:txBody>
-        </p:sp>
-        <p:sp>
-          <p:nvSpPr>
-            <p:cNvPr id="8" name="직사각형 7">
-              <a:extLst>
-                <a:ext uri="{FF2B5EF4-FFF2-40B4-BE49-F238E27FC236}">
-                  <a16:creationId xmlns:a16="http://schemas.microsoft.com/office/drawing/2014/main" id="{379B40C1-9763-1B53-C799-A3C576AD4DE3}"/>
-                </a:ext>
-              </a:extLst>
-            </p:cNvPr>
-            <p:cNvSpPr/>
-            <p:nvPr/>
-          </p:nvSpPr>
-          <p:spPr>
-            <a:xfrm>
-              <a:off x="10841887" y="653892"/>
-              <a:ext cx="1311275" cy="230512"/>
-            </a:xfrm>
-            <a:prstGeom prst="rect">
-              <a:avLst/>
-            </a:prstGeom>
-            <a:noFill/>
-            <a:ln>
-              <a:noFill/>
-            </a:ln>
-          </p:spPr>
-          <p:style>
-            <a:lnRef idx="2">
-              <a:schemeClr val="accent1">
-                <a:shade val="50000"/>
-              </a:schemeClr>
-            </a:lnRef>
-            <a:fillRef idx="1">
-              <a:schemeClr val="accent1"/>
-            </a:fillRef>
-            <a:effectRef idx="0">
-              <a:schemeClr val="accent1"/>
-            </a:effectRef>
-            <a:fontRef idx="minor">
-              <a:schemeClr val="lt1"/>
-            </a:fontRef>
-          </p:style>
-          <p:txBody>
-            <a:bodyPr rtlCol="0" anchor="ctr"/>
-            <a:lstStyle/>
-            <a:p>
-              <a:pPr algn="r"/>
-              <a:r>
-                <a:rPr lang="en-US" altLang="ko-KR" sz="900" err="1">
-                  <a:solidFill>
-                    <a:schemeClr val="tx1"/>
-                  </a:solidFill>
-                </a:rPr>
-                <a:t>timestamp_error</a:t>
-              </a:r>
-              <a:endParaRPr lang="ko-KR" altLang="en-US" sz="900">
-                <a:solidFill>
-                  <a:schemeClr val="tx1"/>
-                </a:solidFill>
-              </a:endParaRPr>
-            </a:p>
-          </p:txBody>
-        </p:sp>
-        <p:sp>
-          <p:nvSpPr>
-            <p:cNvPr id="9" name="직사각형 8">
-              <a:extLst>
-                <a:ext uri="{FF2B5EF4-FFF2-40B4-BE49-F238E27FC236}">
-                  <a16:creationId xmlns:a16="http://schemas.microsoft.com/office/drawing/2014/main" id="{80BD1937-339C-04F7-2A29-FE7440BDBF25}"/>
-                </a:ext>
-              </a:extLst>
-            </p:cNvPr>
-            <p:cNvSpPr/>
-            <p:nvPr/>
-          </p:nvSpPr>
-          <p:spPr>
-            <a:xfrm>
-              <a:off x="10841887" y="893161"/>
-              <a:ext cx="1311275" cy="230512"/>
-            </a:xfrm>
-            <a:prstGeom prst="rect">
-              <a:avLst/>
-            </a:prstGeom>
-            <a:noFill/>
-            <a:ln>
-              <a:noFill/>
-            </a:ln>
-          </p:spPr>
-          <p:style>
-            <a:lnRef idx="2">
-              <a:schemeClr val="accent1">
-                <a:shade val="50000"/>
-              </a:schemeClr>
-            </a:lnRef>
-            <a:fillRef idx="1">
-              <a:schemeClr val="accent1"/>
-            </a:fillRef>
-            <a:effectRef idx="0">
-              <a:schemeClr val="accent1"/>
-            </a:effectRef>
-            <a:fontRef idx="minor">
-              <a:schemeClr val="lt1"/>
-            </a:fontRef>
-          </p:style>
-          <p:txBody>
-            <a:bodyPr rtlCol="0" anchor="ctr"/>
-            <a:lstStyle/>
-            <a:p>
-              <a:pPr algn="r"/>
-              <a:r>
-                <a:rPr lang="en-US" altLang="ko-KR" sz="900" err="1">
-                  <a:solidFill>
-                    <a:schemeClr val="tx1"/>
-                  </a:solidFill>
-                </a:rPr>
-                <a:t>overflow_error</a:t>
-              </a:r>
-              <a:endParaRPr lang="ko-KR" altLang="en-US" sz="900">
-                <a:solidFill>
-                  <a:schemeClr val="tx1"/>
-                </a:solidFill>
-              </a:endParaRPr>
-            </a:p>
-          </p:txBody>
-        </p:sp>
-        <p:sp>
-          <p:nvSpPr>
-            <p:cNvPr id="10" name="직사각형 9">
-              <a:extLst>
-                <a:ext uri="{FF2B5EF4-FFF2-40B4-BE49-F238E27FC236}">
-                  <a16:creationId xmlns:a16="http://schemas.microsoft.com/office/drawing/2014/main" id="{F31E56E4-5339-AF11-BC9A-D07F412806F7}"/>
-                </a:ext>
-              </a:extLst>
-            </p:cNvPr>
-            <p:cNvSpPr/>
-            <p:nvPr/>
-          </p:nvSpPr>
-          <p:spPr>
-            <a:xfrm>
-              <a:off x="10841887" y="1132430"/>
-              <a:ext cx="1311275" cy="230512"/>
-            </a:xfrm>
-            <a:prstGeom prst="rect">
-              <a:avLst/>
-            </a:prstGeom>
-            <a:noFill/>
-            <a:ln>
-              <a:noFill/>
-            </a:ln>
-          </p:spPr>
-          <p:style>
-            <a:lnRef idx="2">
-              <a:schemeClr val="accent1">
-                <a:shade val="50000"/>
-              </a:schemeClr>
-            </a:lnRef>
-            <a:fillRef idx="1">
-              <a:schemeClr val="accent1"/>
-            </a:fillRef>
-            <a:effectRef idx="0">
-              <a:schemeClr val="accent1"/>
-            </a:effectRef>
-            <a:fontRef idx="minor">
-              <a:schemeClr val="lt1"/>
-            </a:fontRef>
-          </p:style>
-          <p:txBody>
-            <a:bodyPr rtlCol="0" anchor="ctr"/>
-            <a:lstStyle/>
-            <a:p>
-              <a:pPr algn="r"/>
-              <a:r>
-                <a:rPr lang="en-US" altLang="ko-KR" sz="900">
-                  <a:solidFill>
-                    <a:schemeClr val="tx1"/>
-                  </a:solidFill>
-                </a:rPr>
-                <a:t>[31:0]</a:t>
-              </a:r>
-              <a:r>
-                <a:rPr lang="en-US" altLang="ko-KR" sz="900" err="1">
-                  <a:solidFill>
-                    <a:schemeClr val="tx1"/>
-                  </a:solidFill>
-                </a:rPr>
-                <a:t>rd_data</a:t>
-              </a:r>
-              <a:endParaRPr lang="ko-KR" altLang="en-US" sz="900">
-                <a:solidFill>
-                  <a:schemeClr val="tx1"/>
-                </a:solidFill>
-              </a:endParaRPr>
-            </a:p>
-          </p:txBody>
-        </p:sp>
-        <p:sp>
-          <p:nvSpPr>
-            <p:cNvPr id="11" name="직사각형 10">
-              <a:extLst>
-                <a:ext uri="{FF2B5EF4-FFF2-40B4-BE49-F238E27FC236}">
-                  <a16:creationId xmlns:a16="http://schemas.microsoft.com/office/drawing/2014/main" id="{290E10D2-5A29-A44C-A4F4-427D134EE161}"/>
-                </a:ext>
-              </a:extLst>
-            </p:cNvPr>
-            <p:cNvSpPr/>
-            <p:nvPr/>
-          </p:nvSpPr>
-          <p:spPr>
-            <a:xfrm>
-              <a:off x="10841887" y="1371699"/>
-              <a:ext cx="1311275" cy="230512"/>
-            </a:xfrm>
-            <a:prstGeom prst="rect">
-              <a:avLst/>
-            </a:prstGeom>
-            <a:noFill/>
-            <a:ln>
-              <a:noFill/>
-            </a:ln>
-          </p:spPr>
-          <p:style>
-            <a:lnRef idx="2">
-              <a:schemeClr val="accent1">
-                <a:shade val="50000"/>
-              </a:schemeClr>
-            </a:lnRef>
-            <a:fillRef idx="1">
-              <a:schemeClr val="accent1"/>
-            </a:fillRef>
-            <a:effectRef idx="0">
-              <a:schemeClr val="accent1"/>
-            </a:effectRef>
-            <a:fontRef idx="minor">
-              <a:schemeClr val="lt1"/>
-            </a:fontRef>
-          </p:style>
-          <p:txBody>
-            <a:bodyPr rtlCol="0" anchor="ctr"/>
-            <a:lstStyle/>
-            <a:p>
-              <a:pPr algn="r"/>
-              <a:r>
-                <a:rPr lang="en-US" altLang="ko-KR" sz="900">
-                  <a:solidFill>
-                    <a:schemeClr val="tx1"/>
-                  </a:solidFill>
-                </a:rPr>
-                <a:t>full</a:t>
-              </a:r>
-              <a:endParaRPr lang="ko-KR" altLang="en-US" sz="900">
-                <a:solidFill>
-                  <a:schemeClr val="tx1"/>
-                </a:solidFill>
-              </a:endParaRPr>
-            </a:p>
-          </p:txBody>
-        </p:sp>
-        <p:sp>
-          <p:nvSpPr>
-            <p:cNvPr id="12" name="직사각형 11">
-              <a:extLst>
-                <a:ext uri="{FF2B5EF4-FFF2-40B4-BE49-F238E27FC236}">
-                  <a16:creationId xmlns:a16="http://schemas.microsoft.com/office/drawing/2014/main" id="{99D2A96C-F551-C11E-58D0-6E205606563E}"/>
-                </a:ext>
-              </a:extLst>
-            </p:cNvPr>
-            <p:cNvSpPr/>
-            <p:nvPr/>
-          </p:nvSpPr>
-          <p:spPr>
-            <a:xfrm>
-              <a:off x="10841887" y="1610968"/>
-              <a:ext cx="1311275" cy="230512"/>
-            </a:xfrm>
-            <a:prstGeom prst="rect">
-              <a:avLst/>
-            </a:prstGeom>
-            <a:noFill/>
-            <a:ln>
-              <a:noFill/>
-            </a:ln>
-          </p:spPr>
-          <p:style>
-            <a:lnRef idx="2">
-              <a:schemeClr val="accent1">
-                <a:shade val="50000"/>
-              </a:schemeClr>
-            </a:lnRef>
-            <a:fillRef idx="1">
-              <a:schemeClr val="accent1"/>
-            </a:fillRef>
-            <a:effectRef idx="0">
-              <a:schemeClr val="accent1"/>
-            </a:effectRef>
-            <a:fontRef idx="minor">
-              <a:schemeClr val="lt1"/>
-            </a:fontRef>
-          </p:style>
-          <p:txBody>
-            <a:bodyPr rtlCol="0" anchor="ctr"/>
-            <a:lstStyle/>
-            <a:p>
-              <a:pPr algn="r"/>
-              <a:r>
-                <a:rPr lang="en-US" altLang="ko-KR" sz="900">
-                  <a:solidFill>
-                    <a:schemeClr val="tx1"/>
-                  </a:solidFill>
-                </a:rPr>
-                <a:t>empty</a:t>
-              </a:r>
-              <a:endParaRPr lang="ko-KR" altLang="en-US" sz="900">
-                <a:solidFill>
-                  <a:schemeClr val="tx1"/>
-                </a:solidFill>
-              </a:endParaRPr>
-            </a:p>
-          </p:txBody>
-        </p:sp>
-        <p:sp>
-          <p:nvSpPr>
-            <p:cNvPr id="13" name="직사각형 12">
-              <a:extLst>
-                <a:ext uri="{FF2B5EF4-FFF2-40B4-BE49-F238E27FC236}">
-                  <a16:creationId xmlns:a16="http://schemas.microsoft.com/office/drawing/2014/main" id="{418D51E3-BE05-768C-D249-A8724C035E78}"/>
-                </a:ext>
-              </a:extLst>
-            </p:cNvPr>
-            <p:cNvSpPr/>
-            <p:nvPr/>
-          </p:nvSpPr>
-          <p:spPr>
-            <a:xfrm>
-              <a:off x="10841887" y="1850526"/>
-              <a:ext cx="1311275" cy="230512"/>
-            </a:xfrm>
-            <a:prstGeom prst="rect">
-              <a:avLst/>
-            </a:prstGeom>
-            <a:noFill/>
-            <a:ln>
-              <a:noFill/>
-            </a:ln>
-          </p:spPr>
-          <p:style>
-            <a:lnRef idx="2">
-              <a:schemeClr val="accent1">
-                <a:shade val="50000"/>
-              </a:schemeClr>
-            </a:lnRef>
-            <a:fillRef idx="1">
-              <a:schemeClr val="accent1"/>
-            </a:fillRef>
-            <a:effectRef idx="0">
-              <a:schemeClr val="accent1"/>
-            </a:effectRef>
-            <a:fontRef idx="minor">
-              <a:schemeClr val="lt1"/>
-            </a:fontRef>
-          </p:style>
-          <p:txBody>
-            <a:bodyPr rtlCol="0" anchor="ctr"/>
-            <a:lstStyle/>
-            <a:p>
-              <a:pPr algn="r"/>
-              <a:r>
-                <a:rPr lang="en-US" altLang="ko-KR" sz="900" err="1">
-                  <a:solidFill>
-                    <a:schemeClr val="tx1"/>
-                  </a:solidFill>
-                </a:rPr>
-                <a:t>auto_start</a:t>
-              </a:r>
-              <a:endParaRPr lang="ko-KR" altLang="en-US" sz="900">
-                <a:solidFill>
-                  <a:schemeClr val="tx1"/>
-                </a:solidFill>
-              </a:endParaRPr>
-            </a:p>
-          </p:txBody>
-        </p:sp>
-        <p:sp>
-          <p:nvSpPr>
-            <p:cNvPr id="14" name="직사각형 13">
-              <a:extLst>
-                <a:ext uri="{FF2B5EF4-FFF2-40B4-BE49-F238E27FC236}">
-                  <a16:creationId xmlns:a16="http://schemas.microsoft.com/office/drawing/2014/main" id="{00336C7D-7087-7FFE-5771-416F470DE742}"/>
-                </a:ext>
-              </a:extLst>
-            </p:cNvPr>
-            <p:cNvSpPr/>
-            <p:nvPr/>
-          </p:nvSpPr>
-          <p:spPr>
-            <a:xfrm>
-              <a:off x="10841887" y="2090084"/>
-              <a:ext cx="1311275" cy="230512"/>
-            </a:xfrm>
-            <a:prstGeom prst="rect">
-              <a:avLst/>
-            </a:prstGeom>
-            <a:noFill/>
-            <a:ln>
-              <a:noFill/>
-            </a:ln>
-          </p:spPr>
-          <p:style>
-            <a:lnRef idx="2">
-              <a:schemeClr val="accent1">
-                <a:shade val="50000"/>
-              </a:schemeClr>
-            </a:lnRef>
-            <a:fillRef idx="1">
-              <a:schemeClr val="accent1"/>
-            </a:fillRef>
-            <a:effectRef idx="0">
-              <a:schemeClr val="accent1"/>
-            </a:effectRef>
-            <a:fontRef idx="minor">
-              <a:schemeClr val="lt1"/>
-            </a:fontRef>
-          </p:style>
-          <p:txBody>
-            <a:bodyPr rtlCol="0" anchor="ctr"/>
-            <a:lstStyle/>
-            <a:p>
-              <a:pPr algn="r"/>
-              <a:r>
-                <a:rPr lang="en-US" altLang="ko-KR" sz="900">
-                  <a:solidFill>
-                    <a:schemeClr val="tx1"/>
-                  </a:solidFill>
-                </a:rPr>
-                <a:t>[31:0]</a:t>
-              </a:r>
-              <a:r>
-                <a:rPr lang="en-US" altLang="ko-KR" sz="900" err="1">
-                  <a:solidFill>
-                    <a:schemeClr val="tx1"/>
-                  </a:solidFill>
-                </a:rPr>
-                <a:t>wr_data</a:t>
-              </a:r>
-              <a:endParaRPr lang="ko-KR" altLang="en-US" sz="900">
-                <a:solidFill>
-                  <a:schemeClr val="tx1"/>
-                </a:solidFill>
-              </a:endParaRPr>
-            </a:p>
-          </p:txBody>
-        </p:sp>
-        <p:sp>
-          <p:nvSpPr>
-            <p:cNvPr id="15" name="직사각형 14">
-              <a:extLst>
-                <a:ext uri="{FF2B5EF4-FFF2-40B4-BE49-F238E27FC236}">
-                  <a16:creationId xmlns:a16="http://schemas.microsoft.com/office/drawing/2014/main" id="{9623BD76-5DFB-5294-1634-43157C44ADAE}"/>
-                </a:ext>
-              </a:extLst>
-            </p:cNvPr>
-            <p:cNvSpPr/>
-            <p:nvPr/>
-          </p:nvSpPr>
-          <p:spPr>
-            <a:xfrm>
-              <a:off x="10841887" y="2329800"/>
-              <a:ext cx="1311275" cy="230512"/>
-            </a:xfrm>
-            <a:prstGeom prst="rect">
-              <a:avLst/>
-            </a:prstGeom>
-            <a:noFill/>
-            <a:ln>
-              <a:noFill/>
-            </a:ln>
-          </p:spPr>
-          <p:style>
-            <a:lnRef idx="2">
-              <a:schemeClr val="accent1">
-                <a:shade val="50000"/>
-              </a:schemeClr>
-            </a:lnRef>
-            <a:fillRef idx="1">
-              <a:schemeClr val="accent1"/>
-            </a:fillRef>
-            <a:effectRef idx="0">
-              <a:schemeClr val="accent1"/>
-            </a:effectRef>
-            <a:fontRef idx="minor">
-              <a:schemeClr val="lt1"/>
-            </a:fontRef>
-          </p:style>
-          <p:txBody>
-            <a:bodyPr rtlCol="0" anchor="ctr"/>
-            <a:lstStyle/>
-            <a:p>
-              <a:pPr algn="r"/>
-              <a:r>
-                <a:rPr lang="en-US" altLang="ko-KR" sz="900">
-                  <a:solidFill>
-                    <a:schemeClr val="tx1"/>
-                  </a:solidFill>
-                </a:rPr>
-                <a:t>reset</a:t>
-              </a:r>
-              <a:endParaRPr lang="ko-KR" altLang="en-US" sz="900">
-                <a:solidFill>
-                  <a:schemeClr val="tx1"/>
-                </a:solidFill>
-              </a:endParaRPr>
-            </a:p>
-          </p:txBody>
-        </p:sp>
-        <p:sp>
-          <p:nvSpPr>
-            <p:cNvPr id="16" name="직사각형 15">
-              <a:extLst>
-                <a:ext uri="{FF2B5EF4-FFF2-40B4-BE49-F238E27FC236}">
-                  <a16:creationId xmlns:a16="http://schemas.microsoft.com/office/drawing/2014/main" id="{9DAEA192-B9F3-5062-65A7-C61AF7416CA5}"/>
-                </a:ext>
-              </a:extLst>
-            </p:cNvPr>
-            <p:cNvSpPr/>
-            <p:nvPr/>
-          </p:nvSpPr>
-          <p:spPr>
-            <a:xfrm>
-              <a:off x="10841887" y="2569516"/>
-              <a:ext cx="1311275" cy="230512"/>
-            </a:xfrm>
-            <a:prstGeom prst="rect">
-              <a:avLst/>
-            </a:prstGeom>
-            <a:noFill/>
-            <a:ln>
-              <a:noFill/>
-            </a:ln>
-          </p:spPr>
-          <p:style>
-            <a:lnRef idx="2">
-              <a:schemeClr val="accent1">
-                <a:shade val="50000"/>
-              </a:schemeClr>
-            </a:lnRef>
-            <a:fillRef idx="1">
-              <a:schemeClr val="accent1"/>
-            </a:fillRef>
-            <a:effectRef idx="0">
-              <a:schemeClr val="accent1"/>
-            </a:effectRef>
-            <a:fontRef idx="minor">
-              <a:schemeClr val="lt1"/>
-            </a:fontRef>
-          </p:style>
-          <p:txBody>
-            <a:bodyPr rtlCol="0" anchor="ctr"/>
-            <a:lstStyle/>
-            <a:p>
-              <a:pPr algn="r"/>
-              <a:r>
-                <a:rPr lang="en-US" altLang="ko-KR" sz="900">
-                  <a:solidFill>
-                    <a:schemeClr val="tx1"/>
-                  </a:solidFill>
-                </a:rPr>
-                <a:t>write</a:t>
-              </a:r>
-              <a:endParaRPr lang="ko-KR" altLang="en-US" sz="900">
-                <a:solidFill>
-                  <a:schemeClr val="tx1"/>
-                </a:solidFill>
-              </a:endParaRPr>
-            </a:p>
-          </p:txBody>
-        </p:sp>
-        <p:sp>
-          <p:nvSpPr>
-            <p:cNvPr id="17" name="직사각형 16">
-              <a:extLst>
-                <a:ext uri="{FF2B5EF4-FFF2-40B4-BE49-F238E27FC236}">
-                  <a16:creationId xmlns:a16="http://schemas.microsoft.com/office/drawing/2014/main" id="{B9E8B902-CBD0-7F76-1CA9-CA1BA88E6A4E}"/>
-                </a:ext>
-              </a:extLst>
-            </p:cNvPr>
-            <p:cNvSpPr/>
-            <p:nvPr/>
-          </p:nvSpPr>
-          <p:spPr>
-            <a:xfrm>
-              <a:off x="10841887" y="2809232"/>
-              <a:ext cx="1311275" cy="230512"/>
-            </a:xfrm>
-            <a:prstGeom prst="rect">
-              <a:avLst/>
-            </a:prstGeom>
-            <a:noFill/>
-            <a:ln>
-              <a:noFill/>
-            </a:ln>
-          </p:spPr>
-          <p:style>
-            <a:lnRef idx="2">
-              <a:schemeClr val="accent1">
-                <a:shade val="50000"/>
-              </a:schemeClr>
-            </a:lnRef>
-            <a:fillRef idx="1">
-              <a:schemeClr val="accent1"/>
-            </a:fillRef>
-            <a:effectRef idx="0">
-              <a:schemeClr val="accent1"/>
-            </a:effectRef>
-            <a:fontRef idx="minor">
-              <a:schemeClr val="lt1"/>
-            </a:fontRef>
-          </p:style>
-          <p:txBody>
-            <a:bodyPr rtlCol="0" anchor="ctr"/>
-            <a:lstStyle/>
-            <a:p>
-              <a:pPr algn="r"/>
-              <a:r>
-                <a:rPr lang="en-US" altLang="ko-KR" sz="900">
-                  <a:solidFill>
-                    <a:schemeClr val="tx1"/>
-                  </a:solidFill>
-                </a:rPr>
-                <a:t>counter</a:t>
-              </a:r>
-              <a:endParaRPr lang="ko-KR" altLang="en-US" sz="900">
-                <a:solidFill>
-                  <a:schemeClr val="tx1"/>
-                </a:solidFill>
-              </a:endParaRPr>
-            </a:p>
-          </p:txBody>
-        </p:sp>
-        <p:sp>
-          <p:nvSpPr>
-            <p:cNvPr id="18" name="직사각형 17">
-              <a:extLst>
-                <a:ext uri="{FF2B5EF4-FFF2-40B4-BE49-F238E27FC236}">
-                  <a16:creationId xmlns:a16="http://schemas.microsoft.com/office/drawing/2014/main" id="{FB0567F8-434D-F0A2-8268-FE5507855119}"/>
-                </a:ext>
-              </a:extLst>
-            </p:cNvPr>
-            <p:cNvSpPr/>
-            <p:nvPr/>
-          </p:nvSpPr>
-          <p:spPr>
-            <a:xfrm>
-              <a:off x="10841887" y="3049803"/>
-              <a:ext cx="1311275" cy="230512"/>
-            </a:xfrm>
-            <a:prstGeom prst="rect">
-              <a:avLst/>
-            </a:prstGeom>
-            <a:noFill/>
-            <a:ln>
-              <a:noFill/>
-            </a:ln>
-          </p:spPr>
-          <p:style>
-            <a:lnRef idx="2">
-              <a:schemeClr val="accent1">
-                <a:shade val="50000"/>
-              </a:schemeClr>
-            </a:lnRef>
-            <a:fillRef idx="1">
-              <a:schemeClr val="accent1"/>
-            </a:fillRef>
-            <a:effectRef idx="0">
-              <a:schemeClr val="accent1"/>
-            </a:effectRef>
-            <a:fontRef idx="minor">
-              <a:schemeClr val="lt1"/>
-            </a:fontRef>
-          </p:style>
-          <p:txBody>
-            <a:bodyPr rtlCol="0" anchor="ctr"/>
-            <a:lstStyle/>
-            <a:p>
-              <a:pPr algn="r"/>
-              <a:r>
-                <a:rPr lang="en-US" altLang="ko-KR" sz="900">
-                  <a:solidFill>
-                    <a:schemeClr val="tx1"/>
-                  </a:solidFill>
-                </a:rPr>
-                <a:t>[63:0]counter</a:t>
-              </a:r>
-              <a:endParaRPr lang="ko-KR" altLang="en-US" sz="900">
-                <a:solidFill>
-                  <a:schemeClr val="tx1"/>
-                </a:solidFill>
-              </a:endParaRPr>
-            </a:p>
-          </p:txBody>
-        </p:sp>
-        <p:sp>
-          <p:nvSpPr>
-            <p:cNvPr id="19" name="직사각형 18">
-              <a:extLst>
-                <a:ext uri="{FF2B5EF4-FFF2-40B4-BE49-F238E27FC236}">
-                  <a16:creationId xmlns:a16="http://schemas.microsoft.com/office/drawing/2014/main" id="{B2F77D77-E48A-94B3-782A-DD3300AE7CF9}"/>
-                </a:ext>
-              </a:extLst>
-            </p:cNvPr>
-            <p:cNvSpPr/>
-            <p:nvPr/>
-          </p:nvSpPr>
-          <p:spPr>
-            <a:xfrm>
-              <a:off x="10841887" y="3290374"/>
-              <a:ext cx="1311275" cy="230512"/>
-            </a:xfrm>
-            <a:prstGeom prst="rect">
-              <a:avLst/>
-            </a:prstGeom>
-            <a:noFill/>
-            <a:ln>
-              <a:noFill/>
-            </a:ln>
-          </p:spPr>
-          <p:style>
-            <a:lnRef idx="2">
-              <a:schemeClr val="accent1">
-                <a:shade val="50000"/>
-              </a:schemeClr>
-            </a:lnRef>
-            <a:fillRef idx="1">
-              <a:schemeClr val="accent1"/>
-            </a:fillRef>
-            <a:effectRef idx="0">
-              <a:schemeClr val="accent1"/>
-            </a:effectRef>
-            <a:fontRef idx="minor">
-              <a:schemeClr val="lt1"/>
-            </a:fontRef>
-          </p:style>
-          <p:txBody>
-            <a:bodyPr rtlCol="0" anchor="ctr"/>
-            <a:lstStyle/>
-            <a:p>
-              <a:pPr algn="r"/>
-              <a:r>
-                <a:rPr lang="en-US" altLang="ko-KR" sz="900">
-                  <a:solidFill>
-                    <a:schemeClr val="tx1"/>
-                  </a:solidFill>
-                </a:rPr>
-                <a:t>cs</a:t>
-              </a:r>
-              <a:endParaRPr lang="ko-KR" altLang="en-US" sz="900">
-                <a:solidFill>
-                  <a:schemeClr val="tx1"/>
-                </a:solidFill>
-              </a:endParaRPr>
-            </a:p>
-          </p:txBody>
-        </p:sp>
-        <p:sp>
-          <p:nvSpPr>
-            <p:cNvPr id="20" name="직사각형 19">
-              <a:extLst>
-                <a:ext uri="{FF2B5EF4-FFF2-40B4-BE49-F238E27FC236}">
-                  <a16:creationId xmlns:a16="http://schemas.microsoft.com/office/drawing/2014/main" id="{D7B6947A-362B-1000-42E9-984AD5E6CB66}"/>
-                </a:ext>
-              </a:extLst>
-            </p:cNvPr>
-            <p:cNvSpPr/>
-            <p:nvPr/>
-          </p:nvSpPr>
-          <p:spPr>
-            <a:xfrm>
-              <a:off x="10841887" y="3530945"/>
-              <a:ext cx="1311275" cy="230512"/>
-            </a:xfrm>
-            <a:prstGeom prst="rect">
-              <a:avLst/>
-            </a:prstGeom>
-            <a:noFill/>
-            <a:ln>
-              <a:noFill/>
-            </a:ln>
-          </p:spPr>
-          <p:style>
-            <a:lnRef idx="2">
-              <a:schemeClr val="accent1">
-                <a:shade val="50000"/>
-              </a:schemeClr>
-            </a:lnRef>
-            <a:fillRef idx="1">
-              <a:schemeClr val="accent1"/>
-            </a:fillRef>
-            <a:effectRef idx="0">
-              <a:schemeClr val="accent1"/>
-            </a:effectRef>
-            <a:fontRef idx="minor">
-              <a:schemeClr val="lt1"/>
-            </a:fontRef>
-          </p:style>
-          <p:txBody>
-            <a:bodyPr rtlCol="0" anchor="ctr"/>
-            <a:lstStyle/>
-            <a:p>
-              <a:pPr algn="r"/>
-              <a:r>
-                <a:rPr lang="en-US" altLang="ko-KR" sz="900">
-                  <a:solidFill>
-                    <a:schemeClr val="tx1"/>
-                  </a:solidFill>
-                </a:rPr>
-                <a:t>read</a:t>
-              </a:r>
-              <a:endParaRPr lang="ko-KR" altLang="en-US" sz="900">
-                <a:solidFill>
-                  <a:schemeClr val="tx1"/>
-                </a:solidFill>
-              </a:endParaRPr>
-            </a:p>
-          </p:txBody>
-        </p:sp>
-        <p:sp>
-          <p:nvSpPr>
-            <p:cNvPr id="21" name="직사각형 20">
-              <a:extLst>
-                <a:ext uri="{FF2B5EF4-FFF2-40B4-BE49-F238E27FC236}">
-                  <a16:creationId xmlns:a16="http://schemas.microsoft.com/office/drawing/2014/main" id="{F3DDEA9C-2CF3-005B-E3A4-55EB1302114C}"/>
-                </a:ext>
-              </a:extLst>
-            </p:cNvPr>
-            <p:cNvSpPr/>
-            <p:nvPr/>
-          </p:nvSpPr>
-          <p:spPr>
-            <a:xfrm>
-              <a:off x="10841887" y="3771516"/>
-              <a:ext cx="1311275" cy="230512"/>
-            </a:xfrm>
-            <a:prstGeom prst="rect">
-              <a:avLst/>
-            </a:prstGeom>
-            <a:noFill/>
-            <a:ln>
-              <a:noFill/>
-            </a:ln>
-          </p:spPr>
-          <p:style>
-            <a:lnRef idx="2">
-              <a:schemeClr val="accent1">
-                <a:shade val="50000"/>
-              </a:schemeClr>
-            </a:lnRef>
-            <a:fillRef idx="1">
-              <a:schemeClr val="accent1"/>
-            </a:fillRef>
-            <a:effectRef idx="0">
-              <a:schemeClr val="accent1"/>
-            </a:effectRef>
-            <a:fontRef idx="minor">
-              <a:schemeClr val="lt1"/>
-            </a:fontRef>
-          </p:style>
-          <p:txBody>
-            <a:bodyPr rtlCol="0" anchor="ctr"/>
-            <a:lstStyle/>
-            <a:p>
-              <a:pPr algn="r"/>
-              <a:r>
-                <a:rPr lang="en-US" altLang="ko-KR" sz="900">
-                  <a:solidFill>
-                    <a:schemeClr val="tx1"/>
-                  </a:solidFill>
-                </a:rPr>
-                <a:t>[4:0]</a:t>
-              </a:r>
-              <a:r>
-                <a:rPr lang="en-US" altLang="ko-KR" sz="900" err="1">
-                  <a:solidFill>
-                    <a:schemeClr val="tx1"/>
-                  </a:solidFill>
-                </a:rPr>
-                <a:t>addr</a:t>
-              </a:r>
-              <a:endParaRPr lang="ko-KR" altLang="en-US" sz="900">
-                <a:solidFill>
-                  <a:schemeClr val="tx1"/>
-                </a:solidFill>
-              </a:endParaRPr>
-            </a:p>
-          </p:txBody>
-        </p:sp>
-        <p:sp>
-          <p:nvSpPr>
-            <p:cNvPr id="22" name="직사각형 21">
-              <a:extLst>
-                <a:ext uri="{FF2B5EF4-FFF2-40B4-BE49-F238E27FC236}">
-                  <a16:creationId xmlns:a16="http://schemas.microsoft.com/office/drawing/2014/main" id="{EE380B1B-65C6-9851-491D-1879BBBCF293}"/>
-                </a:ext>
-              </a:extLst>
-            </p:cNvPr>
-            <p:cNvSpPr/>
-            <p:nvPr/>
-          </p:nvSpPr>
-          <p:spPr>
-            <a:xfrm>
-              <a:off x="10841887" y="4012087"/>
-              <a:ext cx="1311275" cy="230512"/>
-            </a:xfrm>
-            <a:prstGeom prst="rect">
-              <a:avLst/>
-            </a:prstGeom>
-            <a:noFill/>
-            <a:ln>
-              <a:noFill/>
-            </a:ln>
-          </p:spPr>
-          <p:style>
-            <a:lnRef idx="2">
-              <a:schemeClr val="accent1">
-                <a:shade val="50000"/>
-              </a:schemeClr>
-            </a:lnRef>
-            <a:fillRef idx="1">
-              <a:schemeClr val="accent1"/>
-            </a:fillRef>
-            <a:effectRef idx="0">
-              <a:schemeClr val="accent1"/>
-            </a:effectRef>
-            <a:fontRef idx="minor">
-              <a:schemeClr val="lt1"/>
-            </a:fontRef>
-          </p:style>
-          <p:txBody>
-            <a:bodyPr rtlCol="0" anchor="ctr"/>
-            <a:lstStyle/>
-            <a:p>
-              <a:pPr algn="r"/>
-              <a:r>
-                <a:rPr lang="en-US" altLang="ko-KR" sz="900" err="1">
-                  <a:solidFill>
-                    <a:schemeClr val="tx1"/>
-                  </a:solidFill>
-                </a:rPr>
-                <a:t>clk</a:t>
-              </a:r>
-              <a:endParaRPr lang="ko-KR" altLang="en-US" sz="900">
-                <a:solidFill>
-                  <a:schemeClr val="tx1"/>
-                </a:solidFill>
-              </a:endParaRPr>
-            </a:p>
-          </p:txBody>
-        </p:sp>
-        <p:sp>
-          <p:nvSpPr>
-            <p:cNvPr id="23" name="직사각형 22">
-              <a:extLst>
-                <a:ext uri="{FF2B5EF4-FFF2-40B4-BE49-F238E27FC236}">
-                  <a16:creationId xmlns:a16="http://schemas.microsoft.com/office/drawing/2014/main" id="{A26C69EE-C79D-9DF9-DB67-A396E56AA10C}"/>
-                </a:ext>
-              </a:extLst>
-            </p:cNvPr>
-            <p:cNvSpPr/>
-            <p:nvPr/>
-          </p:nvSpPr>
-          <p:spPr>
-            <a:xfrm>
-              <a:off x="10841887" y="4242599"/>
-              <a:ext cx="1311275" cy="230512"/>
-            </a:xfrm>
-            <a:prstGeom prst="rect">
-              <a:avLst/>
-            </a:prstGeom>
-            <a:noFill/>
-            <a:ln>
-              <a:noFill/>
-            </a:ln>
-          </p:spPr>
-          <p:style>
-            <a:lnRef idx="2">
-              <a:schemeClr val="accent1">
-                <a:shade val="50000"/>
-              </a:schemeClr>
-            </a:lnRef>
-            <a:fillRef idx="1">
-              <a:schemeClr val="accent1"/>
-            </a:fillRef>
-            <a:effectRef idx="0">
-              <a:schemeClr val="accent1"/>
-            </a:effectRef>
-            <a:fontRef idx="minor">
-              <a:schemeClr val="lt1"/>
-            </a:fontRef>
-          </p:style>
-          <p:txBody>
-            <a:bodyPr rtlCol="0" anchor="ctr"/>
-            <a:lstStyle/>
-            <a:p>
-              <a:pPr algn="r"/>
-              <a:r>
-                <a:rPr lang="en-US" altLang="ko-KR" sz="900">
-                  <a:solidFill>
-                    <a:schemeClr val="tx1"/>
-                  </a:solidFill>
-                </a:rPr>
-                <a:t>[15:0]</a:t>
-              </a:r>
-              <a:r>
-                <a:rPr lang="en-US" altLang="ko-KR" sz="900" err="1">
-                  <a:solidFill>
-                    <a:schemeClr val="tx1"/>
-                  </a:solidFill>
-                </a:rPr>
-                <a:t>dest</a:t>
-              </a:r>
-              <a:endParaRPr lang="ko-KR" altLang="en-US" sz="900">
-                <a:solidFill>
-                  <a:schemeClr val="tx1"/>
-                </a:solidFill>
-              </a:endParaRPr>
-            </a:p>
-          </p:txBody>
-        </p:sp>
-        <p:sp>
-          <p:nvSpPr>
-            <p:cNvPr id="25" name="직사각형 24">
-              <a:extLst>
-                <a:ext uri="{FF2B5EF4-FFF2-40B4-BE49-F238E27FC236}">
-                  <a16:creationId xmlns:a16="http://schemas.microsoft.com/office/drawing/2014/main" id="{365E2462-2159-9963-8D87-40F31B6C17B5}"/>
-                </a:ext>
-              </a:extLst>
-            </p:cNvPr>
-            <p:cNvSpPr/>
-            <p:nvPr/>
-          </p:nvSpPr>
-          <p:spPr>
-            <a:xfrm>
-              <a:off x="10353675" y="4484696"/>
-              <a:ext cx="1799487" cy="230512"/>
-            </a:xfrm>
-            <a:prstGeom prst="rect">
-              <a:avLst/>
-            </a:prstGeom>
-            <a:noFill/>
-            <a:ln>
-              <a:noFill/>
-            </a:ln>
-          </p:spPr>
-          <p:style>
-            <a:lnRef idx="2">
-              <a:schemeClr val="accent1">
-                <a:shade val="50000"/>
-              </a:schemeClr>
-            </a:lnRef>
-            <a:fillRef idx="1">
-              <a:schemeClr val="accent1"/>
-            </a:fillRef>
-            <a:effectRef idx="0">
-              <a:schemeClr val="accent1"/>
-            </a:effectRef>
-            <a:fontRef idx="minor">
-              <a:schemeClr val="lt1"/>
-            </a:fontRef>
-          </p:style>
-          <p:txBody>
-            <a:bodyPr rtlCol="0" anchor="ctr"/>
-            <a:lstStyle/>
-            <a:p>
-              <a:pPr algn="r"/>
-              <a:r>
-                <a:rPr lang="en-US" altLang="ko-KR" sz="900">
-                  <a:solidFill>
-                    <a:schemeClr val="tx1"/>
-                  </a:solidFill>
-                </a:rPr>
-                <a:t>[127:0]</a:t>
-              </a:r>
-              <a:r>
-                <a:rPr lang="en-US" altLang="ko-KR" sz="900" err="1">
-                  <a:solidFill>
-                    <a:schemeClr val="tx1"/>
-                  </a:solidFill>
-                </a:rPr>
-                <a:t>timestamp_error_data</a:t>
-              </a:r>
-              <a:endParaRPr lang="ko-KR" altLang="en-US" sz="900">
-                <a:solidFill>
-                  <a:schemeClr val="tx1"/>
-                </a:solidFill>
-              </a:endParaRPr>
-            </a:p>
-          </p:txBody>
-        </p:sp>
-        <p:sp>
-          <p:nvSpPr>
-            <p:cNvPr id="26" name="직사각형 25">
-              <a:extLst>
-                <a:ext uri="{FF2B5EF4-FFF2-40B4-BE49-F238E27FC236}">
-                  <a16:creationId xmlns:a16="http://schemas.microsoft.com/office/drawing/2014/main" id="{425D62C2-63E6-E5A9-466E-1FA94690650E}"/>
-                </a:ext>
-              </a:extLst>
-            </p:cNvPr>
-            <p:cNvSpPr/>
-            <p:nvPr/>
-          </p:nvSpPr>
-          <p:spPr>
-            <a:xfrm>
-              <a:off x="10353675" y="4723965"/>
-              <a:ext cx="1799487" cy="230512"/>
-            </a:xfrm>
-            <a:prstGeom prst="rect">
-              <a:avLst/>
-            </a:prstGeom>
-            <a:noFill/>
-            <a:ln>
-              <a:noFill/>
-            </a:ln>
-          </p:spPr>
-          <p:style>
-            <a:lnRef idx="2">
-              <a:schemeClr val="accent1">
-                <a:shade val="50000"/>
-              </a:schemeClr>
-            </a:lnRef>
-            <a:fillRef idx="1">
-              <a:schemeClr val="accent1"/>
-            </a:fillRef>
-            <a:effectRef idx="0">
-              <a:schemeClr val="accent1"/>
-            </a:effectRef>
-            <a:fontRef idx="minor">
-              <a:schemeClr val="lt1"/>
-            </a:fontRef>
-          </p:style>
-          <p:txBody>
-            <a:bodyPr rtlCol="0" anchor="ctr"/>
-            <a:lstStyle/>
-            <a:p>
-              <a:pPr algn="r"/>
-              <a:r>
-                <a:rPr lang="en-US" altLang="ko-KR" sz="900">
-                  <a:solidFill>
-                    <a:schemeClr val="tx1"/>
-                  </a:solidFill>
-                </a:rPr>
-                <a:t>[127:0]</a:t>
-              </a:r>
-              <a:r>
-                <a:rPr lang="en-US" altLang="ko-KR" sz="900" err="1">
-                  <a:solidFill>
-                    <a:schemeClr val="tx1"/>
-                  </a:solidFill>
-                </a:rPr>
-                <a:t>overflow_error_data</a:t>
-              </a:r>
-              <a:endParaRPr lang="ko-KR" altLang="en-US" sz="900">
-                <a:solidFill>
-                  <a:schemeClr val="tx1"/>
-                </a:solidFill>
-              </a:endParaRPr>
-            </a:p>
-          </p:txBody>
-        </p:sp>
-      </p:grpSp>
-      <p:grpSp>
-        <p:nvGrpSpPr>
-          <p:cNvPr id="27" name="그룹 26">
-            <a:extLst>
-              <a:ext uri="{FF2B5EF4-FFF2-40B4-BE49-F238E27FC236}">
-                <a16:creationId xmlns:a16="http://schemas.microsoft.com/office/drawing/2014/main" id="{7919213E-3A83-CD21-2882-3B35662F84A3}"/>
-              </a:ext>
-            </a:extLst>
-          </p:cNvPr>
-          <p:cNvGrpSpPr/>
-          <p:nvPr/>
-        </p:nvGrpSpPr>
-        <p:grpSpPr>
-          <a:xfrm>
-            <a:off x="7009338" y="285750"/>
-            <a:ext cx="1817163" cy="3235136"/>
-            <a:chOff x="7009338" y="653892"/>
-            <a:chExt cx="1817163" cy="3346686"/>
-          </a:xfrm>
-        </p:grpSpPr>
-        <p:sp>
-          <p:nvSpPr>
-            <p:cNvPr id="28" name="직사각형 27">
-              <a:extLst>
-                <a:ext uri="{FF2B5EF4-FFF2-40B4-BE49-F238E27FC236}">
-                  <a16:creationId xmlns:a16="http://schemas.microsoft.com/office/drawing/2014/main" id="{0AC54997-6DFF-A3AF-FD71-213CF80AE46F}"/>
-                </a:ext>
-              </a:extLst>
-            </p:cNvPr>
-            <p:cNvSpPr/>
-            <p:nvPr/>
-          </p:nvSpPr>
-          <p:spPr>
-            <a:xfrm>
-              <a:off x="7009339" y="653892"/>
-              <a:ext cx="1753664" cy="3346686"/>
-            </a:xfrm>
-            <a:prstGeom prst="rect">
-              <a:avLst/>
-            </a:prstGeom>
-            <a:noFill/>
-          </p:spPr>
-          <p:style>
-            <a:lnRef idx="2">
-              <a:schemeClr val="accent1">
-                <a:shade val="50000"/>
-              </a:schemeClr>
-            </a:lnRef>
-            <a:fillRef idx="1">
-              <a:schemeClr val="accent1"/>
-            </a:fillRef>
-            <a:effectRef idx="0">
-              <a:schemeClr val="accent1"/>
-            </a:effectRef>
-            <a:fontRef idx="minor">
-              <a:schemeClr val="lt1"/>
-            </a:fontRef>
-          </p:style>
-          <p:txBody>
-            <a:bodyPr rtlCol="0" anchor="t"/>
-            <a:lstStyle/>
-            <a:p>
-              <a:pPr algn="ctr"/>
-              <a:r>
-                <a:rPr lang="en-US" altLang="ko-KR" sz="900" err="1">
-                  <a:solidFill>
-                    <a:schemeClr val="tx1"/>
-                  </a:solidFill>
-                </a:rPr>
-                <a:t>gpo_core</a:t>
-              </a:r>
-              <a:endParaRPr lang="ko-KR" altLang="en-US" sz="900"/>
-            </a:p>
-          </p:txBody>
-        </p:sp>
-        <p:sp>
-          <p:nvSpPr>
-            <p:cNvPr id="29" name="직사각형 28">
-              <a:extLst>
-                <a:ext uri="{FF2B5EF4-FFF2-40B4-BE49-F238E27FC236}">
-                  <a16:creationId xmlns:a16="http://schemas.microsoft.com/office/drawing/2014/main" id="{C3D36D0E-A9F5-9F81-879B-A4B6E9D85694}"/>
-                </a:ext>
-              </a:extLst>
-            </p:cNvPr>
-            <p:cNvSpPr/>
-            <p:nvPr/>
-          </p:nvSpPr>
-          <p:spPr>
-            <a:xfrm>
-              <a:off x="7009338" y="971589"/>
-              <a:ext cx="1311275" cy="230512"/>
-            </a:xfrm>
-            <a:prstGeom prst="rect">
-              <a:avLst/>
-            </a:prstGeom>
-            <a:noFill/>
-            <a:ln>
-              <a:noFill/>
-            </a:ln>
-          </p:spPr>
-          <p:style>
-            <a:lnRef idx="2">
-              <a:schemeClr val="accent1">
-                <a:shade val="50000"/>
-              </a:schemeClr>
-            </a:lnRef>
-            <a:fillRef idx="1">
-              <a:schemeClr val="accent1"/>
-            </a:fillRef>
-            <a:effectRef idx="0">
-              <a:schemeClr val="accent1"/>
-            </a:effectRef>
-            <a:fontRef idx="minor">
-              <a:schemeClr val="lt1"/>
-            </a:fontRef>
-          </p:style>
-          <p:txBody>
-            <a:bodyPr rtlCol="0" anchor="ctr"/>
-            <a:lstStyle/>
-            <a:p>
-              <a:r>
-                <a:rPr lang="en-US" altLang="ko-KR" sz="900">
-                  <a:solidFill>
-                    <a:schemeClr val="tx1"/>
-                  </a:solidFill>
-                </a:rPr>
-                <a:t>[63:0]</a:t>
-              </a:r>
-              <a:r>
-                <a:rPr lang="en-US" altLang="ko-KR" sz="900" err="1">
-                  <a:solidFill>
-                    <a:schemeClr val="tx1"/>
-                  </a:solidFill>
-                </a:rPr>
-                <a:t>gpo_out</a:t>
-              </a:r>
-              <a:endParaRPr lang="ko-KR" altLang="en-US" sz="900">
-                <a:solidFill>
-                  <a:schemeClr val="tx1"/>
-                </a:solidFill>
-              </a:endParaRPr>
-            </a:p>
-          </p:txBody>
-        </p:sp>
-        <p:sp>
-          <p:nvSpPr>
-            <p:cNvPr id="30" name="직사각형 29">
-              <a:extLst>
-                <a:ext uri="{FF2B5EF4-FFF2-40B4-BE49-F238E27FC236}">
-                  <a16:creationId xmlns:a16="http://schemas.microsoft.com/office/drawing/2014/main" id="{3F1EA042-9E04-8111-4572-D77C3E2770DE}"/>
-                </a:ext>
-              </a:extLst>
-            </p:cNvPr>
-            <p:cNvSpPr/>
-            <p:nvPr/>
-          </p:nvSpPr>
-          <p:spPr>
-            <a:xfrm>
-              <a:off x="7009338" y="1215639"/>
-              <a:ext cx="1311275" cy="230512"/>
-            </a:xfrm>
-            <a:prstGeom prst="rect">
-              <a:avLst/>
-            </a:prstGeom>
-            <a:noFill/>
-            <a:ln>
-              <a:noFill/>
-            </a:ln>
-          </p:spPr>
-          <p:style>
-            <a:lnRef idx="2">
-              <a:schemeClr val="accent1">
-                <a:shade val="50000"/>
-              </a:schemeClr>
-            </a:lnRef>
-            <a:fillRef idx="1">
-              <a:schemeClr val="accent1"/>
-            </a:fillRef>
-            <a:effectRef idx="0">
-              <a:schemeClr val="accent1"/>
-            </a:effectRef>
-            <a:fontRef idx="minor">
-              <a:schemeClr val="lt1"/>
-            </a:fontRef>
-          </p:style>
-          <p:txBody>
-            <a:bodyPr rtlCol="0" anchor="ctr"/>
-            <a:lstStyle/>
-            <a:p>
-              <a:r>
-                <a:rPr lang="en-US" altLang="ko-KR" sz="900">
-                  <a:solidFill>
-                    <a:schemeClr val="tx1"/>
-                  </a:solidFill>
-                </a:rPr>
-                <a:t>busy</a:t>
-              </a:r>
-              <a:endParaRPr lang="ko-KR" altLang="en-US" sz="900">
-                <a:solidFill>
-                  <a:schemeClr val="tx1"/>
-                </a:solidFill>
-              </a:endParaRPr>
-            </a:p>
-          </p:txBody>
-        </p:sp>
-        <p:sp>
-          <p:nvSpPr>
-            <p:cNvPr id="31" name="직사각형 30">
-              <a:extLst>
-                <a:ext uri="{FF2B5EF4-FFF2-40B4-BE49-F238E27FC236}">
-                  <a16:creationId xmlns:a16="http://schemas.microsoft.com/office/drawing/2014/main" id="{B01334B8-981A-8204-6011-F80A111BB626}"/>
-                </a:ext>
-              </a:extLst>
-            </p:cNvPr>
-            <p:cNvSpPr/>
-            <p:nvPr/>
-          </p:nvSpPr>
-          <p:spPr>
-            <a:xfrm>
-              <a:off x="7009338" y="1463664"/>
-              <a:ext cx="1311275" cy="230512"/>
-            </a:xfrm>
-            <a:prstGeom prst="rect">
-              <a:avLst/>
-            </a:prstGeom>
-            <a:noFill/>
-            <a:ln>
-              <a:noFill/>
-            </a:ln>
-          </p:spPr>
-          <p:style>
-            <a:lnRef idx="2">
-              <a:schemeClr val="accent1">
-                <a:shade val="50000"/>
-              </a:schemeClr>
-            </a:lnRef>
-            <a:fillRef idx="1">
-              <a:schemeClr val="accent1"/>
-            </a:fillRef>
-            <a:effectRef idx="0">
-              <a:schemeClr val="accent1"/>
-            </a:effectRef>
-            <a:fontRef idx="minor">
-              <a:schemeClr val="lt1"/>
-            </a:fontRef>
-          </p:style>
-          <p:txBody>
-            <a:bodyPr rtlCol="0" anchor="ctr"/>
-            <a:lstStyle/>
-            <a:p>
-              <a:r>
-                <a:rPr lang="en-US" altLang="ko-KR" sz="900">
-                  <a:solidFill>
-                    <a:schemeClr val="tx1"/>
-                  </a:solidFill>
-                </a:rPr>
-                <a:t>selected</a:t>
-              </a:r>
-              <a:endParaRPr lang="ko-KR" altLang="en-US" sz="900">
-                <a:solidFill>
-                  <a:schemeClr val="tx1"/>
-                </a:solidFill>
-              </a:endParaRPr>
-            </a:p>
-          </p:txBody>
-        </p:sp>
-        <p:sp>
-          <p:nvSpPr>
-            <p:cNvPr id="32" name="직사각형 31">
-              <a:extLst>
-                <a:ext uri="{FF2B5EF4-FFF2-40B4-BE49-F238E27FC236}">
-                  <a16:creationId xmlns:a16="http://schemas.microsoft.com/office/drawing/2014/main" id="{36167E9E-C842-8538-B01D-9D709349C893}"/>
-                </a:ext>
-              </a:extLst>
-            </p:cNvPr>
-            <p:cNvSpPr/>
-            <p:nvPr/>
-          </p:nvSpPr>
-          <p:spPr>
-            <a:xfrm>
-              <a:off x="7515226" y="971589"/>
-              <a:ext cx="1311275" cy="230512"/>
-            </a:xfrm>
-            <a:prstGeom prst="rect">
-              <a:avLst/>
-            </a:prstGeom>
-            <a:noFill/>
-            <a:ln>
-              <a:noFill/>
-            </a:ln>
-          </p:spPr>
-          <p:style>
-            <a:lnRef idx="2">
-              <a:schemeClr val="accent1">
-                <a:shade val="50000"/>
-              </a:schemeClr>
-            </a:lnRef>
-            <a:fillRef idx="1">
-              <a:schemeClr val="accent1"/>
-            </a:fillRef>
-            <a:effectRef idx="0">
-              <a:schemeClr val="accent1"/>
-            </a:effectRef>
-            <a:fontRef idx="minor">
-              <a:schemeClr val="lt1"/>
-            </a:fontRef>
-          </p:style>
-          <p:txBody>
-            <a:bodyPr rtlCol="0" anchor="ctr"/>
-            <a:lstStyle/>
-            <a:p>
-              <a:pPr algn="r"/>
-              <a:r>
-                <a:rPr lang="en-US" altLang="ko-KR" sz="900">
-                  <a:solidFill>
-                    <a:schemeClr val="tx1"/>
-                  </a:solidFill>
-                </a:rPr>
-                <a:t>[127:0]</a:t>
-              </a:r>
-              <a:r>
-                <a:rPr lang="en-US" altLang="ko-KR" sz="900" err="1">
-                  <a:solidFill>
-                    <a:schemeClr val="tx1"/>
-                  </a:solidFill>
-                </a:rPr>
-                <a:t>error_data</a:t>
-              </a:r>
-              <a:endParaRPr lang="ko-KR" altLang="en-US" sz="900">
-                <a:solidFill>
-                  <a:schemeClr val="tx1"/>
-                </a:solidFill>
-              </a:endParaRPr>
-            </a:p>
-          </p:txBody>
-        </p:sp>
-        <p:sp>
-          <p:nvSpPr>
-            <p:cNvPr id="33" name="직사각형 32">
-              <a:extLst>
-                <a:ext uri="{FF2B5EF4-FFF2-40B4-BE49-F238E27FC236}">
-                  <a16:creationId xmlns:a16="http://schemas.microsoft.com/office/drawing/2014/main" id="{FBDF75E9-4262-70E0-170A-D0F503813A16}"/>
-                </a:ext>
-              </a:extLst>
-            </p:cNvPr>
-            <p:cNvSpPr/>
-            <p:nvPr/>
-          </p:nvSpPr>
-          <p:spPr>
-            <a:xfrm>
-              <a:off x="7515226" y="1224396"/>
-              <a:ext cx="1311275" cy="230512"/>
-            </a:xfrm>
-            <a:prstGeom prst="rect">
-              <a:avLst/>
-            </a:prstGeom>
-            <a:noFill/>
-            <a:ln>
-              <a:noFill/>
-            </a:ln>
-          </p:spPr>
-          <p:style>
-            <a:lnRef idx="2">
-              <a:schemeClr val="accent1">
-                <a:shade val="50000"/>
-              </a:schemeClr>
-            </a:lnRef>
-            <a:fillRef idx="1">
-              <a:schemeClr val="accent1"/>
-            </a:fillRef>
-            <a:effectRef idx="0">
-              <a:schemeClr val="accent1"/>
-            </a:effectRef>
-            <a:fontRef idx="minor">
-              <a:schemeClr val="lt1"/>
-            </a:fontRef>
-          </p:style>
-          <p:txBody>
-            <a:bodyPr rtlCol="0" anchor="ctr"/>
-            <a:lstStyle/>
-            <a:p>
-              <a:pPr algn="r"/>
-              <a:r>
-                <a:rPr lang="en-US" altLang="ko-KR" sz="900" err="1">
-                  <a:solidFill>
-                    <a:schemeClr val="tx1"/>
-                  </a:solidFill>
-                </a:rPr>
-                <a:t>overrided</a:t>
-              </a:r>
-              <a:endParaRPr lang="ko-KR" altLang="en-US" sz="900">
-                <a:solidFill>
-                  <a:schemeClr val="tx1"/>
-                </a:solidFill>
-              </a:endParaRPr>
-            </a:p>
-          </p:txBody>
-        </p:sp>
-        <p:sp>
-          <p:nvSpPr>
-            <p:cNvPr id="34" name="직사각형 33">
-              <a:extLst>
-                <a:ext uri="{FF2B5EF4-FFF2-40B4-BE49-F238E27FC236}">
-                  <a16:creationId xmlns:a16="http://schemas.microsoft.com/office/drawing/2014/main" id="{9278B1A4-382C-97BA-F915-ED0889E3C89B}"/>
-                </a:ext>
-              </a:extLst>
-            </p:cNvPr>
-            <p:cNvSpPr/>
-            <p:nvPr/>
-          </p:nvSpPr>
-          <p:spPr>
-            <a:xfrm>
-              <a:off x="7515226" y="1467707"/>
-              <a:ext cx="1311275" cy="230512"/>
-            </a:xfrm>
-            <a:prstGeom prst="rect">
-              <a:avLst/>
-            </a:prstGeom>
-            <a:noFill/>
-            <a:ln>
-              <a:noFill/>
-            </a:ln>
-          </p:spPr>
-          <p:style>
-            <a:lnRef idx="2">
-              <a:schemeClr val="accent1">
-                <a:shade val="50000"/>
-              </a:schemeClr>
-            </a:lnRef>
-            <a:fillRef idx="1">
-              <a:schemeClr val="accent1"/>
-            </a:fillRef>
-            <a:effectRef idx="0">
-              <a:schemeClr val="accent1"/>
-            </a:effectRef>
-            <a:fontRef idx="minor">
-              <a:schemeClr val="lt1"/>
-            </a:fontRef>
-          </p:style>
-          <p:txBody>
-            <a:bodyPr rtlCol="0" anchor="ctr"/>
-            <a:lstStyle/>
-            <a:p>
-              <a:pPr algn="r"/>
-              <a:r>
-                <a:rPr lang="en-US" altLang="ko-KR" sz="900" err="1">
-                  <a:solidFill>
-                    <a:schemeClr val="tx1"/>
-                  </a:solidFill>
-                </a:rPr>
-                <a:t>busy_error</a:t>
-              </a:r>
-              <a:endParaRPr lang="ko-KR" altLang="en-US" sz="900">
-                <a:solidFill>
-                  <a:schemeClr val="tx1"/>
-                </a:solidFill>
-              </a:endParaRPr>
-            </a:p>
-          </p:txBody>
-        </p:sp>
-        <p:sp>
-          <p:nvSpPr>
-            <p:cNvPr id="35" name="직사각형 34">
-              <a:extLst>
-                <a:ext uri="{FF2B5EF4-FFF2-40B4-BE49-F238E27FC236}">
-                  <a16:creationId xmlns:a16="http://schemas.microsoft.com/office/drawing/2014/main" id="{80461F53-FD15-2264-62BB-3F7A40DEB6B4}"/>
-                </a:ext>
-              </a:extLst>
-            </p:cNvPr>
-            <p:cNvSpPr/>
-            <p:nvPr/>
-          </p:nvSpPr>
-          <p:spPr>
-            <a:xfrm>
-              <a:off x="7515226" y="1714025"/>
-              <a:ext cx="1311275" cy="230512"/>
-            </a:xfrm>
-            <a:prstGeom prst="rect">
-              <a:avLst/>
-            </a:prstGeom>
-            <a:noFill/>
-            <a:ln>
-              <a:noFill/>
-            </a:ln>
-          </p:spPr>
-          <p:style>
-            <a:lnRef idx="2">
-              <a:schemeClr val="accent1">
-                <a:shade val="50000"/>
-              </a:schemeClr>
-            </a:lnRef>
-            <a:fillRef idx="1">
-              <a:schemeClr val="accent1"/>
-            </a:fillRef>
-            <a:effectRef idx="0">
-              <a:schemeClr val="accent1"/>
-            </a:effectRef>
-            <a:fontRef idx="minor">
-              <a:schemeClr val="lt1"/>
-            </a:fontRef>
-          </p:style>
-          <p:txBody>
-            <a:bodyPr rtlCol="0" anchor="ctr"/>
-            <a:lstStyle/>
-            <a:p>
-              <a:pPr algn="r"/>
-              <a:r>
-                <a:rPr lang="en-US" altLang="ko-KR" sz="900" err="1">
-                  <a:solidFill>
-                    <a:schemeClr val="tx1"/>
-                  </a:solidFill>
-                </a:rPr>
-                <a:t>counter_matched</a:t>
-              </a:r>
-              <a:endParaRPr lang="ko-KR" altLang="en-US" sz="900">
-                <a:solidFill>
-                  <a:schemeClr val="tx1"/>
-                </a:solidFill>
-              </a:endParaRPr>
-            </a:p>
-          </p:txBody>
-        </p:sp>
-        <p:sp>
-          <p:nvSpPr>
-            <p:cNvPr id="36" name="직사각형 35">
-              <a:extLst>
-                <a:ext uri="{FF2B5EF4-FFF2-40B4-BE49-F238E27FC236}">
-                  <a16:creationId xmlns:a16="http://schemas.microsoft.com/office/drawing/2014/main" id="{AF6A6B9A-595B-45C4-38A3-6C02C2E2119C}"/>
-                </a:ext>
-              </a:extLst>
-            </p:cNvPr>
-            <p:cNvSpPr/>
-            <p:nvPr/>
-          </p:nvSpPr>
-          <p:spPr>
-            <a:xfrm>
-              <a:off x="7515226" y="1955054"/>
-              <a:ext cx="1311275" cy="230512"/>
-            </a:xfrm>
-            <a:prstGeom prst="rect">
-              <a:avLst/>
-            </a:prstGeom>
-            <a:noFill/>
-            <a:ln>
-              <a:noFill/>
-            </a:ln>
-          </p:spPr>
-          <p:style>
-            <a:lnRef idx="2">
-              <a:schemeClr val="accent1">
-                <a:shade val="50000"/>
-              </a:schemeClr>
-            </a:lnRef>
-            <a:fillRef idx="1">
-              <a:schemeClr val="accent1"/>
-            </a:fillRef>
-            <a:effectRef idx="0">
-              <a:schemeClr val="accent1"/>
-            </a:effectRef>
-            <a:fontRef idx="minor">
-              <a:schemeClr val="lt1"/>
-            </a:fontRef>
-          </p:style>
-          <p:txBody>
-            <a:bodyPr rtlCol="0" anchor="ctr"/>
-            <a:lstStyle/>
-            <a:p>
-              <a:pPr algn="r"/>
-              <a:r>
-                <a:rPr lang="en-US" altLang="ko-KR" sz="900">
-                  <a:solidFill>
-                    <a:schemeClr val="tx1"/>
-                  </a:solidFill>
-                </a:rPr>
-                <a:t>[127:0]</a:t>
-              </a:r>
-              <a:r>
-                <a:rPr lang="en-US" altLang="ko-KR" sz="900" err="1">
-                  <a:solidFill>
-                    <a:schemeClr val="tx1"/>
-                  </a:solidFill>
-                </a:rPr>
-                <a:t>gpo_in</a:t>
-              </a:r>
-              <a:endParaRPr lang="ko-KR" altLang="en-US" sz="900">
-                <a:solidFill>
-                  <a:schemeClr val="tx1"/>
-                </a:solidFill>
-              </a:endParaRPr>
-            </a:p>
-          </p:txBody>
-        </p:sp>
-        <p:sp>
-          <p:nvSpPr>
-            <p:cNvPr id="37" name="직사각형 36">
-              <a:extLst>
-                <a:ext uri="{FF2B5EF4-FFF2-40B4-BE49-F238E27FC236}">
-                  <a16:creationId xmlns:a16="http://schemas.microsoft.com/office/drawing/2014/main" id="{83D1EA80-0A0B-D673-7315-473D774DA7D0}"/>
-                </a:ext>
-              </a:extLst>
-            </p:cNvPr>
-            <p:cNvSpPr/>
-            <p:nvPr/>
-          </p:nvSpPr>
-          <p:spPr>
-            <a:xfrm>
-              <a:off x="7251700" y="2199256"/>
-              <a:ext cx="1574801" cy="230512"/>
-            </a:xfrm>
-            <a:prstGeom prst="rect">
-              <a:avLst/>
-            </a:prstGeom>
-            <a:noFill/>
-            <a:ln>
-              <a:noFill/>
-            </a:ln>
-          </p:spPr>
-          <p:style>
-            <a:lnRef idx="2">
-              <a:schemeClr val="accent1">
-                <a:shade val="50000"/>
-              </a:schemeClr>
-            </a:lnRef>
-            <a:fillRef idx="1">
-              <a:schemeClr val="accent1"/>
-            </a:fillRef>
-            <a:effectRef idx="0">
-              <a:schemeClr val="accent1"/>
-            </a:effectRef>
-            <a:fontRef idx="minor">
-              <a:schemeClr val="lt1"/>
-            </a:fontRef>
-          </p:style>
-          <p:txBody>
-            <a:bodyPr rtlCol="0" anchor="ctr"/>
-            <a:lstStyle/>
-            <a:p>
-              <a:pPr algn="r"/>
-              <a:r>
-                <a:rPr lang="en-US" altLang="ko-KR" sz="900">
-                  <a:solidFill>
-                    <a:schemeClr val="tx1"/>
-                  </a:solidFill>
-                </a:rPr>
-                <a:t>[63:0]</a:t>
-              </a:r>
-              <a:r>
-                <a:rPr lang="en-US" altLang="ko-KR" sz="900" err="1">
-                  <a:solidFill>
-                    <a:schemeClr val="tx1"/>
-                  </a:solidFill>
-                </a:rPr>
-                <a:t>override_value_input</a:t>
-              </a:r>
-              <a:endParaRPr lang="ko-KR" altLang="en-US" sz="900">
-                <a:solidFill>
-                  <a:schemeClr val="tx1"/>
-                </a:solidFill>
-              </a:endParaRPr>
-            </a:p>
-          </p:txBody>
-        </p:sp>
-        <p:sp>
-          <p:nvSpPr>
-            <p:cNvPr id="38" name="직사각형 37">
-              <a:extLst>
-                <a:ext uri="{FF2B5EF4-FFF2-40B4-BE49-F238E27FC236}">
-                  <a16:creationId xmlns:a16="http://schemas.microsoft.com/office/drawing/2014/main" id="{4F4AF587-83AF-BF0C-A9CD-562EFE9E5E54}"/>
-                </a:ext>
-              </a:extLst>
-            </p:cNvPr>
-            <p:cNvSpPr/>
-            <p:nvPr/>
-          </p:nvSpPr>
-          <p:spPr>
-            <a:xfrm>
-              <a:off x="7251700" y="2448437"/>
-              <a:ext cx="1574801" cy="230512"/>
-            </a:xfrm>
-            <a:prstGeom prst="rect">
-              <a:avLst/>
-            </a:prstGeom>
-            <a:noFill/>
-            <a:ln>
-              <a:noFill/>
-            </a:ln>
-          </p:spPr>
-          <p:style>
-            <a:lnRef idx="2">
-              <a:schemeClr val="accent1">
-                <a:shade val="50000"/>
-              </a:schemeClr>
-            </a:lnRef>
-            <a:fillRef idx="1">
-              <a:schemeClr val="accent1"/>
-            </a:fillRef>
-            <a:effectRef idx="0">
-              <a:schemeClr val="accent1"/>
-            </a:effectRef>
-            <a:fontRef idx="minor">
-              <a:schemeClr val="lt1"/>
-            </a:fontRef>
-          </p:style>
-          <p:txBody>
-            <a:bodyPr rtlCol="0" anchor="ctr"/>
-            <a:lstStyle/>
-            <a:p>
-              <a:pPr algn="r"/>
-              <a:r>
-                <a:rPr lang="en-US" altLang="ko-KR" sz="900" err="1">
-                  <a:solidFill>
-                    <a:schemeClr val="tx1"/>
-                  </a:solidFill>
-                </a:rPr>
-                <a:t>override_en_input</a:t>
-              </a:r>
-              <a:endParaRPr lang="ko-KR" altLang="en-US" sz="900">
-                <a:solidFill>
-                  <a:schemeClr val="tx1"/>
-                </a:solidFill>
-              </a:endParaRPr>
-            </a:p>
-          </p:txBody>
-        </p:sp>
-        <p:sp>
-          <p:nvSpPr>
-            <p:cNvPr id="39" name="직사각형 38">
-              <a:extLst>
-                <a:ext uri="{FF2B5EF4-FFF2-40B4-BE49-F238E27FC236}">
-                  <a16:creationId xmlns:a16="http://schemas.microsoft.com/office/drawing/2014/main" id="{DB055CB7-2CFE-09A6-B3B1-9DD87909BD9D}"/>
-                </a:ext>
-              </a:extLst>
-            </p:cNvPr>
-            <p:cNvSpPr/>
-            <p:nvPr/>
-          </p:nvSpPr>
-          <p:spPr>
-            <a:xfrm>
-              <a:off x="7251700" y="2697616"/>
-              <a:ext cx="1574801" cy="230512"/>
-            </a:xfrm>
-            <a:prstGeom prst="rect">
-              <a:avLst/>
-            </a:prstGeom>
-            <a:noFill/>
-            <a:ln>
-              <a:noFill/>
-            </a:ln>
-          </p:spPr>
-          <p:style>
-            <a:lnRef idx="2">
-              <a:schemeClr val="accent1">
-                <a:shade val="50000"/>
-              </a:schemeClr>
-            </a:lnRef>
-            <a:fillRef idx="1">
-              <a:schemeClr val="accent1"/>
-            </a:fillRef>
-            <a:effectRef idx="0">
-              <a:schemeClr val="accent1"/>
-            </a:effectRef>
-            <a:fontRef idx="minor">
-              <a:schemeClr val="lt1"/>
-            </a:fontRef>
-          </p:style>
-          <p:txBody>
-            <a:bodyPr rtlCol="0" anchor="ctr"/>
-            <a:lstStyle/>
-            <a:p>
-              <a:pPr algn="r"/>
-              <a:r>
-                <a:rPr lang="en-US" altLang="ko-KR" sz="900" err="1">
-                  <a:solidFill>
-                    <a:schemeClr val="tx1"/>
-                  </a:solidFill>
-                </a:rPr>
-                <a:t>selected_input</a:t>
-              </a:r>
-              <a:endParaRPr lang="ko-KR" altLang="en-US" sz="900">
-                <a:solidFill>
-                  <a:schemeClr val="tx1"/>
-                </a:solidFill>
-              </a:endParaRPr>
-            </a:p>
-          </p:txBody>
-        </p:sp>
-      </p:grpSp>
-      <p:grpSp>
-        <p:nvGrpSpPr>
-          <p:cNvPr id="57" name="그룹 56">
-            <a:extLst>
-              <a:ext uri="{FF2B5EF4-FFF2-40B4-BE49-F238E27FC236}">
-                <a16:creationId xmlns:a16="http://schemas.microsoft.com/office/drawing/2014/main" id="{17A36ED9-24BD-C83F-47CD-12D99F6A5C46}"/>
-              </a:ext>
-            </a:extLst>
-          </p:cNvPr>
-          <p:cNvGrpSpPr/>
-          <p:nvPr/>
-        </p:nvGrpSpPr>
-        <p:grpSpPr>
-          <a:xfrm>
-            <a:off x="7009338" y="3593972"/>
-            <a:ext cx="1817163" cy="3089827"/>
-            <a:chOff x="7009338" y="1178794"/>
-            <a:chExt cx="1817163" cy="3089827"/>
-          </a:xfrm>
-        </p:grpSpPr>
-        <p:sp>
-          <p:nvSpPr>
-            <p:cNvPr id="58" name="직사각형 57">
-              <a:extLst>
-                <a:ext uri="{FF2B5EF4-FFF2-40B4-BE49-F238E27FC236}">
-                  <a16:creationId xmlns:a16="http://schemas.microsoft.com/office/drawing/2014/main" id="{56ADF8FC-5197-7CBF-1FEA-6F1F5DB0D359}"/>
-                </a:ext>
-              </a:extLst>
-            </p:cNvPr>
-            <p:cNvSpPr/>
-            <p:nvPr/>
-          </p:nvSpPr>
-          <p:spPr>
-            <a:xfrm>
-              <a:off x="7009339" y="1178794"/>
-              <a:ext cx="1753664" cy="3089827"/>
-            </a:xfrm>
-            <a:prstGeom prst="rect">
-              <a:avLst/>
-            </a:prstGeom>
-            <a:noFill/>
-          </p:spPr>
-          <p:style>
-            <a:lnRef idx="2">
-              <a:schemeClr val="accent1">
-                <a:shade val="50000"/>
-              </a:schemeClr>
-            </a:lnRef>
-            <a:fillRef idx="1">
-              <a:schemeClr val="accent1"/>
-            </a:fillRef>
-            <a:effectRef idx="0">
-              <a:schemeClr val="accent1"/>
-            </a:effectRef>
-            <a:fontRef idx="minor">
-              <a:schemeClr val="lt1"/>
-            </a:fontRef>
-          </p:style>
-          <p:txBody>
-            <a:bodyPr rtlCol="0" anchor="t"/>
-            <a:lstStyle/>
-            <a:p>
-              <a:pPr algn="ctr"/>
-              <a:r>
-                <a:rPr lang="en-US" altLang="ko-KR" sz="900" err="1">
-                  <a:solidFill>
-                    <a:schemeClr val="tx1"/>
-                  </a:solidFill>
-                </a:rPr>
-                <a:t>gpi_core</a:t>
-              </a:r>
-              <a:endParaRPr lang="ko-KR" altLang="en-US" sz="900"/>
-            </a:p>
-          </p:txBody>
-        </p:sp>
-        <p:sp>
-          <p:nvSpPr>
-            <p:cNvPr id="59" name="직사각형 58">
-              <a:extLst>
-                <a:ext uri="{FF2B5EF4-FFF2-40B4-BE49-F238E27FC236}">
-                  <a16:creationId xmlns:a16="http://schemas.microsoft.com/office/drawing/2014/main" id="{524E13FA-226C-64EA-A3D4-994256CF5021}"/>
-                </a:ext>
-              </a:extLst>
-            </p:cNvPr>
-            <p:cNvSpPr/>
-            <p:nvPr/>
-          </p:nvSpPr>
-          <p:spPr>
-            <a:xfrm>
-              <a:off x="7009338" y="1369984"/>
-              <a:ext cx="1311275" cy="230512"/>
-            </a:xfrm>
-            <a:prstGeom prst="rect">
-              <a:avLst/>
-            </a:prstGeom>
-            <a:noFill/>
-            <a:ln>
-              <a:noFill/>
-            </a:ln>
-          </p:spPr>
-          <p:style>
-            <a:lnRef idx="2">
-              <a:schemeClr val="accent1">
-                <a:shade val="50000"/>
-              </a:schemeClr>
-            </a:lnRef>
-            <a:fillRef idx="1">
-              <a:schemeClr val="accent1"/>
-            </a:fillRef>
-            <a:effectRef idx="0">
-              <a:schemeClr val="accent1"/>
-            </a:effectRef>
-            <a:fontRef idx="minor">
-              <a:schemeClr val="lt1"/>
-            </a:fontRef>
-          </p:style>
-          <p:txBody>
-            <a:bodyPr rtlCol="0" anchor="ctr"/>
-            <a:lstStyle/>
-            <a:p>
-              <a:r>
-                <a:rPr lang="en-US" altLang="ko-KR" sz="900">
-                  <a:solidFill>
-                    <a:schemeClr val="tx1"/>
-                  </a:solidFill>
-                </a:rPr>
-                <a:t>[31:0]din</a:t>
-              </a:r>
-              <a:endParaRPr lang="ko-KR" altLang="en-US" sz="900">
-                <a:solidFill>
-                  <a:schemeClr val="tx1"/>
-                </a:solidFill>
-              </a:endParaRPr>
-            </a:p>
-          </p:txBody>
-        </p:sp>
-        <p:sp>
-          <p:nvSpPr>
-            <p:cNvPr id="60" name="직사각형 59">
-              <a:extLst>
-                <a:ext uri="{FF2B5EF4-FFF2-40B4-BE49-F238E27FC236}">
-                  <a16:creationId xmlns:a16="http://schemas.microsoft.com/office/drawing/2014/main" id="{522DE3E2-48AB-D57A-1584-0C679E786393}"/>
-                </a:ext>
-              </a:extLst>
-            </p:cNvPr>
-            <p:cNvSpPr/>
-            <p:nvPr/>
-          </p:nvSpPr>
-          <p:spPr>
-            <a:xfrm>
-              <a:off x="7515226" y="1614033"/>
-              <a:ext cx="1311275" cy="230512"/>
-            </a:xfrm>
-            <a:prstGeom prst="rect">
-              <a:avLst/>
-            </a:prstGeom>
-            <a:noFill/>
-            <a:ln>
-              <a:noFill/>
-            </a:ln>
-          </p:spPr>
-          <p:style>
-            <a:lnRef idx="2">
-              <a:schemeClr val="accent1">
-                <a:shade val="50000"/>
-              </a:schemeClr>
-            </a:lnRef>
-            <a:fillRef idx="1">
-              <a:schemeClr val="accent1"/>
-            </a:fillRef>
-            <a:effectRef idx="0">
-              <a:schemeClr val="accent1"/>
-            </a:effectRef>
-            <a:fontRef idx="minor">
-              <a:schemeClr val="lt1"/>
-            </a:fontRef>
-          </p:style>
-          <p:txBody>
-            <a:bodyPr rtlCol="0" anchor="ctr"/>
-            <a:lstStyle/>
-            <a:p>
-              <a:pPr algn="r"/>
-              <a:r>
-                <a:rPr lang="en-US" altLang="ko-KR" sz="900" err="1">
-                  <a:solidFill>
-                    <a:schemeClr val="tx1"/>
-                  </a:solidFill>
-                </a:rPr>
-                <a:t>data_ready</a:t>
-              </a:r>
-              <a:endParaRPr lang="ko-KR" altLang="en-US" sz="900">
-                <a:solidFill>
-                  <a:schemeClr val="tx1"/>
-                </a:solidFill>
-              </a:endParaRPr>
-            </a:p>
-          </p:txBody>
-        </p:sp>
-        <p:sp>
-          <p:nvSpPr>
-            <p:cNvPr id="61" name="직사각형 60">
-              <a:extLst>
-                <a:ext uri="{FF2B5EF4-FFF2-40B4-BE49-F238E27FC236}">
-                  <a16:creationId xmlns:a16="http://schemas.microsoft.com/office/drawing/2014/main" id="{66AD97C7-15E3-6243-4B0F-75A7ED8B6040}"/>
-                </a:ext>
-              </a:extLst>
-            </p:cNvPr>
-            <p:cNvSpPr/>
-            <p:nvPr/>
-          </p:nvSpPr>
-          <p:spPr>
-            <a:xfrm>
-              <a:off x="7515226" y="1863088"/>
-              <a:ext cx="1311275" cy="230512"/>
-            </a:xfrm>
-            <a:prstGeom prst="rect">
-              <a:avLst/>
-            </a:prstGeom>
-            <a:noFill/>
-            <a:ln>
-              <a:noFill/>
-            </a:ln>
-          </p:spPr>
-          <p:style>
-            <a:lnRef idx="2">
-              <a:schemeClr val="accent1">
-                <a:shade val="50000"/>
-              </a:schemeClr>
-            </a:lnRef>
-            <a:fillRef idx="1">
-              <a:schemeClr val="accent1"/>
-            </a:fillRef>
-            <a:effectRef idx="0">
-              <a:schemeClr val="accent1"/>
-            </a:effectRef>
-            <a:fontRef idx="minor">
-              <a:schemeClr val="lt1"/>
-            </a:fontRef>
-          </p:style>
-          <p:txBody>
-            <a:bodyPr rtlCol="0" anchor="ctr"/>
-            <a:lstStyle/>
-            <a:p>
-              <a:pPr algn="r"/>
-              <a:r>
-                <a:rPr lang="en-US" altLang="ko-KR" sz="900">
-                  <a:solidFill>
-                    <a:schemeClr val="tx1"/>
-                  </a:solidFill>
-                </a:rPr>
-                <a:t>[127:0]</a:t>
-              </a:r>
-              <a:r>
-                <a:rPr lang="en-US" altLang="ko-KR" sz="900" err="1">
-                  <a:solidFill>
-                    <a:schemeClr val="tx1"/>
-                  </a:solidFill>
-                </a:rPr>
-                <a:t>gpi_out</a:t>
-              </a:r>
-              <a:endParaRPr lang="ko-KR" altLang="en-US" sz="900">
-                <a:solidFill>
-                  <a:schemeClr val="tx1"/>
-                </a:solidFill>
-              </a:endParaRPr>
-            </a:p>
-          </p:txBody>
-        </p:sp>
-        <p:sp>
-          <p:nvSpPr>
-            <p:cNvPr id="62" name="직사각형 61">
-              <a:extLst>
-                <a:ext uri="{FF2B5EF4-FFF2-40B4-BE49-F238E27FC236}">
-                  <a16:creationId xmlns:a16="http://schemas.microsoft.com/office/drawing/2014/main" id="{47D1226E-D24E-6891-73C5-AD6830C7E456}"/>
-                </a:ext>
-              </a:extLst>
-            </p:cNvPr>
-            <p:cNvSpPr/>
-            <p:nvPr/>
-          </p:nvSpPr>
-          <p:spPr>
-            <a:xfrm>
-              <a:off x="7251700" y="2356471"/>
-              <a:ext cx="1574801" cy="230512"/>
-            </a:xfrm>
-            <a:prstGeom prst="rect">
-              <a:avLst/>
-            </a:prstGeom>
-            <a:noFill/>
-            <a:ln>
-              <a:noFill/>
-            </a:ln>
-          </p:spPr>
-          <p:style>
-            <a:lnRef idx="2">
-              <a:schemeClr val="accent1">
-                <a:shade val="50000"/>
-              </a:schemeClr>
-            </a:lnRef>
-            <a:fillRef idx="1">
-              <a:schemeClr val="accent1"/>
-            </a:fillRef>
-            <a:effectRef idx="0">
-              <a:schemeClr val="accent1"/>
-            </a:effectRef>
-            <a:fontRef idx="minor">
-              <a:schemeClr val="lt1"/>
-            </a:fontRef>
-          </p:style>
-          <p:txBody>
-            <a:bodyPr rtlCol="0" anchor="ctr"/>
-            <a:lstStyle/>
-            <a:p>
-              <a:pPr algn="r"/>
-              <a:r>
-                <a:rPr lang="en-US" altLang="ko-KR" sz="900">
-                  <a:solidFill>
-                    <a:schemeClr val="tx1"/>
-                  </a:solidFill>
-                </a:rPr>
-                <a:t>read</a:t>
-              </a:r>
-              <a:endParaRPr lang="ko-KR" altLang="en-US" sz="900">
-                <a:solidFill>
-                  <a:schemeClr val="tx1"/>
-                </a:solidFill>
-              </a:endParaRPr>
-            </a:p>
-          </p:txBody>
-        </p:sp>
-        <p:sp>
-          <p:nvSpPr>
-            <p:cNvPr id="63" name="직사각형 62">
-              <a:extLst>
-                <a:ext uri="{FF2B5EF4-FFF2-40B4-BE49-F238E27FC236}">
-                  <a16:creationId xmlns:a16="http://schemas.microsoft.com/office/drawing/2014/main" id="{7B6A0BAC-01EB-8ACE-7A91-D933DEF2D6B5}"/>
-                </a:ext>
-              </a:extLst>
-            </p:cNvPr>
-            <p:cNvSpPr/>
-            <p:nvPr/>
-          </p:nvSpPr>
-          <p:spPr>
-            <a:xfrm>
-              <a:off x="7251700" y="2605651"/>
-              <a:ext cx="1574801" cy="230512"/>
-            </a:xfrm>
-            <a:prstGeom prst="rect">
-              <a:avLst/>
-            </a:prstGeom>
-            <a:noFill/>
-            <a:ln>
-              <a:noFill/>
-            </a:ln>
-          </p:spPr>
-          <p:style>
-            <a:lnRef idx="2">
-              <a:schemeClr val="accent1">
-                <a:shade val="50000"/>
-              </a:schemeClr>
-            </a:lnRef>
-            <a:fillRef idx="1">
-              <a:schemeClr val="accent1"/>
-            </a:fillRef>
-            <a:effectRef idx="0">
-              <a:schemeClr val="accent1"/>
-            </a:effectRef>
-            <a:fontRef idx="minor">
-              <a:schemeClr val="lt1"/>
-            </a:fontRef>
-          </p:style>
-          <p:txBody>
-            <a:bodyPr rtlCol="0" anchor="ctr"/>
-            <a:lstStyle/>
-            <a:p>
-              <a:pPr algn="r"/>
-              <a:r>
-                <a:rPr lang="en-US" altLang="ko-KR" sz="900">
-                  <a:solidFill>
-                    <a:schemeClr val="tx1"/>
-                  </a:solidFill>
-                </a:rPr>
-                <a:t>[31:0]</a:t>
-              </a:r>
-              <a:r>
-                <a:rPr lang="en-US" altLang="ko-KR" sz="900" err="1">
-                  <a:solidFill>
-                    <a:schemeClr val="tx1"/>
-                  </a:solidFill>
-                </a:rPr>
-                <a:t>rd_data</a:t>
-              </a:r>
-              <a:endParaRPr lang="ko-KR" altLang="en-US" sz="900">
-                <a:solidFill>
-                  <a:schemeClr val="tx1"/>
-                </a:solidFill>
-              </a:endParaRPr>
-            </a:p>
-          </p:txBody>
-        </p:sp>
-        <p:sp>
-          <p:nvSpPr>
-            <p:cNvPr id="64" name="직사각형 63">
-              <a:extLst>
-                <a:ext uri="{FF2B5EF4-FFF2-40B4-BE49-F238E27FC236}">
-                  <a16:creationId xmlns:a16="http://schemas.microsoft.com/office/drawing/2014/main" id="{A7211DE6-4D1E-BB52-876A-B7D8BA4BB74D}"/>
-                </a:ext>
-              </a:extLst>
-            </p:cNvPr>
-            <p:cNvSpPr/>
-            <p:nvPr/>
-          </p:nvSpPr>
-          <p:spPr>
-            <a:xfrm>
-              <a:off x="7515226" y="2110246"/>
-              <a:ext cx="1311275" cy="230512"/>
-            </a:xfrm>
-            <a:prstGeom prst="rect">
-              <a:avLst/>
-            </a:prstGeom>
-            <a:noFill/>
-            <a:ln>
-              <a:noFill/>
-            </a:ln>
-          </p:spPr>
-          <p:style>
-            <a:lnRef idx="2">
-              <a:schemeClr val="accent1">
-                <a:shade val="50000"/>
-              </a:schemeClr>
-            </a:lnRef>
-            <a:fillRef idx="1">
-              <a:schemeClr val="accent1"/>
-            </a:fillRef>
-            <a:effectRef idx="0">
-              <a:schemeClr val="accent1"/>
-            </a:effectRef>
-            <a:fontRef idx="minor">
-              <a:schemeClr val="lt1"/>
-            </a:fontRef>
-          </p:style>
-          <p:txBody>
-            <a:bodyPr rtlCol="0" anchor="ctr"/>
-            <a:lstStyle/>
-            <a:p>
-              <a:pPr algn="r"/>
-              <a:r>
-                <a:rPr lang="en-US" altLang="ko-KR" sz="900">
-                  <a:solidFill>
-                    <a:schemeClr val="tx1"/>
-                  </a:solidFill>
-                </a:rPr>
-                <a:t>[4:0]</a:t>
-              </a:r>
-              <a:r>
-                <a:rPr lang="en-US" altLang="ko-KR" sz="900" err="1">
-                  <a:solidFill>
-                    <a:schemeClr val="tx1"/>
-                  </a:solidFill>
-                </a:rPr>
-                <a:t>addr</a:t>
-              </a:r>
-              <a:endParaRPr lang="ko-KR" altLang="en-US" sz="900">
-                <a:solidFill>
-                  <a:schemeClr val="tx1"/>
-                </a:solidFill>
-              </a:endParaRPr>
-            </a:p>
-          </p:txBody>
-        </p:sp>
-        <p:sp>
-          <p:nvSpPr>
-            <p:cNvPr id="65" name="직사각형 64">
-              <a:extLst>
-                <a:ext uri="{FF2B5EF4-FFF2-40B4-BE49-F238E27FC236}">
-                  <a16:creationId xmlns:a16="http://schemas.microsoft.com/office/drawing/2014/main" id="{046C15FF-7B71-598B-CB7A-1BED7D41377B}"/>
-                </a:ext>
-              </a:extLst>
-            </p:cNvPr>
-            <p:cNvSpPr/>
-            <p:nvPr/>
-          </p:nvSpPr>
-          <p:spPr>
-            <a:xfrm>
-              <a:off x="7515226" y="1374026"/>
-              <a:ext cx="1311275" cy="230512"/>
-            </a:xfrm>
-            <a:prstGeom prst="rect">
-              <a:avLst/>
-            </a:prstGeom>
-            <a:noFill/>
-            <a:ln>
-              <a:noFill/>
-            </a:ln>
-          </p:spPr>
-          <p:style>
-            <a:lnRef idx="2">
-              <a:schemeClr val="accent1">
-                <a:shade val="50000"/>
-              </a:schemeClr>
-            </a:lnRef>
-            <a:fillRef idx="1">
-              <a:schemeClr val="accent1"/>
-            </a:fillRef>
-            <a:effectRef idx="0">
-              <a:schemeClr val="accent1"/>
-            </a:effectRef>
-            <a:fontRef idx="minor">
-              <a:schemeClr val="lt1"/>
-            </a:fontRef>
-          </p:style>
-          <p:txBody>
-            <a:bodyPr rtlCol="0" anchor="ctr"/>
-            <a:lstStyle/>
-            <a:p>
-              <a:pPr algn="r"/>
-              <a:r>
-                <a:rPr lang="en-US" altLang="ko-KR" sz="900">
-                  <a:solidFill>
-                    <a:schemeClr val="tx1"/>
-                  </a:solidFill>
-                </a:rPr>
-                <a:t>[63:0]counter</a:t>
-              </a:r>
-              <a:endParaRPr lang="ko-KR" altLang="en-US" sz="900">
-                <a:solidFill>
-                  <a:schemeClr val="tx1"/>
-                </a:solidFill>
-              </a:endParaRPr>
-            </a:p>
-          </p:txBody>
-        </p:sp>
-        <p:sp>
-          <p:nvSpPr>
-            <p:cNvPr id="66" name="직사각형 65">
-              <a:extLst>
-                <a:ext uri="{FF2B5EF4-FFF2-40B4-BE49-F238E27FC236}">
-                  <a16:creationId xmlns:a16="http://schemas.microsoft.com/office/drawing/2014/main" id="{1589F478-797C-88FE-7C0F-60E8BBF4CCE6}"/>
-                </a:ext>
-              </a:extLst>
-            </p:cNvPr>
-            <p:cNvSpPr/>
-            <p:nvPr/>
-          </p:nvSpPr>
-          <p:spPr>
-            <a:xfrm>
-              <a:off x="7009338" y="1623993"/>
-              <a:ext cx="1311275" cy="230512"/>
-            </a:xfrm>
-            <a:prstGeom prst="rect">
-              <a:avLst/>
-            </a:prstGeom>
-            <a:noFill/>
-            <a:ln>
-              <a:noFill/>
-            </a:ln>
-          </p:spPr>
-          <p:style>
-            <a:lnRef idx="2">
-              <a:schemeClr val="accent1">
-                <a:shade val="50000"/>
-              </a:schemeClr>
-            </a:lnRef>
-            <a:fillRef idx="1">
-              <a:schemeClr val="accent1"/>
-            </a:fillRef>
-            <a:effectRef idx="0">
-              <a:schemeClr val="accent1"/>
-            </a:effectRef>
-            <a:fontRef idx="minor">
-              <a:schemeClr val="lt1"/>
-            </a:fontRef>
-          </p:style>
-          <p:txBody>
-            <a:bodyPr rtlCol="0" anchor="ctr"/>
-            <a:lstStyle/>
-            <a:p>
-              <a:r>
-                <a:rPr lang="en-US" altLang="ko-KR" sz="900">
-                  <a:solidFill>
-                    <a:schemeClr val="tx1"/>
-                  </a:solidFill>
-                </a:rPr>
-                <a:t>write</a:t>
-              </a:r>
-              <a:endParaRPr lang="ko-KR" altLang="en-US" sz="900">
-                <a:solidFill>
-                  <a:schemeClr val="tx1"/>
-                </a:solidFill>
-              </a:endParaRPr>
-            </a:p>
-          </p:txBody>
-        </p:sp>
-        <p:sp>
-          <p:nvSpPr>
-            <p:cNvPr id="67" name="직사각형 66">
-              <a:extLst>
-                <a:ext uri="{FF2B5EF4-FFF2-40B4-BE49-F238E27FC236}">
-                  <a16:creationId xmlns:a16="http://schemas.microsoft.com/office/drawing/2014/main" id="{0ED2CF05-1A0B-7F35-7B64-927E35B6C74A}"/>
-                </a:ext>
-              </a:extLst>
-            </p:cNvPr>
-            <p:cNvSpPr/>
-            <p:nvPr/>
-          </p:nvSpPr>
-          <p:spPr>
-            <a:xfrm>
-              <a:off x="7251700" y="2874527"/>
-              <a:ext cx="1574801" cy="230512"/>
-            </a:xfrm>
-            <a:prstGeom prst="rect">
-              <a:avLst/>
-            </a:prstGeom>
-            <a:noFill/>
-            <a:ln>
-              <a:noFill/>
-            </a:ln>
-          </p:spPr>
-          <p:style>
-            <a:lnRef idx="2">
-              <a:schemeClr val="accent1">
-                <a:shade val="50000"/>
-              </a:schemeClr>
-            </a:lnRef>
-            <a:fillRef idx="1">
-              <a:schemeClr val="accent1"/>
-            </a:fillRef>
-            <a:effectRef idx="0">
-              <a:schemeClr val="accent1"/>
-            </a:effectRef>
-            <a:fontRef idx="minor">
-              <a:schemeClr val="lt1"/>
-            </a:fontRef>
-          </p:style>
-          <p:txBody>
-            <a:bodyPr rtlCol="0" anchor="ctr"/>
-            <a:lstStyle/>
-            <a:p>
-              <a:pPr algn="r"/>
-              <a:r>
-                <a:rPr lang="en-US" altLang="ko-KR" sz="900">
-                  <a:solidFill>
-                    <a:schemeClr val="tx1"/>
-                  </a:solidFill>
-                </a:rPr>
-                <a:t>cs</a:t>
-              </a:r>
-              <a:endParaRPr lang="ko-KR" altLang="en-US" sz="900">
-                <a:solidFill>
-                  <a:schemeClr val="tx1"/>
-                </a:solidFill>
-              </a:endParaRPr>
-            </a:p>
-          </p:txBody>
-        </p:sp>
-      </p:grpSp>
-      <p:grpSp>
-        <p:nvGrpSpPr>
-          <p:cNvPr id="75" name="그룹 74">
-            <a:extLst>
-              <a:ext uri="{FF2B5EF4-FFF2-40B4-BE49-F238E27FC236}">
-                <a16:creationId xmlns:a16="http://schemas.microsoft.com/office/drawing/2014/main" id="{85FF5FE3-935B-C7EA-D5BB-7CF66E90C9FF}"/>
-              </a:ext>
-            </a:extLst>
-          </p:cNvPr>
-          <p:cNvGrpSpPr/>
-          <p:nvPr/>
-        </p:nvGrpSpPr>
-        <p:grpSpPr>
-          <a:xfrm>
-            <a:off x="8940800" y="5064953"/>
-            <a:ext cx="3121637" cy="1618846"/>
-            <a:chOff x="9042400" y="5064953"/>
-            <a:chExt cx="3121637" cy="1719056"/>
-          </a:xfrm>
-        </p:grpSpPr>
-        <p:sp>
-          <p:nvSpPr>
-            <p:cNvPr id="40" name="직사각형 39">
-              <a:extLst>
-                <a:ext uri="{FF2B5EF4-FFF2-40B4-BE49-F238E27FC236}">
-                  <a16:creationId xmlns:a16="http://schemas.microsoft.com/office/drawing/2014/main" id="{E05F6AB5-3F37-C01A-47DC-7E12DC71C171}"/>
-                </a:ext>
-              </a:extLst>
-            </p:cNvPr>
-            <p:cNvSpPr/>
-            <p:nvPr/>
-          </p:nvSpPr>
-          <p:spPr>
-            <a:xfrm>
-              <a:off x="9042400" y="5064953"/>
-              <a:ext cx="3121637" cy="1719056"/>
-            </a:xfrm>
-            <a:prstGeom prst="rect">
-              <a:avLst/>
-            </a:prstGeom>
-            <a:noFill/>
-          </p:spPr>
-          <p:style>
-            <a:lnRef idx="2">
-              <a:schemeClr val="accent1">
-                <a:shade val="50000"/>
-              </a:schemeClr>
-            </a:lnRef>
-            <a:fillRef idx="1">
-              <a:schemeClr val="accent1"/>
-            </a:fillRef>
-            <a:effectRef idx="0">
-              <a:schemeClr val="accent1"/>
-            </a:effectRef>
-            <a:fontRef idx="minor">
-              <a:schemeClr val="lt1"/>
-            </a:fontRef>
-          </p:style>
-          <p:txBody>
-            <a:bodyPr rtlCol="0" anchor="t"/>
-            <a:lstStyle/>
-            <a:p>
-              <a:pPr algn="ctr"/>
-              <a:r>
-                <a:rPr lang="en-US" altLang="ko-KR" sz="900" err="1">
-                  <a:solidFill>
-                    <a:schemeClr val="tx1"/>
-                  </a:solidFill>
-                </a:rPr>
-                <a:t>rti_core</a:t>
-              </a:r>
-              <a:r>
-                <a:rPr lang="en-US" altLang="ko-KR" sz="900">
-                  <a:solidFill>
-                    <a:schemeClr val="tx1"/>
-                  </a:solidFill>
-                </a:rPr>
-                <a:t>()</a:t>
-              </a:r>
-              <a:endParaRPr lang="ko-KR" altLang="en-US" sz="900"/>
-            </a:p>
-          </p:txBody>
-        </p:sp>
-        <p:sp>
-          <p:nvSpPr>
-            <p:cNvPr id="68" name="직사각형 67">
-              <a:extLst>
-                <a:ext uri="{FF2B5EF4-FFF2-40B4-BE49-F238E27FC236}">
-                  <a16:creationId xmlns:a16="http://schemas.microsoft.com/office/drawing/2014/main" id="{0CF19EB3-4D42-D898-9ECA-50DC4EDC5B0D}"/>
-                </a:ext>
-              </a:extLst>
-            </p:cNvPr>
-            <p:cNvSpPr/>
-            <p:nvPr/>
-          </p:nvSpPr>
-          <p:spPr>
-            <a:xfrm>
-              <a:off x="9042400" y="5294765"/>
-              <a:ext cx="1311275" cy="230512"/>
-            </a:xfrm>
-            <a:prstGeom prst="rect">
-              <a:avLst/>
-            </a:prstGeom>
-            <a:noFill/>
-            <a:ln>
-              <a:noFill/>
-            </a:ln>
-          </p:spPr>
-          <p:style>
-            <a:lnRef idx="2">
-              <a:schemeClr val="accent1">
-                <a:shade val="50000"/>
-              </a:schemeClr>
-            </a:lnRef>
-            <a:fillRef idx="1">
-              <a:schemeClr val="accent1"/>
-            </a:fillRef>
-            <a:effectRef idx="0">
-              <a:schemeClr val="accent1"/>
-            </a:effectRef>
-            <a:fontRef idx="minor">
-              <a:schemeClr val="lt1"/>
-            </a:fontRef>
-          </p:style>
-          <p:txBody>
-            <a:bodyPr rtlCol="0" anchor="ctr"/>
-            <a:lstStyle/>
-            <a:p>
-              <a:r>
-                <a:rPr lang="en-US" altLang="ko-KR" sz="900">
-                  <a:solidFill>
-                    <a:schemeClr val="tx1"/>
-                  </a:solidFill>
-                </a:rPr>
-                <a:t>[127:0]</a:t>
-              </a:r>
-              <a:r>
-                <a:rPr lang="en-US" altLang="ko-KR" sz="900" err="1">
-                  <a:solidFill>
-                    <a:schemeClr val="tx1"/>
-                  </a:solidFill>
-                </a:rPr>
-                <a:t>rti_in</a:t>
-              </a:r>
-              <a:endParaRPr lang="ko-KR" altLang="en-US" sz="900">
-                <a:solidFill>
-                  <a:schemeClr val="tx1"/>
-                </a:solidFill>
-              </a:endParaRPr>
-            </a:p>
-          </p:txBody>
-        </p:sp>
-        <p:sp>
-          <p:nvSpPr>
-            <p:cNvPr id="69" name="직사각형 68">
-              <a:extLst>
-                <a:ext uri="{FF2B5EF4-FFF2-40B4-BE49-F238E27FC236}">
-                  <a16:creationId xmlns:a16="http://schemas.microsoft.com/office/drawing/2014/main" id="{48F027E7-F401-932E-02EB-136653A53495}"/>
-                </a:ext>
-              </a:extLst>
-            </p:cNvPr>
-            <p:cNvSpPr/>
-            <p:nvPr/>
-          </p:nvSpPr>
-          <p:spPr>
-            <a:xfrm>
-              <a:off x="10353675" y="5294765"/>
-              <a:ext cx="1799487" cy="230512"/>
-            </a:xfrm>
-            <a:prstGeom prst="rect">
-              <a:avLst/>
-            </a:prstGeom>
-            <a:noFill/>
-            <a:ln>
-              <a:noFill/>
-            </a:ln>
-          </p:spPr>
-          <p:style>
-            <a:lnRef idx="2">
-              <a:schemeClr val="accent1">
-                <a:shade val="50000"/>
-              </a:schemeClr>
-            </a:lnRef>
-            <a:fillRef idx="1">
-              <a:schemeClr val="accent1"/>
-            </a:fillRef>
-            <a:effectRef idx="0">
-              <a:schemeClr val="accent1"/>
-            </a:effectRef>
-            <a:fontRef idx="minor">
-              <a:schemeClr val="lt1"/>
-            </a:fontRef>
-          </p:style>
-          <p:txBody>
-            <a:bodyPr rtlCol="0" anchor="ctr"/>
-            <a:lstStyle/>
-            <a:p>
-              <a:pPr algn="r"/>
-              <a:r>
-                <a:rPr lang="en-US" altLang="ko-KR" sz="900">
-                  <a:solidFill>
-                    <a:schemeClr val="tx1"/>
-                  </a:solidFill>
-                </a:rPr>
-                <a:t>[127:0]</a:t>
-              </a:r>
-              <a:r>
-                <a:rPr lang="en-US" altLang="ko-KR" sz="900" err="1">
-                  <a:solidFill>
-                    <a:schemeClr val="tx1"/>
-                  </a:solidFill>
-                </a:rPr>
-                <a:t>timestamp_error_data</a:t>
-              </a:r>
-              <a:endParaRPr lang="ko-KR" altLang="en-US" sz="900">
-                <a:solidFill>
-                  <a:schemeClr val="tx1"/>
-                </a:solidFill>
-              </a:endParaRPr>
-            </a:p>
-          </p:txBody>
-        </p:sp>
-        <p:sp>
-          <p:nvSpPr>
-            <p:cNvPr id="70" name="직사각형 69">
-              <a:extLst>
-                <a:ext uri="{FF2B5EF4-FFF2-40B4-BE49-F238E27FC236}">
-                  <a16:creationId xmlns:a16="http://schemas.microsoft.com/office/drawing/2014/main" id="{C8654A8E-DFE9-076E-3EEF-6F2C7730A4BD}"/>
-                </a:ext>
-              </a:extLst>
-            </p:cNvPr>
-            <p:cNvSpPr/>
-            <p:nvPr/>
-          </p:nvSpPr>
-          <p:spPr>
-            <a:xfrm>
-              <a:off x="9042400" y="5549735"/>
-              <a:ext cx="1311275" cy="230512"/>
-            </a:xfrm>
-            <a:prstGeom prst="rect">
-              <a:avLst/>
-            </a:prstGeom>
-            <a:noFill/>
-            <a:ln>
-              <a:noFill/>
-            </a:ln>
-          </p:spPr>
-          <p:style>
-            <a:lnRef idx="2">
-              <a:schemeClr val="accent1">
-                <a:shade val="50000"/>
-              </a:schemeClr>
-            </a:lnRef>
-            <a:fillRef idx="1">
-              <a:schemeClr val="accent1"/>
-            </a:fillRef>
-            <a:effectRef idx="0">
-              <a:schemeClr val="accent1"/>
-            </a:effectRef>
-            <a:fontRef idx="minor">
-              <a:schemeClr val="lt1"/>
-            </a:fontRef>
-          </p:style>
-          <p:txBody>
-            <a:bodyPr rtlCol="0" anchor="ctr"/>
-            <a:lstStyle/>
-            <a:p>
-              <a:r>
-                <a:rPr lang="en-US" altLang="ko-KR" sz="900">
-                  <a:solidFill>
-                    <a:schemeClr val="tx1"/>
-                  </a:solidFill>
-                </a:rPr>
-                <a:t>write</a:t>
-              </a:r>
-              <a:endParaRPr lang="ko-KR" altLang="en-US" sz="900">
-                <a:solidFill>
-                  <a:schemeClr val="tx1"/>
-                </a:solidFill>
-              </a:endParaRPr>
-            </a:p>
-          </p:txBody>
-        </p:sp>
-        <p:sp>
-          <p:nvSpPr>
-            <p:cNvPr id="71" name="직사각형 70">
-              <a:extLst>
-                <a:ext uri="{FF2B5EF4-FFF2-40B4-BE49-F238E27FC236}">
-                  <a16:creationId xmlns:a16="http://schemas.microsoft.com/office/drawing/2014/main" id="{80D252BF-CE14-74FA-C9CE-AD8365B9CFA0}"/>
-                </a:ext>
-              </a:extLst>
-            </p:cNvPr>
-            <p:cNvSpPr/>
-            <p:nvPr/>
-          </p:nvSpPr>
-          <p:spPr>
-            <a:xfrm>
-              <a:off x="10353675" y="5566074"/>
-              <a:ext cx="1799487" cy="230512"/>
-            </a:xfrm>
-            <a:prstGeom prst="rect">
-              <a:avLst/>
-            </a:prstGeom>
-            <a:noFill/>
-            <a:ln>
-              <a:noFill/>
-            </a:ln>
-          </p:spPr>
-          <p:style>
-            <a:lnRef idx="2">
-              <a:schemeClr val="accent1">
-                <a:shade val="50000"/>
-              </a:schemeClr>
-            </a:lnRef>
-            <a:fillRef idx="1">
-              <a:schemeClr val="accent1"/>
-            </a:fillRef>
-            <a:effectRef idx="0">
-              <a:schemeClr val="accent1"/>
-            </a:effectRef>
-            <a:fontRef idx="minor">
-              <a:schemeClr val="lt1"/>
-            </a:fontRef>
-          </p:style>
-          <p:txBody>
-            <a:bodyPr rtlCol="0" anchor="ctr"/>
-            <a:lstStyle/>
-            <a:p>
-              <a:pPr algn="r"/>
-              <a:r>
-                <a:rPr lang="en-US" altLang="ko-KR" sz="900">
-                  <a:solidFill>
-                    <a:schemeClr val="tx1"/>
-                  </a:solidFill>
-                </a:rPr>
-                <a:t>read</a:t>
-              </a:r>
-              <a:endParaRPr lang="ko-KR" altLang="en-US" sz="900">
-                <a:solidFill>
-                  <a:schemeClr val="tx1"/>
-                </a:solidFill>
-              </a:endParaRPr>
-            </a:p>
-          </p:txBody>
-        </p:sp>
-        <p:sp>
-          <p:nvSpPr>
-            <p:cNvPr id="72" name="직사각형 71">
-              <a:extLst>
-                <a:ext uri="{FF2B5EF4-FFF2-40B4-BE49-F238E27FC236}">
-                  <a16:creationId xmlns:a16="http://schemas.microsoft.com/office/drawing/2014/main" id="{40568B44-CC88-D6D5-1717-529C4CE69147}"/>
-                </a:ext>
-              </a:extLst>
-            </p:cNvPr>
-            <p:cNvSpPr/>
-            <p:nvPr/>
-          </p:nvSpPr>
-          <p:spPr>
-            <a:xfrm>
-              <a:off x="10353675" y="5810555"/>
-              <a:ext cx="1799487" cy="230512"/>
-            </a:xfrm>
-            <a:prstGeom prst="rect">
-              <a:avLst/>
-            </a:prstGeom>
-            <a:noFill/>
-            <a:ln>
-              <a:noFill/>
-            </a:ln>
-          </p:spPr>
-          <p:style>
-            <a:lnRef idx="2">
-              <a:schemeClr val="accent1">
-                <a:shade val="50000"/>
-              </a:schemeClr>
-            </a:lnRef>
-            <a:fillRef idx="1">
-              <a:schemeClr val="accent1"/>
-            </a:fillRef>
-            <a:effectRef idx="0">
-              <a:schemeClr val="accent1"/>
-            </a:effectRef>
-            <a:fontRef idx="minor">
-              <a:schemeClr val="lt1"/>
-            </a:fontRef>
-          </p:style>
-          <p:txBody>
-            <a:bodyPr rtlCol="0" anchor="ctr"/>
-            <a:lstStyle/>
-            <a:p>
-              <a:pPr algn="r"/>
-              <a:r>
-                <a:rPr lang="en-US" altLang="ko-KR" sz="900">
-                  <a:solidFill>
-                    <a:schemeClr val="tx1"/>
-                  </a:solidFill>
-                </a:rPr>
-                <a:t>[4:0]</a:t>
-              </a:r>
-              <a:r>
-                <a:rPr lang="en-US" altLang="ko-KR" sz="900" err="1">
-                  <a:solidFill>
-                    <a:schemeClr val="tx1"/>
-                  </a:solidFill>
-                </a:rPr>
-                <a:t>addr</a:t>
-              </a:r>
-              <a:endParaRPr lang="ko-KR" altLang="en-US" sz="900">
-                <a:solidFill>
-                  <a:schemeClr val="tx1"/>
-                </a:solidFill>
-              </a:endParaRPr>
-            </a:p>
-          </p:txBody>
-        </p:sp>
-        <p:sp>
-          <p:nvSpPr>
-            <p:cNvPr id="73" name="직사각형 72">
-              <a:extLst>
-                <a:ext uri="{FF2B5EF4-FFF2-40B4-BE49-F238E27FC236}">
-                  <a16:creationId xmlns:a16="http://schemas.microsoft.com/office/drawing/2014/main" id="{326D5F12-942A-459E-9682-BC1386F21F03}"/>
-                </a:ext>
-              </a:extLst>
-            </p:cNvPr>
-            <p:cNvSpPr/>
-            <p:nvPr/>
-          </p:nvSpPr>
-          <p:spPr>
-            <a:xfrm>
-              <a:off x="10353675" y="6051616"/>
-              <a:ext cx="1799487" cy="230512"/>
-            </a:xfrm>
-            <a:prstGeom prst="rect">
-              <a:avLst/>
-            </a:prstGeom>
-            <a:noFill/>
-            <a:ln>
-              <a:noFill/>
-            </a:ln>
-          </p:spPr>
-          <p:style>
-            <a:lnRef idx="2">
-              <a:schemeClr val="accent1">
-                <a:shade val="50000"/>
-              </a:schemeClr>
-            </a:lnRef>
-            <a:fillRef idx="1">
-              <a:schemeClr val="accent1"/>
-            </a:fillRef>
-            <a:effectRef idx="0">
-              <a:schemeClr val="accent1"/>
-            </a:effectRef>
-            <a:fontRef idx="minor">
-              <a:schemeClr val="lt1"/>
-            </a:fontRef>
-          </p:style>
-          <p:txBody>
-            <a:bodyPr rtlCol="0" anchor="ctr"/>
-            <a:lstStyle/>
-            <a:p>
-              <a:pPr algn="r"/>
-              <a:r>
-                <a:rPr lang="en-US" altLang="ko-KR" sz="900">
-                  <a:solidFill>
-                    <a:schemeClr val="tx1"/>
-                  </a:solidFill>
-                </a:rPr>
-                <a:t>[31:0]</a:t>
-              </a:r>
-              <a:r>
-                <a:rPr lang="en-US" altLang="ko-KR" sz="900" err="1">
-                  <a:solidFill>
-                    <a:schemeClr val="tx1"/>
-                  </a:solidFill>
-                </a:rPr>
-                <a:t>rd_data</a:t>
-              </a:r>
-              <a:endParaRPr lang="ko-KR" altLang="en-US" sz="900">
-                <a:solidFill>
-                  <a:schemeClr val="tx1"/>
-                </a:solidFill>
-              </a:endParaRPr>
-            </a:p>
-          </p:txBody>
-        </p:sp>
-        <p:sp>
-          <p:nvSpPr>
-            <p:cNvPr id="74" name="직사각형 73">
-              <a:extLst>
-                <a:ext uri="{FF2B5EF4-FFF2-40B4-BE49-F238E27FC236}">
-                  <a16:creationId xmlns:a16="http://schemas.microsoft.com/office/drawing/2014/main" id="{C881E646-6F09-B40F-3DD3-1815556806F8}"/>
-                </a:ext>
-              </a:extLst>
-            </p:cNvPr>
-            <p:cNvSpPr/>
-            <p:nvPr/>
-          </p:nvSpPr>
-          <p:spPr>
-            <a:xfrm>
-              <a:off x="10353675" y="6299048"/>
-              <a:ext cx="1799487" cy="230512"/>
-            </a:xfrm>
-            <a:prstGeom prst="rect">
-              <a:avLst/>
-            </a:prstGeom>
-            <a:noFill/>
-            <a:ln>
-              <a:noFill/>
-            </a:ln>
-          </p:spPr>
-          <p:style>
-            <a:lnRef idx="2">
-              <a:schemeClr val="accent1">
-                <a:shade val="50000"/>
-              </a:schemeClr>
-            </a:lnRef>
-            <a:fillRef idx="1">
-              <a:schemeClr val="accent1"/>
-            </a:fillRef>
-            <a:effectRef idx="0">
-              <a:schemeClr val="accent1"/>
-            </a:effectRef>
-            <a:fontRef idx="minor">
-              <a:schemeClr val="lt1"/>
-            </a:fontRef>
-          </p:style>
-          <p:txBody>
-            <a:bodyPr rtlCol="0" anchor="ctr"/>
-            <a:lstStyle/>
-            <a:p>
-              <a:pPr algn="r"/>
-              <a:r>
-                <a:rPr lang="en-US" altLang="ko-KR" sz="900">
-                  <a:solidFill>
-                    <a:schemeClr val="tx1"/>
-                  </a:solidFill>
-                </a:rPr>
-                <a:t>[63:0]counter</a:t>
-              </a:r>
-              <a:endParaRPr lang="ko-KR" altLang="en-US" sz="900">
-                <a:solidFill>
-                  <a:schemeClr val="tx1"/>
-                </a:solidFill>
-              </a:endParaRPr>
-            </a:p>
-          </p:txBody>
-        </p:sp>
-      </p:grpSp>
-      <p:grpSp>
-        <p:nvGrpSpPr>
-          <p:cNvPr id="77" name="그룹 76">
-            <a:extLst>
-              <a:ext uri="{FF2B5EF4-FFF2-40B4-BE49-F238E27FC236}">
-                <a16:creationId xmlns:a16="http://schemas.microsoft.com/office/drawing/2014/main" id="{1BF4FD0B-1155-55E6-4DBB-2BF23DB0333A}"/>
-              </a:ext>
-            </a:extLst>
-          </p:cNvPr>
-          <p:cNvGrpSpPr/>
-          <p:nvPr/>
-        </p:nvGrpSpPr>
-        <p:grpSpPr>
-          <a:xfrm>
-            <a:off x="5179488" y="285750"/>
-            <a:ext cx="1817163" cy="3235136"/>
-            <a:chOff x="7009338" y="653892"/>
-            <a:chExt cx="1817163" cy="3346686"/>
-          </a:xfrm>
-        </p:grpSpPr>
-        <p:sp>
-          <p:nvSpPr>
-            <p:cNvPr id="78" name="직사각형 77">
-              <a:extLst>
-                <a:ext uri="{FF2B5EF4-FFF2-40B4-BE49-F238E27FC236}">
-                  <a16:creationId xmlns:a16="http://schemas.microsoft.com/office/drawing/2014/main" id="{7374C376-7F93-C0D8-0F9A-E14032CCE810}"/>
-                </a:ext>
-              </a:extLst>
-            </p:cNvPr>
-            <p:cNvSpPr/>
-            <p:nvPr/>
-          </p:nvSpPr>
-          <p:spPr>
-            <a:xfrm>
-              <a:off x="7009339" y="653892"/>
-              <a:ext cx="1753664" cy="3346686"/>
-            </a:xfrm>
-            <a:prstGeom prst="rect">
-              <a:avLst/>
-            </a:prstGeom>
-            <a:noFill/>
-          </p:spPr>
-          <p:style>
-            <a:lnRef idx="2">
-              <a:schemeClr val="accent1">
-                <a:shade val="50000"/>
-              </a:schemeClr>
-            </a:lnRef>
-            <a:fillRef idx="1">
-              <a:schemeClr val="accent1"/>
-            </a:fillRef>
-            <a:effectRef idx="0">
-              <a:schemeClr val="accent1"/>
-            </a:effectRef>
-            <a:fontRef idx="minor">
-              <a:schemeClr val="lt1"/>
-            </a:fontRef>
-          </p:style>
-          <p:txBody>
-            <a:bodyPr rtlCol="0" anchor="t"/>
-            <a:lstStyle/>
-            <a:p>
-              <a:pPr algn="ctr"/>
-              <a:r>
-                <a:rPr lang="en-US" altLang="ko-KR" sz="900" err="1">
-                  <a:solidFill>
-                    <a:schemeClr val="tx1"/>
-                  </a:solidFill>
-                </a:rPr>
-                <a:t>RF_DataConverter</a:t>
-              </a:r>
-              <a:endParaRPr lang="ko-KR" altLang="en-US" sz="900"/>
-            </a:p>
-          </p:txBody>
-        </p:sp>
-        <p:sp>
-          <p:nvSpPr>
-            <p:cNvPr id="79" name="직사각형 78">
-              <a:extLst>
-                <a:ext uri="{FF2B5EF4-FFF2-40B4-BE49-F238E27FC236}">
-                  <a16:creationId xmlns:a16="http://schemas.microsoft.com/office/drawing/2014/main" id="{C63C4880-E834-833C-8BA4-4B5F793D70E6}"/>
-                </a:ext>
-              </a:extLst>
-            </p:cNvPr>
-            <p:cNvSpPr/>
-            <p:nvPr/>
-          </p:nvSpPr>
-          <p:spPr>
-            <a:xfrm>
-              <a:off x="7009338" y="978158"/>
-              <a:ext cx="1311275" cy="230512"/>
-            </a:xfrm>
-            <a:prstGeom prst="rect">
-              <a:avLst/>
-            </a:prstGeom>
-            <a:noFill/>
-            <a:ln>
-              <a:noFill/>
-            </a:ln>
-          </p:spPr>
-          <p:style>
-            <a:lnRef idx="2">
-              <a:schemeClr val="accent1">
-                <a:shade val="50000"/>
-              </a:schemeClr>
-            </a:lnRef>
-            <a:fillRef idx="1">
-              <a:schemeClr val="accent1"/>
-            </a:fillRef>
-            <a:effectRef idx="0">
-              <a:schemeClr val="accent1"/>
-            </a:effectRef>
-            <a:fontRef idx="minor">
-              <a:schemeClr val="lt1"/>
-            </a:fontRef>
-          </p:style>
-          <p:txBody>
-            <a:bodyPr rtlCol="0" anchor="ctr"/>
-            <a:lstStyle/>
-            <a:p>
-              <a:r>
-                <a:rPr lang="en-US" altLang="ko-KR" sz="900">
-                  <a:solidFill>
-                    <a:schemeClr val="tx1"/>
-                  </a:solidFill>
-                </a:rPr>
-                <a:t>[63:0]</a:t>
-              </a:r>
-              <a:r>
-                <a:rPr lang="en-US" altLang="ko-KR" sz="900" err="1">
-                  <a:solidFill>
-                    <a:schemeClr val="tx1"/>
-                  </a:solidFill>
-                </a:rPr>
-                <a:t>gpo_out</a:t>
-              </a:r>
-              <a:endParaRPr lang="ko-KR" altLang="en-US" sz="900">
-                <a:solidFill>
-                  <a:schemeClr val="tx1"/>
-                </a:solidFill>
-              </a:endParaRPr>
-            </a:p>
-          </p:txBody>
-        </p:sp>
-        <p:sp>
-          <p:nvSpPr>
-            <p:cNvPr id="80" name="직사각형 79">
-              <a:extLst>
-                <a:ext uri="{FF2B5EF4-FFF2-40B4-BE49-F238E27FC236}">
-                  <a16:creationId xmlns:a16="http://schemas.microsoft.com/office/drawing/2014/main" id="{EE441E7A-2C1E-A02F-C3E0-0032F2A53471}"/>
-                </a:ext>
-              </a:extLst>
-            </p:cNvPr>
-            <p:cNvSpPr/>
-            <p:nvPr/>
-          </p:nvSpPr>
-          <p:spPr>
-            <a:xfrm>
-              <a:off x="7009338" y="1222208"/>
-              <a:ext cx="1311275" cy="230512"/>
-            </a:xfrm>
-            <a:prstGeom prst="rect">
-              <a:avLst/>
-            </a:prstGeom>
-            <a:noFill/>
-            <a:ln>
-              <a:noFill/>
-            </a:ln>
-          </p:spPr>
-          <p:style>
-            <a:lnRef idx="2">
-              <a:schemeClr val="accent1">
-                <a:shade val="50000"/>
-              </a:schemeClr>
-            </a:lnRef>
-            <a:fillRef idx="1">
-              <a:schemeClr val="accent1"/>
-            </a:fillRef>
-            <a:effectRef idx="0">
-              <a:schemeClr val="accent1"/>
-            </a:effectRef>
-            <a:fontRef idx="minor">
-              <a:schemeClr val="lt1"/>
-            </a:fontRef>
-          </p:style>
-          <p:txBody>
-            <a:bodyPr rtlCol="0" anchor="ctr"/>
-            <a:lstStyle/>
-            <a:p>
-              <a:r>
-                <a:rPr lang="en-US" altLang="ko-KR" sz="900">
-                  <a:solidFill>
-                    <a:schemeClr val="tx1"/>
-                  </a:solidFill>
-                </a:rPr>
-                <a:t>busy</a:t>
-              </a:r>
-              <a:endParaRPr lang="ko-KR" altLang="en-US" sz="900">
-                <a:solidFill>
-                  <a:schemeClr val="tx1"/>
-                </a:solidFill>
-              </a:endParaRPr>
-            </a:p>
-          </p:txBody>
-        </p:sp>
-        <p:sp>
-          <p:nvSpPr>
-            <p:cNvPr id="81" name="직사각형 80">
-              <a:extLst>
-                <a:ext uri="{FF2B5EF4-FFF2-40B4-BE49-F238E27FC236}">
-                  <a16:creationId xmlns:a16="http://schemas.microsoft.com/office/drawing/2014/main" id="{65B5D484-72F8-47EC-B89A-08EDC946C37E}"/>
-                </a:ext>
-              </a:extLst>
-            </p:cNvPr>
-            <p:cNvSpPr/>
-            <p:nvPr/>
-          </p:nvSpPr>
-          <p:spPr>
-            <a:xfrm>
-              <a:off x="7009338" y="1470233"/>
-              <a:ext cx="1311275" cy="230512"/>
-            </a:xfrm>
-            <a:prstGeom prst="rect">
-              <a:avLst/>
-            </a:prstGeom>
-            <a:noFill/>
-            <a:ln>
-              <a:noFill/>
-            </a:ln>
-          </p:spPr>
-          <p:style>
-            <a:lnRef idx="2">
-              <a:schemeClr val="accent1">
-                <a:shade val="50000"/>
-              </a:schemeClr>
-            </a:lnRef>
-            <a:fillRef idx="1">
-              <a:schemeClr val="accent1"/>
-            </a:fillRef>
-            <a:effectRef idx="0">
-              <a:schemeClr val="accent1"/>
-            </a:effectRef>
-            <a:fontRef idx="minor">
-              <a:schemeClr val="lt1"/>
-            </a:fontRef>
-          </p:style>
-          <p:txBody>
-            <a:bodyPr rtlCol="0" anchor="ctr"/>
-            <a:lstStyle/>
-            <a:p>
-              <a:r>
-                <a:rPr lang="en-US" altLang="ko-KR" sz="900">
-                  <a:solidFill>
-                    <a:schemeClr val="tx1"/>
-                  </a:solidFill>
-                </a:rPr>
-                <a:t>selected</a:t>
-              </a:r>
-              <a:endParaRPr lang="ko-KR" altLang="en-US" sz="900">
-                <a:solidFill>
-                  <a:schemeClr val="tx1"/>
-                </a:solidFill>
-              </a:endParaRPr>
-            </a:p>
-          </p:txBody>
-        </p:sp>
-        <p:sp>
-          <p:nvSpPr>
-            <p:cNvPr id="82" name="직사각형 81">
-              <a:extLst>
-                <a:ext uri="{FF2B5EF4-FFF2-40B4-BE49-F238E27FC236}">
-                  <a16:creationId xmlns:a16="http://schemas.microsoft.com/office/drawing/2014/main" id="{BF5563F8-F5CE-B884-59C4-D2F08AC65824}"/>
-                </a:ext>
-              </a:extLst>
-            </p:cNvPr>
-            <p:cNvSpPr/>
-            <p:nvPr/>
-          </p:nvSpPr>
-          <p:spPr>
-            <a:xfrm>
-              <a:off x="7515226" y="978158"/>
-              <a:ext cx="1311275" cy="230512"/>
-            </a:xfrm>
-            <a:prstGeom prst="rect">
-              <a:avLst/>
-            </a:prstGeom>
-            <a:noFill/>
-            <a:ln>
-              <a:noFill/>
-            </a:ln>
-          </p:spPr>
-          <p:style>
-            <a:lnRef idx="2">
-              <a:schemeClr val="accent1">
-                <a:shade val="50000"/>
-              </a:schemeClr>
-            </a:lnRef>
-            <a:fillRef idx="1">
-              <a:schemeClr val="accent1"/>
-            </a:fillRef>
-            <a:effectRef idx="0">
-              <a:schemeClr val="accent1"/>
-            </a:effectRef>
-            <a:fontRef idx="minor">
-              <a:schemeClr val="lt1"/>
-            </a:fontRef>
-          </p:style>
-          <p:txBody>
-            <a:bodyPr rtlCol="0" anchor="ctr"/>
-            <a:lstStyle/>
-            <a:p>
-              <a:pPr algn="r"/>
-              <a:r>
-                <a:rPr lang="en-US" altLang="ko-KR" sz="900">
-                  <a:solidFill>
-                    <a:schemeClr val="tx1"/>
-                  </a:solidFill>
-                </a:rPr>
-                <a:t>AXI_</a:t>
-              </a:r>
-              <a:endParaRPr lang="ko-KR" altLang="en-US" sz="900">
-                <a:solidFill>
-                  <a:schemeClr val="tx1"/>
-                </a:solidFill>
-              </a:endParaRPr>
-            </a:p>
-          </p:txBody>
-        </p:sp>
-        <p:sp>
-          <p:nvSpPr>
-            <p:cNvPr id="83" name="직사각형 82">
-              <a:extLst>
-                <a:ext uri="{FF2B5EF4-FFF2-40B4-BE49-F238E27FC236}">
-                  <a16:creationId xmlns:a16="http://schemas.microsoft.com/office/drawing/2014/main" id="{A320EF99-7DBD-7B68-5981-E2CF4F607184}"/>
-                </a:ext>
-              </a:extLst>
-            </p:cNvPr>
-            <p:cNvSpPr/>
-            <p:nvPr/>
-          </p:nvSpPr>
-          <p:spPr>
-            <a:xfrm>
-              <a:off x="7515226" y="1230965"/>
-              <a:ext cx="1311275" cy="230512"/>
-            </a:xfrm>
-            <a:prstGeom prst="rect">
-              <a:avLst/>
-            </a:prstGeom>
-            <a:noFill/>
-            <a:ln>
-              <a:noFill/>
-            </a:ln>
-          </p:spPr>
-          <p:style>
-            <a:lnRef idx="2">
-              <a:schemeClr val="accent1">
-                <a:shade val="50000"/>
-              </a:schemeClr>
-            </a:lnRef>
-            <a:fillRef idx="1">
-              <a:schemeClr val="accent1"/>
-            </a:fillRef>
-            <a:effectRef idx="0">
-              <a:schemeClr val="accent1"/>
-            </a:effectRef>
-            <a:fontRef idx="minor">
-              <a:schemeClr val="lt1"/>
-            </a:fontRef>
-          </p:style>
-          <p:txBody>
-            <a:bodyPr rtlCol="0" anchor="ctr"/>
-            <a:lstStyle/>
-            <a:p>
-              <a:pPr algn="r"/>
-              <a:r>
-                <a:rPr lang="en-US" altLang="ko-KR" sz="900" err="1">
-                  <a:solidFill>
-                    <a:schemeClr val="tx1"/>
-                  </a:solidFill>
-                </a:rPr>
-                <a:t>overrided</a:t>
-              </a:r>
-              <a:endParaRPr lang="ko-KR" altLang="en-US" sz="900">
-                <a:solidFill>
-                  <a:schemeClr val="tx1"/>
-                </a:solidFill>
-              </a:endParaRPr>
-            </a:p>
-          </p:txBody>
-        </p:sp>
-        <p:sp>
-          <p:nvSpPr>
-            <p:cNvPr id="84" name="직사각형 83">
-              <a:extLst>
-                <a:ext uri="{FF2B5EF4-FFF2-40B4-BE49-F238E27FC236}">
-                  <a16:creationId xmlns:a16="http://schemas.microsoft.com/office/drawing/2014/main" id="{092363A6-C4C5-02D5-DFB9-377389FA2E2D}"/>
-                </a:ext>
-              </a:extLst>
-            </p:cNvPr>
-            <p:cNvSpPr/>
-            <p:nvPr/>
-          </p:nvSpPr>
-          <p:spPr>
-            <a:xfrm>
-              <a:off x="7515226" y="1474276"/>
-              <a:ext cx="1311275" cy="230512"/>
-            </a:xfrm>
-            <a:prstGeom prst="rect">
-              <a:avLst/>
-            </a:prstGeom>
-            <a:noFill/>
-            <a:ln>
-              <a:noFill/>
-            </a:ln>
-          </p:spPr>
-          <p:style>
-            <a:lnRef idx="2">
-              <a:schemeClr val="accent1">
-                <a:shade val="50000"/>
-              </a:schemeClr>
-            </a:lnRef>
-            <a:fillRef idx="1">
-              <a:schemeClr val="accent1"/>
-            </a:fillRef>
-            <a:effectRef idx="0">
-              <a:schemeClr val="accent1"/>
-            </a:effectRef>
-            <a:fontRef idx="minor">
-              <a:schemeClr val="lt1"/>
-            </a:fontRef>
-          </p:style>
-          <p:txBody>
-            <a:bodyPr rtlCol="0" anchor="ctr"/>
-            <a:lstStyle/>
-            <a:p>
-              <a:pPr algn="r"/>
-              <a:r>
-                <a:rPr lang="en-US" altLang="ko-KR" sz="900" err="1">
-                  <a:solidFill>
-                    <a:schemeClr val="tx1"/>
-                  </a:solidFill>
-                </a:rPr>
-                <a:t>busy_error</a:t>
-              </a:r>
-              <a:endParaRPr lang="ko-KR" altLang="en-US" sz="900">
-                <a:solidFill>
-                  <a:schemeClr val="tx1"/>
-                </a:solidFill>
-              </a:endParaRPr>
-            </a:p>
-          </p:txBody>
-        </p:sp>
-        <p:sp>
-          <p:nvSpPr>
-            <p:cNvPr id="85" name="직사각형 84">
-              <a:extLst>
-                <a:ext uri="{FF2B5EF4-FFF2-40B4-BE49-F238E27FC236}">
-                  <a16:creationId xmlns:a16="http://schemas.microsoft.com/office/drawing/2014/main" id="{535AD7E0-2318-65CA-FA92-374DADEA09E8}"/>
-                </a:ext>
-              </a:extLst>
-            </p:cNvPr>
-            <p:cNvSpPr/>
-            <p:nvPr/>
-          </p:nvSpPr>
-          <p:spPr>
-            <a:xfrm>
-              <a:off x="7515226" y="1720594"/>
-              <a:ext cx="1311275" cy="230512"/>
-            </a:xfrm>
-            <a:prstGeom prst="rect">
-              <a:avLst/>
-            </a:prstGeom>
-            <a:noFill/>
-            <a:ln>
-              <a:noFill/>
-            </a:ln>
-          </p:spPr>
-          <p:style>
-            <a:lnRef idx="2">
-              <a:schemeClr val="accent1">
-                <a:shade val="50000"/>
-              </a:schemeClr>
-            </a:lnRef>
-            <a:fillRef idx="1">
-              <a:schemeClr val="accent1"/>
-            </a:fillRef>
-            <a:effectRef idx="0">
-              <a:schemeClr val="accent1"/>
-            </a:effectRef>
-            <a:fontRef idx="minor">
-              <a:schemeClr val="lt1"/>
-            </a:fontRef>
-          </p:style>
-          <p:txBody>
-            <a:bodyPr rtlCol="0" anchor="ctr"/>
-            <a:lstStyle/>
-            <a:p>
-              <a:pPr algn="r"/>
-              <a:r>
-                <a:rPr lang="en-US" altLang="ko-KR" sz="900" err="1">
-                  <a:solidFill>
-                    <a:schemeClr val="tx1"/>
-                  </a:solidFill>
-                </a:rPr>
-                <a:t>counter_matched</a:t>
-              </a:r>
-              <a:endParaRPr lang="ko-KR" altLang="en-US" sz="900">
-                <a:solidFill>
-                  <a:schemeClr val="tx1"/>
-                </a:solidFill>
-              </a:endParaRPr>
-            </a:p>
-          </p:txBody>
-        </p:sp>
-        <p:sp>
-          <p:nvSpPr>
-            <p:cNvPr id="86" name="직사각형 85">
-              <a:extLst>
-                <a:ext uri="{FF2B5EF4-FFF2-40B4-BE49-F238E27FC236}">
-                  <a16:creationId xmlns:a16="http://schemas.microsoft.com/office/drawing/2014/main" id="{769FE0B3-B3A2-2A7E-D2A3-A62630E6409A}"/>
-                </a:ext>
-              </a:extLst>
-            </p:cNvPr>
-            <p:cNvSpPr/>
-            <p:nvPr/>
-          </p:nvSpPr>
-          <p:spPr>
-            <a:xfrm>
-              <a:off x="7515226" y="1961623"/>
-              <a:ext cx="1311275" cy="230512"/>
-            </a:xfrm>
-            <a:prstGeom prst="rect">
-              <a:avLst/>
-            </a:prstGeom>
-            <a:noFill/>
-            <a:ln>
-              <a:noFill/>
-            </a:ln>
-          </p:spPr>
-          <p:style>
-            <a:lnRef idx="2">
-              <a:schemeClr val="accent1">
-                <a:shade val="50000"/>
-              </a:schemeClr>
-            </a:lnRef>
-            <a:fillRef idx="1">
-              <a:schemeClr val="accent1"/>
-            </a:fillRef>
-            <a:effectRef idx="0">
-              <a:schemeClr val="accent1"/>
-            </a:effectRef>
-            <a:fontRef idx="minor">
-              <a:schemeClr val="lt1"/>
-            </a:fontRef>
-          </p:style>
-          <p:txBody>
-            <a:bodyPr rtlCol="0" anchor="ctr"/>
-            <a:lstStyle/>
-            <a:p>
-              <a:pPr algn="r"/>
-              <a:r>
-                <a:rPr lang="en-US" altLang="ko-KR" sz="900">
-                  <a:solidFill>
-                    <a:schemeClr val="tx1"/>
-                  </a:solidFill>
-                </a:rPr>
-                <a:t>[127:0]</a:t>
-              </a:r>
-              <a:r>
-                <a:rPr lang="en-US" altLang="ko-KR" sz="900" err="1">
-                  <a:solidFill>
-                    <a:schemeClr val="tx1"/>
-                  </a:solidFill>
-                </a:rPr>
-                <a:t>gpo_in</a:t>
-              </a:r>
-              <a:endParaRPr lang="ko-KR" altLang="en-US" sz="900">
-                <a:solidFill>
-                  <a:schemeClr val="tx1"/>
-                </a:solidFill>
-              </a:endParaRPr>
-            </a:p>
-          </p:txBody>
-        </p:sp>
-        <p:sp>
-          <p:nvSpPr>
-            <p:cNvPr id="87" name="직사각형 86">
-              <a:extLst>
-                <a:ext uri="{FF2B5EF4-FFF2-40B4-BE49-F238E27FC236}">
-                  <a16:creationId xmlns:a16="http://schemas.microsoft.com/office/drawing/2014/main" id="{9FE36648-A6A3-5470-912E-F84C8B53FF51}"/>
-                </a:ext>
-              </a:extLst>
-            </p:cNvPr>
-            <p:cNvSpPr/>
-            <p:nvPr/>
-          </p:nvSpPr>
-          <p:spPr>
-            <a:xfrm>
-              <a:off x="7251700" y="2205825"/>
-              <a:ext cx="1574801" cy="230512"/>
-            </a:xfrm>
-            <a:prstGeom prst="rect">
-              <a:avLst/>
-            </a:prstGeom>
-            <a:noFill/>
-            <a:ln>
-              <a:noFill/>
-            </a:ln>
-          </p:spPr>
-          <p:style>
-            <a:lnRef idx="2">
-              <a:schemeClr val="accent1">
-                <a:shade val="50000"/>
-              </a:schemeClr>
-            </a:lnRef>
-            <a:fillRef idx="1">
-              <a:schemeClr val="accent1"/>
-            </a:fillRef>
-            <a:effectRef idx="0">
-              <a:schemeClr val="accent1"/>
-            </a:effectRef>
-            <a:fontRef idx="minor">
-              <a:schemeClr val="lt1"/>
-            </a:fontRef>
-          </p:style>
-          <p:txBody>
-            <a:bodyPr rtlCol="0" anchor="ctr"/>
-            <a:lstStyle/>
-            <a:p>
-              <a:pPr algn="r"/>
-              <a:r>
-                <a:rPr lang="en-US" altLang="ko-KR" sz="900">
-                  <a:solidFill>
-                    <a:schemeClr val="tx1"/>
-                  </a:solidFill>
-                </a:rPr>
-                <a:t>[63:0]</a:t>
-              </a:r>
-              <a:r>
-                <a:rPr lang="en-US" altLang="ko-KR" sz="900" err="1">
-                  <a:solidFill>
-                    <a:schemeClr val="tx1"/>
-                  </a:solidFill>
-                </a:rPr>
-                <a:t>override_value_input</a:t>
-              </a:r>
-              <a:endParaRPr lang="ko-KR" altLang="en-US" sz="900">
-                <a:solidFill>
-                  <a:schemeClr val="tx1"/>
-                </a:solidFill>
-              </a:endParaRPr>
-            </a:p>
-          </p:txBody>
-        </p:sp>
-        <p:sp>
-          <p:nvSpPr>
-            <p:cNvPr id="88" name="직사각형 87">
-              <a:extLst>
-                <a:ext uri="{FF2B5EF4-FFF2-40B4-BE49-F238E27FC236}">
-                  <a16:creationId xmlns:a16="http://schemas.microsoft.com/office/drawing/2014/main" id="{BD31A736-226D-B8C7-2D63-04356F124CD5}"/>
-                </a:ext>
-              </a:extLst>
-            </p:cNvPr>
-            <p:cNvSpPr/>
-            <p:nvPr/>
-          </p:nvSpPr>
-          <p:spPr>
-            <a:xfrm>
-              <a:off x="7251700" y="2455006"/>
-              <a:ext cx="1574801" cy="230512"/>
-            </a:xfrm>
-            <a:prstGeom prst="rect">
-              <a:avLst/>
-            </a:prstGeom>
-            <a:noFill/>
-            <a:ln>
-              <a:noFill/>
-            </a:ln>
-          </p:spPr>
-          <p:style>
-            <a:lnRef idx="2">
-              <a:schemeClr val="accent1">
-                <a:shade val="50000"/>
-              </a:schemeClr>
-            </a:lnRef>
-            <a:fillRef idx="1">
-              <a:schemeClr val="accent1"/>
-            </a:fillRef>
-            <a:effectRef idx="0">
-              <a:schemeClr val="accent1"/>
-            </a:effectRef>
-            <a:fontRef idx="minor">
-              <a:schemeClr val="lt1"/>
-            </a:fontRef>
-          </p:style>
-          <p:txBody>
-            <a:bodyPr rtlCol="0" anchor="ctr"/>
-            <a:lstStyle/>
-            <a:p>
-              <a:pPr algn="r"/>
-              <a:r>
-                <a:rPr lang="en-US" altLang="ko-KR" sz="900" err="1">
-                  <a:solidFill>
-                    <a:schemeClr val="tx1"/>
-                  </a:solidFill>
-                </a:rPr>
-                <a:t>override_en_input</a:t>
-              </a:r>
-              <a:endParaRPr lang="ko-KR" altLang="en-US" sz="900">
-                <a:solidFill>
-                  <a:schemeClr val="tx1"/>
-                </a:solidFill>
-              </a:endParaRPr>
-            </a:p>
-          </p:txBody>
-        </p:sp>
-        <p:sp>
-          <p:nvSpPr>
-            <p:cNvPr id="89" name="직사각형 88">
-              <a:extLst>
-                <a:ext uri="{FF2B5EF4-FFF2-40B4-BE49-F238E27FC236}">
-                  <a16:creationId xmlns:a16="http://schemas.microsoft.com/office/drawing/2014/main" id="{1A2F96C1-BF37-EE5D-81D0-5E4E17D82BCB}"/>
-                </a:ext>
-              </a:extLst>
-            </p:cNvPr>
-            <p:cNvSpPr/>
-            <p:nvPr/>
-          </p:nvSpPr>
-          <p:spPr>
-            <a:xfrm>
-              <a:off x="7251700" y="2704185"/>
-              <a:ext cx="1574801" cy="230512"/>
-            </a:xfrm>
-            <a:prstGeom prst="rect">
-              <a:avLst/>
-            </a:prstGeom>
-            <a:noFill/>
-            <a:ln>
-              <a:noFill/>
-            </a:ln>
-          </p:spPr>
-          <p:style>
-            <a:lnRef idx="2">
-              <a:schemeClr val="accent1">
-                <a:shade val="50000"/>
-              </a:schemeClr>
-            </a:lnRef>
-            <a:fillRef idx="1">
-              <a:schemeClr val="accent1"/>
-            </a:fillRef>
-            <a:effectRef idx="0">
-              <a:schemeClr val="accent1"/>
-            </a:effectRef>
-            <a:fontRef idx="minor">
-              <a:schemeClr val="lt1"/>
-            </a:fontRef>
-          </p:style>
-          <p:txBody>
-            <a:bodyPr rtlCol="0" anchor="ctr"/>
-            <a:lstStyle/>
-            <a:p>
-              <a:pPr algn="r"/>
-              <a:r>
-                <a:rPr lang="en-US" altLang="ko-KR" sz="900" err="1">
-                  <a:solidFill>
-                    <a:schemeClr val="tx1"/>
-                  </a:solidFill>
-                </a:rPr>
-                <a:t>selected_input</a:t>
-              </a:r>
-              <a:endParaRPr lang="ko-KR" altLang="en-US" sz="900">
-                <a:solidFill>
-                  <a:schemeClr val="tx1"/>
-                </a:solidFill>
-              </a:endParaRPr>
-            </a:p>
-          </p:txBody>
-        </p:sp>
-      </p:grpSp>
-    </p:spTree>
-    <p:extLst>
-      <p:ext uri="{BB962C8B-B14F-4D97-AF65-F5344CB8AC3E}">
-        <p14:creationId xmlns:p14="http://schemas.microsoft.com/office/powerpoint/2010/main" val="1406874210"/>
-      </p:ext>
-    </p:extLst>
-  </p:cSld>
-  <p:clrMapOvr>
-    <a:masterClrMapping/>
-  </p:clrMapOvr>
-</p:sld>
-</file>
-
-<file path=ppt/slides/slide3.xml><?xml version="1.0" encoding="utf-8"?>
-<p:sld xmlns:a="http://schemas.openxmlformats.org/drawingml/2006/main" xmlns:r="http://schemas.openxmlformats.org/officeDocument/2006/relationships" xmlns:p="http://schemas.openxmlformats.org/presentationml/2006/main">
-  <p:cSld>
-    <p:spTree>
-      <p:nvGrpSpPr>
-        <p:cNvPr id="1" name=""/>
-        <p:cNvGrpSpPr/>
-        <p:nvPr/>
-      </p:nvGrpSpPr>
-      <p:grpSpPr>
-        <a:xfrm>
-          <a:off x="0" y="0"/>
-          <a:ext cx="0" cy="0"/>
-          <a:chOff x="0" y="0"/>
-          <a:chExt cx="0" cy="0"/>
-        </a:xfrm>
-      </p:grpSpPr>
-      <p:sp>
-        <p:nvSpPr>
           <p:cNvPr id="5" name="직사각형 4">
             <a:extLst>
               <a:ext uri="{FF2B5EF4-FFF2-40B4-BE49-F238E27FC236}">
@@ -11172,8 +6922,8 @@
         </p:nvGrpSpPr>
         <p:grpSpPr>
           <a:xfrm>
-            <a:off x="269596" y="286981"/>
-            <a:ext cx="1817163" cy="6462857"/>
+            <a:off x="270112" y="286982"/>
+            <a:ext cx="1743119" cy="6462857"/>
             <a:chOff x="7009338" y="653891"/>
             <a:chExt cx="1817163" cy="6685701"/>
           </a:xfrm>
@@ -11670,63 +7420,20 @@
           </p:cNvPr>
           <p:cNvCxnSpPr>
             <a:cxnSpLocks/>
+            <a:stCxn id="188" idx="0"/>
+            <a:endCxn id="84" idx="3"/>
           </p:cNvCxnSpPr>
           <p:nvPr/>
         </p:nvCxnSpPr>
         <p:spPr>
           <a:xfrm rot="16200000" flipH="1" flipV="1">
-            <a:off x="5983628" y="-3200469"/>
-            <a:ext cx="53410" cy="7844814"/>
+            <a:off x="5964573" y="-3256312"/>
+            <a:ext cx="16826" cy="7919509"/>
           </a:xfrm>
           <a:prstGeom prst="bentConnector4">
             <a:avLst>
-              <a:gd name="adj1" fmla="val -1231189"/>
-              <a:gd name="adj2" fmla="val 98189"/>
-            </a:avLst>
-          </a:prstGeom>
-          <a:ln>
-            <a:tailEnd type="triangle"/>
-          </a:ln>
-        </p:spPr>
-        <p:style>
-          <a:lnRef idx="1">
-            <a:schemeClr val="accent1"/>
-          </a:lnRef>
-          <a:fillRef idx="0">
-            <a:schemeClr val="accent1"/>
-          </a:fillRef>
-          <a:effectRef idx="0">
-            <a:schemeClr val="accent1"/>
-          </a:effectRef>
-          <a:fontRef idx="minor">
-            <a:schemeClr val="tx1"/>
-          </a:fontRef>
-        </p:style>
-      </p:cxnSp>
-      <p:cxnSp>
-        <p:nvCxnSpPr>
-          <p:cNvPr id="106" name="연결선: 꺾임 105">
-            <a:extLst>
-              <a:ext uri="{FF2B5EF4-FFF2-40B4-BE49-F238E27FC236}">
-                <a16:creationId xmlns:a16="http://schemas.microsoft.com/office/drawing/2014/main" id="{34C5C2E9-D763-1848-55A3-3D0F269A9AA6}"/>
-              </a:ext>
-            </a:extLst>
-          </p:cNvPr>
-          <p:cNvCxnSpPr>
-            <a:cxnSpLocks/>
-            <a:stCxn id="188" idx="0"/>
-          </p:cNvCxnSpPr>
-          <p:nvPr/>
-        </p:nvCxnSpPr>
-        <p:spPr>
-          <a:xfrm rot="16200000" flipH="1" flipV="1">
-            <a:off x="6666388" y="-1060945"/>
-            <a:ext cx="1510377" cy="5022326"/>
-          </a:xfrm>
-          <a:prstGeom prst="bentConnector4">
-            <a:avLst>
-              <a:gd name="adj1" fmla="val -27841"/>
-              <a:gd name="adj2" fmla="val 97398"/>
+              <a:gd name="adj1" fmla="val -3035921"/>
+              <a:gd name="adj2" fmla="val 98090"/>
             </a:avLst>
           </a:prstGeom>
           <a:ln>
@@ -11766,8 +7473,8 @@
         </p:nvCxnSpPr>
         <p:spPr>
           <a:xfrm rot="10800000">
-            <a:off x="2086759" y="956235"/>
-            <a:ext cx="229444" cy="984900"/>
+            <a:off x="2013232" y="956237"/>
+            <a:ext cx="229815" cy="2518953"/>
           </a:xfrm>
           <a:prstGeom prst="bentConnector3">
             <a:avLst/>
@@ -11809,8 +7516,8 @@
         </p:nvCxnSpPr>
         <p:spPr>
           <a:xfrm rot="10800000">
-            <a:off x="2086759" y="1191437"/>
-            <a:ext cx="229444" cy="749699"/>
+            <a:off x="2013232" y="1191437"/>
+            <a:ext cx="229815" cy="2283752"/>
           </a:xfrm>
           <a:prstGeom prst="bentConnector3">
             <a:avLst/>
@@ -11848,8 +7555,8 @@
         </p:nvSpPr>
         <p:spPr>
           <a:xfrm>
-            <a:off x="2316203" y="323567"/>
-            <a:ext cx="581228" cy="3235136"/>
+            <a:off x="2243046" y="243761"/>
+            <a:ext cx="679164" cy="6462856"/>
           </a:xfrm>
           <a:prstGeom prst="rect">
             <a:avLst/>
@@ -11883,7 +7590,18 @@
                   <a:schemeClr val="tx1"/>
                 </a:solidFill>
               </a:rPr>
-              <a:t>Buffer</a:t>
+              <a:t>RFDC</a:t>
+            </a:r>
+          </a:p>
+          <a:p>
+            <a:pPr algn="ctr"/>
+            <a:r>
+              <a:rPr lang="en-US" altLang="ko-KR" sz="900">
+                <a:solidFill>
+                  <a:schemeClr val="tx1"/>
+                </a:solidFill>
+              </a:rPr>
+              <a:t>controller</a:t>
             </a:r>
             <a:endParaRPr lang="ko-KR" altLang="en-US" sz="900">
               <a:solidFill>
@@ -11911,8 +7629,8 @@
         </p:nvCxnSpPr>
         <p:spPr>
           <a:xfrm rot="10800000" flipV="1">
-            <a:off x="2897432" y="1018661"/>
-            <a:ext cx="195819" cy="922473"/>
+            <a:off x="2922210" y="1018661"/>
+            <a:ext cx="171040" cy="2456527"/>
           </a:xfrm>
           <a:prstGeom prst="bentConnector3">
             <a:avLst/>
@@ -11991,153 +7709,6 @@
           </a:p>
         </p:txBody>
       </p:sp>
-      <p:sp>
-        <p:nvSpPr>
-          <p:cNvPr id="214" name="직사각형 213">
-            <a:extLst>
-              <a:ext uri="{FF2B5EF4-FFF2-40B4-BE49-F238E27FC236}">
-                <a16:creationId xmlns:a16="http://schemas.microsoft.com/office/drawing/2014/main" id="{928DBC17-83AB-9DAA-8E5C-556F8A12CBB5}"/>
-              </a:ext>
-            </a:extLst>
-          </p:cNvPr>
-          <p:cNvSpPr/>
-          <p:nvPr/>
-        </p:nvSpPr>
-        <p:spPr>
-          <a:xfrm>
-            <a:off x="2265622" y="3660011"/>
-            <a:ext cx="631809" cy="1332283"/>
-          </a:xfrm>
-          <a:prstGeom prst="rect">
-            <a:avLst/>
-          </a:prstGeom>
-          <a:noFill/>
-        </p:spPr>
-        <p:style>
-          <a:lnRef idx="2">
-            <a:schemeClr val="accent1">
-              <a:shade val="50000"/>
-            </a:schemeClr>
-          </a:lnRef>
-          <a:fillRef idx="1">
-            <a:schemeClr val="accent1"/>
-          </a:fillRef>
-          <a:effectRef idx="0">
-            <a:schemeClr val="accent1"/>
-          </a:effectRef>
-          <a:fontRef idx="minor">
-            <a:schemeClr val="lt1"/>
-          </a:fontRef>
-        </p:style>
-        <p:txBody>
-          <a:bodyPr rtlCol="0" anchor="t"/>
-          <a:lstStyle/>
-          <a:p>
-            <a:pPr algn="ctr"/>
-            <a:r>
-              <a:rPr lang="en-US" altLang="ko-KR" sz="900">
-                <a:solidFill>
-                  <a:schemeClr val="tx1"/>
-                </a:solidFill>
-              </a:rPr>
-              <a:t>Edge Detector</a:t>
-            </a:r>
-            <a:endParaRPr lang="ko-KR" altLang="en-US" sz="900">
-              <a:solidFill>
-                <a:schemeClr val="tx1"/>
-              </a:solidFill>
-            </a:endParaRPr>
-          </a:p>
-        </p:txBody>
-      </p:sp>
-      <p:cxnSp>
-        <p:nvCxnSpPr>
-          <p:cNvPr id="216" name="연결선: 꺾임 215">
-            <a:extLst>
-              <a:ext uri="{FF2B5EF4-FFF2-40B4-BE49-F238E27FC236}">
-                <a16:creationId xmlns:a16="http://schemas.microsoft.com/office/drawing/2014/main" id="{379C61F6-A3E1-6621-D15B-F5303130DEBF}"/>
-              </a:ext>
-            </a:extLst>
-          </p:cNvPr>
-          <p:cNvCxnSpPr>
-            <a:cxnSpLocks/>
-            <a:stCxn id="207" idx="3"/>
-            <a:endCxn id="214" idx="1"/>
-          </p:cNvCxnSpPr>
-          <p:nvPr/>
-        </p:nvCxnSpPr>
-        <p:spPr>
-          <a:xfrm flipV="1">
-            <a:off x="2086759" y="4326153"/>
-            <a:ext cx="178863" cy="2142983"/>
-          </a:xfrm>
-          <a:prstGeom prst="bentConnector3">
-            <a:avLst/>
-          </a:prstGeom>
-          <a:ln>
-            <a:tailEnd type="triangle"/>
-          </a:ln>
-        </p:spPr>
-        <p:style>
-          <a:lnRef idx="1">
-            <a:schemeClr val="accent1"/>
-          </a:lnRef>
-          <a:fillRef idx="0">
-            <a:schemeClr val="accent1"/>
-          </a:fillRef>
-          <a:effectRef idx="0">
-            <a:schemeClr val="accent1"/>
-          </a:effectRef>
-          <a:fontRef idx="minor">
-            <a:schemeClr val="tx1"/>
-          </a:fontRef>
-        </p:style>
-      </p:cxnSp>
-      <p:cxnSp>
-        <p:nvCxnSpPr>
-          <p:cNvPr id="218" name="연결선: 꺾임 217">
-            <a:extLst>
-              <a:ext uri="{FF2B5EF4-FFF2-40B4-BE49-F238E27FC236}">
-                <a16:creationId xmlns:a16="http://schemas.microsoft.com/office/drawing/2014/main" id="{B79806F3-DE1D-C33C-139F-293704310B61}"/>
-              </a:ext>
-            </a:extLst>
-          </p:cNvPr>
-          <p:cNvCxnSpPr>
-            <a:cxnSpLocks/>
-            <a:stCxn id="214" idx="3"/>
-            <a:endCxn id="61" idx="1"/>
-          </p:cNvCxnSpPr>
-          <p:nvPr/>
-        </p:nvCxnSpPr>
-        <p:spPr>
-          <a:xfrm flipV="1">
-            <a:off x="2897431" y="3966458"/>
-            <a:ext cx="195819" cy="359695"/>
-          </a:xfrm>
-          <a:prstGeom prst="bentConnector3">
-            <a:avLst>
-              <a:gd name="adj1" fmla="val 50000"/>
-            </a:avLst>
-          </a:prstGeom>
-          <a:ln>
-            <a:tailEnd type="triangle"/>
-          </a:ln>
-        </p:spPr>
-        <p:style>
-          <a:lnRef idx="1">
-            <a:schemeClr val="accent1"/>
-          </a:lnRef>
-          <a:fillRef idx="0">
-            <a:schemeClr val="accent1"/>
-          </a:fillRef>
-          <a:effectRef idx="0">
-            <a:schemeClr val="accent1"/>
-          </a:effectRef>
-          <a:fontRef idx="minor">
-            <a:schemeClr val="tx1"/>
-          </a:fontRef>
-        </p:style>
-      </p:cxnSp>
       <p:cxnSp>
         <p:nvCxnSpPr>
           <p:cNvPr id="223" name="연결선: 꺾임 222">
@@ -12150,14 +7721,14 @@
           <p:cNvCxnSpPr>
             <a:cxnSpLocks/>
             <a:stCxn id="207" idx="3"/>
-            <a:endCxn id="227" idx="2"/>
+            <a:endCxn id="241" idx="2"/>
           </p:cNvCxnSpPr>
           <p:nvPr/>
         </p:nvCxnSpPr>
         <p:spPr>
           <a:xfrm flipV="1">
-            <a:off x="2086759" y="6271824"/>
-            <a:ext cx="7845981" cy="197312"/>
+            <a:off x="2013231" y="6271824"/>
+            <a:ext cx="7895537" cy="197313"/>
           </a:xfrm>
           <a:prstGeom prst="bentConnector2">
             <a:avLst/>
@@ -12181,61 +7752,6 @@
           </a:fontRef>
         </p:style>
       </p:cxnSp>
-      <p:sp>
-        <p:nvSpPr>
-          <p:cNvPr id="227" name="직사각형 226">
-            <a:extLst>
-              <a:ext uri="{FF2B5EF4-FFF2-40B4-BE49-F238E27FC236}">
-                <a16:creationId xmlns:a16="http://schemas.microsoft.com/office/drawing/2014/main" id="{ED9233BE-42BA-A763-CA54-1A3E16008B8B}"/>
-              </a:ext>
-            </a:extLst>
-          </p:cNvPr>
-          <p:cNvSpPr/>
-          <p:nvPr/>
-        </p:nvSpPr>
-        <p:spPr>
-          <a:xfrm>
-            <a:off x="9280894" y="4655938"/>
-            <a:ext cx="1303692" cy="1615886"/>
-          </a:xfrm>
-          <a:prstGeom prst="rect">
-            <a:avLst/>
-          </a:prstGeom>
-          <a:noFill/>
-        </p:spPr>
-        <p:style>
-          <a:lnRef idx="2">
-            <a:schemeClr val="accent1">
-              <a:shade val="50000"/>
-            </a:schemeClr>
-          </a:lnRef>
-          <a:fillRef idx="1">
-            <a:schemeClr val="accent1"/>
-          </a:fillRef>
-          <a:effectRef idx="0">
-            <a:schemeClr val="accent1"/>
-          </a:effectRef>
-          <a:fontRef idx="minor">
-            <a:schemeClr val="lt1"/>
-          </a:fontRef>
-        </p:style>
-        <p:txBody>
-          <a:bodyPr rtlCol="0" anchor="t"/>
-          <a:lstStyle/>
-          <a:p>
-            <a:pPr algn="ctr"/>
-            <a:r>
-              <a:rPr lang="en-US" altLang="ko-KR" sz="900">
-                <a:solidFill>
-                  <a:schemeClr val="tx1"/>
-                </a:solidFill>
-              </a:rPr>
-              <a:t>?</a:t>
-            </a:r>
-            <a:endParaRPr lang="ko-KR" altLang="en-US" sz="900"/>
-          </a:p>
-        </p:txBody>
-      </p:sp>
       <p:cxnSp>
         <p:nvCxnSpPr>
           <p:cNvPr id="233" name="연결선: 꺾임 232">
@@ -12337,7 +7853,7 @@
         </p:nvSpPr>
         <p:spPr>
           <a:xfrm>
-            <a:off x="10831689" y="4655938"/>
+            <a:off x="9256922" y="4655938"/>
             <a:ext cx="1303692" cy="1615886"/>
           </a:xfrm>
           <a:prstGeom prst="rect">
@@ -12373,61 +7889,6 @@
                 </a:solidFill>
               </a:rPr>
               <a:t>DRAM</a:t>
-            </a:r>
-            <a:endParaRPr lang="ko-KR" altLang="en-US" sz="900"/>
-          </a:p>
-        </p:txBody>
-      </p:sp>
-      <p:sp>
-        <p:nvSpPr>
-          <p:cNvPr id="242" name="직사각형 241">
-            <a:extLst>
-              <a:ext uri="{FF2B5EF4-FFF2-40B4-BE49-F238E27FC236}">
-                <a16:creationId xmlns:a16="http://schemas.microsoft.com/office/drawing/2014/main" id="{7C99EBDB-CCE3-A8B5-8BCA-1CEBF656C7C6}"/>
-              </a:ext>
-            </a:extLst>
-          </p:cNvPr>
-          <p:cNvSpPr/>
-          <p:nvPr/>
-        </p:nvSpPr>
-        <p:spPr>
-          <a:xfrm>
-            <a:off x="10831689" y="3873637"/>
-            <a:ext cx="1303692" cy="615465"/>
-          </a:xfrm>
-          <a:prstGeom prst="rect">
-            <a:avLst/>
-          </a:prstGeom>
-          <a:noFill/>
-        </p:spPr>
-        <p:style>
-          <a:lnRef idx="2">
-            <a:schemeClr val="accent1">
-              <a:shade val="50000"/>
-            </a:schemeClr>
-          </a:lnRef>
-          <a:fillRef idx="1">
-            <a:schemeClr val="accent1"/>
-          </a:fillRef>
-          <a:effectRef idx="0">
-            <a:schemeClr val="accent1"/>
-          </a:effectRef>
-          <a:fontRef idx="minor">
-            <a:schemeClr val="lt1"/>
-          </a:fontRef>
-        </p:style>
-        <p:txBody>
-          <a:bodyPr rtlCol="0" anchor="t"/>
-          <a:lstStyle/>
-          <a:p>
-            <a:pPr algn="ctr"/>
-            <a:r>
-              <a:rPr lang="en-US" altLang="ko-KR" sz="900">
-                <a:solidFill>
-                  <a:schemeClr val="tx1"/>
-                </a:solidFill>
-              </a:rPr>
-              <a:t>Hash</a:t>
             </a:r>
             <a:endParaRPr lang="ko-KR" altLang="en-US" sz="900"/>
           </a:p>
@@ -12503,6 +7964,110 @@
           </a:p>
         </p:txBody>
       </p:sp>
+      <p:sp>
+        <p:nvSpPr>
+          <p:cNvPr id="16" name="직사각형 15">
+            <a:extLst>
+              <a:ext uri="{FF2B5EF4-FFF2-40B4-BE49-F238E27FC236}">
+                <a16:creationId xmlns:a16="http://schemas.microsoft.com/office/drawing/2014/main" id="{1F8AC01E-1582-100F-D75F-5AD2AE495672}"/>
+              </a:ext>
+            </a:extLst>
+          </p:cNvPr>
+          <p:cNvSpPr/>
+          <p:nvPr/>
+        </p:nvSpPr>
+        <p:spPr>
+          <a:xfrm>
+            <a:off x="10725340" y="4655938"/>
+            <a:ext cx="1303692" cy="1615886"/>
+          </a:xfrm>
+          <a:prstGeom prst="rect">
+            <a:avLst/>
+          </a:prstGeom>
+          <a:noFill/>
+        </p:spPr>
+        <p:style>
+          <a:lnRef idx="2">
+            <a:schemeClr val="accent1">
+              <a:shade val="50000"/>
+            </a:schemeClr>
+          </a:lnRef>
+          <a:fillRef idx="1">
+            <a:schemeClr val="accent1"/>
+          </a:fillRef>
+          <a:effectRef idx="0">
+            <a:schemeClr val="accent1"/>
+          </a:effectRef>
+          <a:fontRef idx="minor">
+            <a:schemeClr val="lt1"/>
+          </a:fontRef>
+        </p:style>
+        <p:txBody>
+          <a:bodyPr rtlCol="0" anchor="t"/>
+          <a:lstStyle/>
+          <a:p>
+            <a:pPr algn="ctr"/>
+            <a:r>
+              <a:rPr lang="en-US" altLang="ko-KR" sz="900">
+                <a:solidFill>
+                  <a:schemeClr val="tx1"/>
+                </a:solidFill>
+              </a:rPr>
+              <a:t>DMA Controller</a:t>
+            </a:r>
+            <a:endParaRPr lang="ko-KR" altLang="en-US" sz="900">
+              <a:solidFill>
+                <a:schemeClr val="tx1"/>
+              </a:solidFill>
+            </a:endParaRPr>
+          </a:p>
+        </p:txBody>
+      </p:sp>
+      <p:cxnSp>
+        <p:nvCxnSpPr>
+          <p:cNvPr id="110" name="연결선: 꺾임 109">
+            <a:extLst>
+              <a:ext uri="{FF2B5EF4-FFF2-40B4-BE49-F238E27FC236}">
+                <a16:creationId xmlns:a16="http://schemas.microsoft.com/office/drawing/2014/main" id="{AF46926A-244E-588C-4945-786D60600B51}"/>
+              </a:ext>
+            </a:extLst>
+          </p:cNvPr>
+          <p:cNvCxnSpPr>
+            <a:cxnSpLocks/>
+            <a:stCxn id="207" idx="3"/>
+            <a:endCxn id="116" idx="1"/>
+          </p:cNvCxnSpPr>
+          <p:nvPr/>
+        </p:nvCxnSpPr>
+        <p:spPr>
+          <a:xfrm flipV="1">
+            <a:off x="2013231" y="3475189"/>
+            <a:ext cx="229815" cy="2993948"/>
+          </a:xfrm>
+          <a:prstGeom prst="bentConnector3">
+            <a:avLst>
+              <a:gd name="adj1" fmla="val 50000"/>
+            </a:avLst>
+          </a:prstGeom>
+          <a:ln>
+            <a:tailEnd type="triangle"/>
+          </a:ln>
+        </p:spPr>
+        <p:style>
+          <a:lnRef idx="1">
+            <a:schemeClr val="accent1"/>
+          </a:lnRef>
+          <a:fillRef idx="0">
+            <a:schemeClr val="accent1"/>
+          </a:fillRef>
+          <a:effectRef idx="0">
+            <a:schemeClr val="accent1"/>
+          </a:effectRef>
+          <a:fontRef idx="minor">
+            <a:schemeClr val="tx1"/>
+          </a:fontRef>
+        </p:style>
+      </p:cxnSp>
     </p:spTree>
     <p:extLst>
       <p:ext uri="{BB962C8B-B14F-4D97-AF65-F5344CB8AC3E}">
@@ -12516,7 +8081,7 @@
 </p:sld>
 </file>
 
-<file path=ppt/slides/slide4.xml><?xml version="1.0" encoding="utf-8"?>
+<file path=ppt/slides/slide3.xml><?xml version="1.0" encoding="utf-8"?>
 <p:sld xmlns:a="http://schemas.openxmlformats.org/drawingml/2006/main" xmlns:r="http://schemas.openxmlformats.org/officeDocument/2006/relationships" xmlns:p="http://schemas.openxmlformats.org/presentationml/2006/main">
   <p:cSld>
     <p:spTree>
@@ -12612,7 +8177,7 @@
 </p:sld>
 </file>
 
-<file path=ppt/slides/slide5.xml><?xml version="1.0" encoding="utf-8"?>
+<file path=ppt/slides/slide4.xml><?xml version="1.0" encoding="utf-8"?>
 <p:sld xmlns:a="http://schemas.openxmlformats.org/drawingml/2006/main" xmlns:r="http://schemas.openxmlformats.org/officeDocument/2006/relationships" xmlns:p="http://schemas.openxmlformats.org/presentationml/2006/main">
   <p:cSld>
     <p:spTree>
@@ -13652,7 +9217,7 @@
 </p:sld>
 </file>
 
-<file path=ppt/slides/slide6.xml><?xml version="1.0" encoding="utf-8"?>
+<file path=ppt/slides/slide5.xml><?xml version="1.0" encoding="utf-8"?>
 <p:sld xmlns:a="http://schemas.openxmlformats.org/drawingml/2006/main" xmlns:r="http://schemas.openxmlformats.org/officeDocument/2006/relationships" xmlns:p="http://schemas.openxmlformats.org/presentationml/2006/main">
   <p:cSld>
     <p:spTree>
@@ -18019,7 +13584,7 @@
 </p:sld>
 </file>
 
-<file path=ppt/slides/slide7.xml><?xml version="1.0" encoding="utf-8"?>
+<file path=ppt/slides/slide6.xml><?xml version="1.0" encoding="utf-8"?>
 <p:sld xmlns:a="http://schemas.openxmlformats.org/drawingml/2006/main" xmlns:r="http://schemas.openxmlformats.org/officeDocument/2006/relationships" xmlns:p="http://schemas.openxmlformats.org/presentationml/2006/main">
   <p:cSld>
     <p:spTree>
@@ -19159,7 +14724,7 @@
 </p:sld>
 </file>
 
-<file path=ppt/slides/slide8.xml><?xml version="1.0" encoding="utf-8"?>
+<file path=ppt/slides/slide7.xml><?xml version="1.0" encoding="utf-8"?>
 <p:sld xmlns:a="http://schemas.openxmlformats.org/drawingml/2006/main" xmlns:r="http://schemas.openxmlformats.org/officeDocument/2006/relationships" xmlns:p="http://schemas.openxmlformats.org/presentationml/2006/main">
   <p:cSld>
     <p:spTree>
@@ -21936,7 +17501,7 @@
 </p:sld>
 </file>
 
-<file path=ppt/slides/slide9.xml><?xml version="1.0" encoding="utf-8"?>
+<file path=ppt/slides/slide8.xml><?xml version="1.0" encoding="utf-8"?>
 <p:sld xmlns:a="http://schemas.openxmlformats.org/drawingml/2006/main" xmlns:r="http://schemas.openxmlformats.org/officeDocument/2006/relationships" xmlns:p="http://schemas.openxmlformats.org/presentationml/2006/main">
   <p:cSld>
     <p:spTree>
